--- a/pics/2021-12-13-chi_square/pics.pptx
+++ b/pics/2021-12-13-chi_square/pics.pptx
@@ -7,6 +7,9 @@
   <p:sldIdLst>
     <p:sldId id="256" r:id="rId2"/>
     <p:sldId id="257" r:id="rId3"/>
+    <p:sldId id="258" r:id="rId4"/>
+    <p:sldId id="259" r:id="rId5"/>
+    <p:sldId id="260" r:id="rId6"/>
   </p:sldIdLst>
   <p:sldSz cx="9144000" cy="6858000" type="screen4x3"/>
   <p:notesSz cx="6858000" cy="9144000"/>
@@ -4621,6 +4624,1986 @@
     <p:extLst>
       <p:ext uri="{BB962C8B-B14F-4D97-AF65-F5344CB8AC3E}">
         <p14:creationId xmlns:p14="http://schemas.microsoft.com/office/powerpoint/2010/main" val="3382991622"/>
+      </p:ext>
+    </p:extLst>
+  </p:cSld>
+  <p:clrMapOvr>
+    <a:masterClrMapping/>
+  </p:clrMapOvr>
+</p:sld>
+</file>
+
+<file path=ppt/slides/slide3.xml><?xml version="1.0" encoding="utf-8"?>
+<p:sld xmlns:a="http://schemas.openxmlformats.org/drawingml/2006/main" xmlns:r="http://schemas.openxmlformats.org/officeDocument/2006/relationships" xmlns:p="http://schemas.openxmlformats.org/presentationml/2006/main">
+  <p:cSld>
+    <p:spTree>
+      <p:nvGrpSpPr>
+        <p:cNvPr id="1" name=""/>
+        <p:cNvGrpSpPr/>
+        <p:nvPr/>
+      </p:nvGrpSpPr>
+      <p:grpSpPr>
+        <a:xfrm>
+          <a:off x="0" y="0"/>
+          <a:ext cx="0" cy="0"/>
+          <a:chOff x="0" y="0"/>
+          <a:chExt cx="0" cy="0"/>
+        </a:xfrm>
+      </p:grpSpPr>
+      <p:sp>
+        <p:nvSpPr>
+          <p:cNvPr id="21" name="직사각형 20"/>
+          <p:cNvSpPr/>
+          <p:nvPr/>
+        </p:nvSpPr>
+        <p:spPr>
+          <a:xfrm>
+            <a:off x="6156176" y="5180469"/>
+            <a:ext cx="343870" cy="457200"/>
+          </a:xfrm>
+          <a:prstGeom prst="rect">
+            <a:avLst/>
+          </a:prstGeom>
+          <a:ln>
+            <a:noFill/>
+          </a:ln>
+        </p:spPr>
+        <p:style>
+          <a:lnRef idx="2">
+            <a:schemeClr val="accent1">
+              <a:shade val="50000"/>
+            </a:schemeClr>
+          </a:lnRef>
+          <a:fillRef idx="1">
+            <a:schemeClr val="accent1"/>
+          </a:fillRef>
+          <a:effectRef idx="0">
+            <a:schemeClr val="accent1"/>
+          </a:effectRef>
+          <a:fontRef idx="minor">
+            <a:schemeClr val="lt1"/>
+          </a:fontRef>
+        </p:style>
+        <p:txBody>
+          <a:bodyPr rtlCol="0" anchor="ctr"/>
+          <a:lstStyle/>
+          <a:p>
+            <a:pPr algn="ctr"/>
+            <a:endParaRPr lang="ko-KR" altLang="en-US"/>
+          </a:p>
+        </p:txBody>
+      </p:sp>
+      <p:sp>
+        <p:nvSpPr>
+          <p:cNvPr id="6" name="Freeform 6"/>
+          <p:cNvSpPr>
+            <a:spLocks/>
+          </p:cNvSpPr>
+          <p:nvPr/>
+        </p:nvSpPr>
+        <p:spPr bwMode="auto">
+          <a:xfrm>
+            <a:off x="2467770" y="1103347"/>
+            <a:ext cx="4984550" cy="1114623"/>
+          </a:xfrm>
+          <a:custGeom>
+            <a:avLst/>
+            <a:gdLst>
+              <a:gd name="T0" fmla="*/ 27 w 2604"/>
+              <a:gd name="T1" fmla="*/ 2025 h 2030"/>
+              <a:gd name="T2" fmla="*/ 79 w 2604"/>
+              <a:gd name="T3" fmla="*/ 2013 h 2030"/>
+              <a:gd name="T4" fmla="*/ 132 w 2604"/>
+              <a:gd name="T5" fmla="*/ 1998 h 2030"/>
+              <a:gd name="T6" fmla="*/ 184 w 2604"/>
+              <a:gd name="T7" fmla="*/ 1978 h 2030"/>
+              <a:gd name="T8" fmla="*/ 237 w 2604"/>
+              <a:gd name="T9" fmla="*/ 1951 h 2030"/>
+              <a:gd name="T10" fmla="*/ 290 w 2604"/>
+              <a:gd name="T11" fmla="*/ 1917 h 2030"/>
+              <a:gd name="T12" fmla="*/ 342 w 2604"/>
+              <a:gd name="T13" fmla="*/ 1875 h 2030"/>
+              <a:gd name="T14" fmla="*/ 395 w 2604"/>
+              <a:gd name="T15" fmla="*/ 1821 h 2030"/>
+              <a:gd name="T16" fmla="*/ 447 w 2604"/>
+              <a:gd name="T17" fmla="*/ 1757 h 2030"/>
+              <a:gd name="T18" fmla="*/ 500 w 2604"/>
+              <a:gd name="T19" fmla="*/ 1680 h 2030"/>
+              <a:gd name="T20" fmla="*/ 552 w 2604"/>
+              <a:gd name="T21" fmla="*/ 1590 h 2030"/>
+              <a:gd name="T22" fmla="*/ 605 w 2604"/>
+              <a:gd name="T23" fmla="*/ 1487 h 2030"/>
+              <a:gd name="T24" fmla="*/ 658 w 2604"/>
+              <a:gd name="T25" fmla="*/ 1371 h 2030"/>
+              <a:gd name="T26" fmla="*/ 710 w 2604"/>
+              <a:gd name="T27" fmla="*/ 1242 h 2030"/>
+              <a:gd name="T28" fmla="*/ 763 w 2604"/>
+              <a:gd name="T29" fmla="*/ 1104 h 2030"/>
+              <a:gd name="T30" fmla="*/ 816 w 2604"/>
+              <a:gd name="T31" fmla="*/ 957 h 2030"/>
+              <a:gd name="T32" fmla="*/ 868 w 2604"/>
+              <a:gd name="T33" fmla="*/ 807 h 2030"/>
+              <a:gd name="T34" fmla="*/ 921 w 2604"/>
+              <a:gd name="T35" fmla="*/ 657 h 2030"/>
+              <a:gd name="T36" fmla="*/ 974 w 2604"/>
+              <a:gd name="T37" fmla="*/ 512 h 2030"/>
+              <a:gd name="T38" fmla="*/ 1026 w 2604"/>
+              <a:gd name="T39" fmla="*/ 376 h 2030"/>
+              <a:gd name="T40" fmla="*/ 1079 w 2604"/>
+              <a:gd name="T41" fmla="*/ 255 h 2030"/>
+              <a:gd name="T42" fmla="*/ 1131 w 2604"/>
+              <a:gd name="T43" fmla="*/ 153 h 2030"/>
+              <a:gd name="T44" fmla="*/ 1184 w 2604"/>
+              <a:gd name="T45" fmla="*/ 75 h 2030"/>
+              <a:gd name="T46" fmla="*/ 1236 w 2604"/>
+              <a:gd name="T47" fmla="*/ 23 h 2030"/>
+              <a:gd name="T48" fmla="*/ 1289 w 2604"/>
+              <a:gd name="T49" fmla="*/ 0 h 2030"/>
+              <a:gd name="T50" fmla="*/ 1342 w 2604"/>
+              <a:gd name="T51" fmla="*/ 8 h 2030"/>
+              <a:gd name="T52" fmla="*/ 1394 w 2604"/>
+              <a:gd name="T53" fmla="*/ 45 h 2030"/>
+              <a:gd name="T54" fmla="*/ 1447 w 2604"/>
+              <a:gd name="T55" fmla="*/ 111 h 2030"/>
+              <a:gd name="T56" fmla="*/ 1500 w 2604"/>
+              <a:gd name="T57" fmla="*/ 201 h 2030"/>
+              <a:gd name="T58" fmla="*/ 1552 w 2604"/>
+              <a:gd name="T59" fmla="*/ 313 h 2030"/>
+              <a:gd name="T60" fmla="*/ 1605 w 2604"/>
+              <a:gd name="T61" fmla="*/ 442 h 2030"/>
+              <a:gd name="T62" fmla="*/ 1657 w 2604"/>
+              <a:gd name="T63" fmla="*/ 584 h 2030"/>
+              <a:gd name="T64" fmla="*/ 1710 w 2604"/>
+              <a:gd name="T65" fmla="*/ 732 h 2030"/>
+              <a:gd name="T66" fmla="*/ 1762 w 2604"/>
+              <a:gd name="T67" fmla="*/ 883 h 2030"/>
+              <a:gd name="T68" fmla="*/ 1815 w 2604"/>
+              <a:gd name="T69" fmla="*/ 1031 h 2030"/>
+              <a:gd name="T70" fmla="*/ 1868 w 2604"/>
+              <a:gd name="T71" fmla="*/ 1174 h 2030"/>
+              <a:gd name="T72" fmla="*/ 1920 w 2604"/>
+              <a:gd name="T73" fmla="*/ 1308 h 2030"/>
+              <a:gd name="T74" fmla="*/ 1973 w 2604"/>
+              <a:gd name="T75" fmla="*/ 1430 h 2030"/>
+              <a:gd name="T76" fmla="*/ 2025 w 2604"/>
+              <a:gd name="T77" fmla="*/ 1541 h 2030"/>
+              <a:gd name="T78" fmla="*/ 2078 w 2604"/>
+              <a:gd name="T79" fmla="*/ 1637 h 2030"/>
+              <a:gd name="T80" fmla="*/ 2131 w 2604"/>
+              <a:gd name="T81" fmla="*/ 1721 h 2030"/>
+              <a:gd name="T82" fmla="*/ 2183 w 2604"/>
+              <a:gd name="T83" fmla="*/ 1791 h 2030"/>
+              <a:gd name="T84" fmla="*/ 2236 w 2604"/>
+              <a:gd name="T85" fmla="*/ 1850 h 2030"/>
+              <a:gd name="T86" fmla="*/ 2289 w 2604"/>
+              <a:gd name="T87" fmla="*/ 1897 h 2030"/>
+              <a:gd name="T88" fmla="*/ 2341 w 2604"/>
+              <a:gd name="T89" fmla="*/ 1935 h 2030"/>
+              <a:gd name="T90" fmla="*/ 2394 w 2604"/>
+              <a:gd name="T91" fmla="*/ 1965 h 2030"/>
+              <a:gd name="T92" fmla="*/ 2446 w 2604"/>
+              <a:gd name="T93" fmla="*/ 1989 h 2030"/>
+              <a:gd name="T94" fmla="*/ 2499 w 2604"/>
+              <a:gd name="T95" fmla="*/ 2006 h 2030"/>
+              <a:gd name="T96" fmla="*/ 2551 w 2604"/>
+              <a:gd name="T97" fmla="*/ 2020 h 2030"/>
+              <a:gd name="T98" fmla="*/ 2604 w 2604"/>
+              <a:gd name="T99" fmla="*/ 2030 h 2030"/>
+            </a:gdLst>
+            <a:ahLst/>
+            <a:cxnLst>
+              <a:cxn ang="0">
+                <a:pos x="T0" y="T1"/>
+              </a:cxn>
+              <a:cxn ang="0">
+                <a:pos x="T2" y="T3"/>
+              </a:cxn>
+              <a:cxn ang="0">
+                <a:pos x="T4" y="T5"/>
+              </a:cxn>
+              <a:cxn ang="0">
+                <a:pos x="T6" y="T7"/>
+              </a:cxn>
+              <a:cxn ang="0">
+                <a:pos x="T8" y="T9"/>
+              </a:cxn>
+              <a:cxn ang="0">
+                <a:pos x="T10" y="T11"/>
+              </a:cxn>
+              <a:cxn ang="0">
+                <a:pos x="T12" y="T13"/>
+              </a:cxn>
+              <a:cxn ang="0">
+                <a:pos x="T14" y="T15"/>
+              </a:cxn>
+              <a:cxn ang="0">
+                <a:pos x="T16" y="T17"/>
+              </a:cxn>
+              <a:cxn ang="0">
+                <a:pos x="T18" y="T19"/>
+              </a:cxn>
+              <a:cxn ang="0">
+                <a:pos x="T20" y="T21"/>
+              </a:cxn>
+              <a:cxn ang="0">
+                <a:pos x="T22" y="T23"/>
+              </a:cxn>
+              <a:cxn ang="0">
+                <a:pos x="T24" y="T25"/>
+              </a:cxn>
+              <a:cxn ang="0">
+                <a:pos x="T26" y="T27"/>
+              </a:cxn>
+              <a:cxn ang="0">
+                <a:pos x="T28" y="T29"/>
+              </a:cxn>
+              <a:cxn ang="0">
+                <a:pos x="T30" y="T31"/>
+              </a:cxn>
+              <a:cxn ang="0">
+                <a:pos x="T32" y="T33"/>
+              </a:cxn>
+              <a:cxn ang="0">
+                <a:pos x="T34" y="T35"/>
+              </a:cxn>
+              <a:cxn ang="0">
+                <a:pos x="T36" y="T37"/>
+              </a:cxn>
+              <a:cxn ang="0">
+                <a:pos x="T38" y="T39"/>
+              </a:cxn>
+              <a:cxn ang="0">
+                <a:pos x="T40" y="T41"/>
+              </a:cxn>
+              <a:cxn ang="0">
+                <a:pos x="T42" y="T43"/>
+              </a:cxn>
+              <a:cxn ang="0">
+                <a:pos x="T44" y="T45"/>
+              </a:cxn>
+              <a:cxn ang="0">
+                <a:pos x="T46" y="T47"/>
+              </a:cxn>
+              <a:cxn ang="0">
+                <a:pos x="T48" y="T49"/>
+              </a:cxn>
+              <a:cxn ang="0">
+                <a:pos x="T50" y="T51"/>
+              </a:cxn>
+              <a:cxn ang="0">
+                <a:pos x="T52" y="T53"/>
+              </a:cxn>
+              <a:cxn ang="0">
+                <a:pos x="T54" y="T55"/>
+              </a:cxn>
+              <a:cxn ang="0">
+                <a:pos x="T56" y="T57"/>
+              </a:cxn>
+              <a:cxn ang="0">
+                <a:pos x="T58" y="T59"/>
+              </a:cxn>
+              <a:cxn ang="0">
+                <a:pos x="T60" y="T61"/>
+              </a:cxn>
+              <a:cxn ang="0">
+                <a:pos x="T62" y="T63"/>
+              </a:cxn>
+              <a:cxn ang="0">
+                <a:pos x="T64" y="T65"/>
+              </a:cxn>
+              <a:cxn ang="0">
+                <a:pos x="T66" y="T67"/>
+              </a:cxn>
+              <a:cxn ang="0">
+                <a:pos x="T68" y="T69"/>
+              </a:cxn>
+              <a:cxn ang="0">
+                <a:pos x="T70" y="T71"/>
+              </a:cxn>
+              <a:cxn ang="0">
+                <a:pos x="T72" y="T73"/>
+              </a:cxn>
+              <a:cxn ang="0">
+                <a:pos x="T74" y="T75"/>
+              </a:cxn>
+              <a:cxn ang="0">
+                <a:pos x="T76" y="T77"/>
+              </a:cxn>
+              <a:cxn ang="0">
+                <a:pos x="T78" y="T79"/>
+              </a:cxn>
+              <a:cxn ang="0">
+                <a:pos x="T80" y="T81"/>
+              </a:cxn>
+              <a:cxn ang="0">
+                <a:pos x="T82" y="T83"/>
+              </a:cxn>
+              <a:cxn ang="0">
+                <a:pos x="T84" y="T85"/>
+              </a:cxn>
+              <a:cxn ang="0">
+                <a:pos x="T86" y="T87"/>
+              </a:cxn>
+              <a:cxn ang="0">
+                <a:pos x="T88" y="T89"/>
+              </a:cxn>
+              <a:cxn ang="0">
+                <a:pos x="T90" y="T91"/>
+              </a:cxn>
+              <a:cxn ang="0">
+                <a:pos x="T92" y="T93"/>
+              </a:cxn>
+              <a:cxn ang="0">
+                <a:pos x="T94" y="T95"/>
+              </a:cxn>
+              <a:cxn ang="0">
+                <a:pos x="T96" y="T97"/>
+              </a:cxn>
+              <a:cxn ang="0">
+                <a:pos x="T98" y="T99"/>
+              </a:cxn>
+            </a:cxnLst>
+            <a:rect l="0" t="0" r="r" b="b"/>
+            <a:pathLst>
+              <a:path w="2604" h="2030">
+                <a:moveTo>
+                  <a:pt x="0" y="2030"/>
+                </a:moveTo>
+                <a:lnTo>
+                  <a:pt x="27" y="2025"/>
+                </a:lnTo>
+                <a:lnTo>
+                  <a:pt x="53" y="2020"/>
+                </a:lnTo>
+                <a:lnTo>
+                  <a:pt x="79" y="2013"/>
+                </a:lnTo>
+                <a:lnTo>
+                  <a:pt x="105" y="2006"/>
+                </a:lnTo>
+                <a:lnTo>
+                  <a:pt x="132" y="1998"/>
+                </a:lnTo>
+                <a:lnTo>
+                  <a:pt x="158" y="1989"/>
+                </a:lnTo>
+                <a:lnTo>
+                  <a:pt x="184" y="1978"/>
+                </a:lnTo>
+                <a:lnTo>
+                  <a:pt x="211" y="1965"/>
+                </a:lnTo>
+                <a:lnTo>
+                  <a:pt x="237" y="1951"/>
+                </a:lnTo>
+                <a:lnTo>
+                  <a:pt x="263" y="1935"/>
+                </a:lnTo>
+                <a:lnTo>
+                  <a:pt x="290" y="1917"/>
+                </a:lnTo>
+                <a:lnTo>
+                  <a:pt x="316" y="1897"/>
+                </a:lnTo>
+                <a:lnTo>
+                  <a:pt x="342" y="1875"/>
+                </a:lnTo>
+                <a:lnTo>
+                  <a:pt x="368" y="1850"/>
+                </a:lnTo>
+                <a:lnTo>
+                  <a:pt x="395" y="1821"/>
+                </a:lnTo>
+                <a:lnTo>
+                  <a:pt x="421" y="1791"/>
+                </a:lnTo>
+                <a:lnTo>
+                  <a:pt x="447" y="1757"/>
+                </a:lnTo>
+                <a:lnTo>
+                  <a:pt x="474" y="1721"/>
+                </a:lnTo>
+                <a:lnTo>
+                  <a:pt x="500" y="1680"/>
+                </a:lnTo>
+                <a:lnTo>
+                  <a:pt x="526" y="1637"/>
+                </a:lnTo>
+                <a:lnTo>
+                  <a:pt x="552" y="1590"/>
+                </a:lnTo>
+                <a:lnTo>
+                  <a:pt x="579" y="1541"/>
+                </a:lnTo>
+                <a:lnTo>
+                  <a:pt x="605" y="1487"/>
+                </a:lnTo>
+                <a:lnTo>
+                  <a:pt x="632" y="1430"/>
+                </a:lnTo>
+                <a:lnTo>
+                  <a:pt x="658" y="1371"/>
+                </a:lnTo>
+                <a:lnTo>
+                  <a:pt x="684" y="1308"/>
+                </a:lnTo>
+                <a:lnTo>
+                  <a:pt x="710" y="1242"/>
+                </a:lnTo>
+                <a:lnTo>
+                  <a:pt x="737" y="1174"/>
+                </a:lnTo>
+                <a:lnTo>
+                  <a:pt x="763" y="1104"/>
+                </a:lnTo>
+                <a:lnTo>
+                  <a:pt x="789" y="1031"/>
+                </a:lnTo>
+                <a:lnTo>
+                  <a:pt x="816" y="957"/>
+                </a:lnTo>
+                <a:lnTo>
+                  <a:pt x="842" y="883"/>
+                </a:lnTo>
+                <a:lnTo>
+                  <a:pt x="868" y="807"/>
+                </a:lnTo>
+                <a:lnTo>
+                  <a:pt x="894" y="732"/>
+                </a:lnTo>
+                <a:lnTo>
+                  <a:pt x="921" y="657"/>
+                </a:lnTo>
+                <a:lnTo>
+                  <a:pt x="947" y="584"/>
+                </a:lnTo>
+                <a:lnTo>
+                  <a:pt x="974" y="512"/>
+                </a:lnTo>
+                <a:lnTo>
+                  <a:pt x="1000" y="442"/>
+                </a:lnTo>
+                <a:lnTo>
+                  <a:pt x="1026" y="376"/>
+                </a:lnTo>
+                <a:lnTo>
+                  <a:pt x="1052" y="313"/>
+                </a:lnTo>
+                <a:lnTo>
+                  <a:pt x="1079" y="255"/>
+                </a:lnTo>
+                <a:lnTo>
+                  <a:pt x="1105" y="201"/>
+                </a:lnTo>
+                <a:lnTo>
+                  <a:pt x="1131" y="153"/>
+                </a:lnTo>
+                <a:lnTo>
+                  <a:pt x="1158" y="111"/>
+                </a:lnTo>
+                <a:lnTo>
+                  <a:pt x="1184" y="75"/>
+                </a:lnTo>
+                <a:lnTo>
+                  <a:pt x="1210" y="45"/>
+                </a:lnTo>
+                <a:lnTo>
+                  <a:pt x="1236" y="23"/>
+                </a:lnTo>
+                <a:lnTo>
+                  <a:pt x="1263" y="8"/>
+                </a:lnTo>
+                <a:lnTo>
+                  <a:pt x="1289" y="0"/>
+                </a:lnTo>
+                <a:lnTo>
+                  <a:pt x="1315" y="0"/>
+                </a:lnTo>
+                <a:lnTo>
+                  <a:pt x="1342" y="8"/>
+                </a:lnTo>
+                <a:lnTo>
+                  <a:pt x="1368" y="23"/>
+                </a:lnTo>
+                <a:lnTo>
+                  <a:pt x="1394" y="45"/>
+                </a:lnTo>
+                <a:lnTo>
+                  <a:pt x="1420" y="75"/>
+                </a:lnTo>
+                <a:lnTo>
+                  <a:pt x="1447" y="111"/>
+                </a:lnTo>
+                <a:lnTo>
+                  <a:pt x="1473" y="153"/>
+                </a:lnTo>
+                <a:lnTo>
+                  <a:pt x="1500" y="201"/>
+                </a:lnTo>
+                <a:lnTo>
+                  <a:pt x="1526" y="255"/>
+                </a:lnTo>
+                <a:lnTo>
+                  <a:pt x="1552" y="313"/>
+                </a:lnTo>
+                <a:lnTo>
+                  <a:pt x="1578" y="376"/>
+                </a:lnTo>
+                <a:lnTo>
+                  <a:pt x="1605" y="442"/>
+                </a:lnTo>
+                <a:lnTo>
+                  <a:pt x="1631" y="512"/>
+                </a:lnTo>
+                <a:lnTo>
+                  <a:pt x="1657" y="584"/>
+                </a:lnTo>
+                <a:lnTo>
+                  <a:pt x="1684" y="657"/>
+                </a:lnTo>
+                <a:lnTo>
+                  <a:pt x="1710" y="732"/>
+                </a:lnTo>
+                <a:lnTo>
+                  <a:pt x="1736" y="807"/>
+                </a:lnTo>
+                <a:lnTo>
+                  <a:pt x="1762" y="883"/>
+                </a:lnTo>
+                <a:lnTo>
+                  <a:pt x="1789" y="957"/>
+                </a:lnTo>
+                <a:lnTo>
+                  <a:pt x="1815" y="1031"/>
+                </a:lnTo>
+                <a:lnTo>
+                  <a:pt x="1841" y="1104"/>
+                </a:lnTo>
+                <a:lnTo>
+                  <a:pt x="1868" y="1174"/>
+                </a:lnTo>
+                <a:lnTo>
+                  <a:pt x="1894" y="1242"/>
+                </a:lnTo>
+                <a:lnTo>
+                  <a:pt x="1920" y="1308"/>
+                </a:lnTo>
+                <a:lnTo>
+                  <a:pt x="1947" y="1371"/>
+                </a:lnTo>
+                <a:lnTo>
+                  <a:pt x="1973" y="1430"/>
+                </a:lnTo>
+                <a:lnTo>
+                  <a:pt x="1999" y="1487"/>
+                </a:lnTo>
+                <a:lnTo>
+                  <a:pt x="2025" y="1541"/>
+                </a:lnTo>
+                <a:lnTo>
+                  <a:pt x="2052" y="1590"/>
+                </a:lnTo>
+                <a:lnTo>
+                  <a:pt x="2078" y="1637"/>
+                </a:lnTo>
+                <a:lnTo>
+                  <a:pt x="2104" y="1680"/>
+                </a:lnTo>
+                <a:lnTo>
+                  <a:pt x="2131" y="1721"/>
+                </a:lnTo>
+                <a:lnTo>
+                  <a:pt x="2157" y="1757"/>
+                </a:lnTo>
+                <a:lnTo>
+                  <a:pt x="2183" y="1791"/>
+                </a:lnTo>
+                <a:lnTo>
+                  <a:pt x="2209" y="1821"/>
+                </a:lnTo>
+                <a:lnTo>
+                  <a:pt x="2236" y="1850"/>
+                </a:lnTo>
+                <a:lnTo>
+                  <a:pt x="2262" y="1875"/>
+                </a:lnTo>
+                <a:lnTo>
+                  <a:pt x="2289" y="1897"/>
+                </a:lnTo>
+                <a:lnTo>
+                  <a:pt x="2315" y="1917"/>
+                </a:lnTo>
+                <a:lnTo>
+                  <a:pt x="2341" y="1935"/>
+                </a:lnTo>
+                <a:lnTo>
+                  <a:pt x="2367" y="1951"/>
+                </a:lnTo>
+                <a:lnTo>
+                  <a:pt x="2394" y="1965"/>
+                </a:lnTo>
+                <a:lnTo>
+                  <a:pt x="2420" y="1978"/>
+                </a:lnTo>
+                <a:lnTo>
+                  <a:pt x="2446" y="1989"/>
+                </a:lnTo>
+                <a:lnTo>
+                  <a:pt x="2473" y="1998"/>
+                </a:lnTo>
+                <a:lnTo>
+                  <a:pt x="2499" y="2006"/>
+                </a:lnTo>
+                <a:lnTo>
+                  <a:pt x="2525" y="2013"/>
+                </a:lnTo>
+                <a:lnTo>
+                  <a:pt x="2551" y="2020"/>
+                </a:lnTo>
+                <a:lnTo>
+                  <a:pt x="2578" y="2025"/>
+                </a:lnTo>
+                <a:lnTo>
+                  <a:pt x="2604" y="2030"/>
+                </a:lnTo>
+              </a:path>
+            </a:pathLst>
+          </a:custGeom>
+          <a:noFill/>
+          <a:ln w="38100" cap="flat">
+            <a:solidFill>
+              <a:schemeClr val="accent1"/>
+            </a:solidFill>
+            <a:prstDash val="solid"/>
+            <a:round/>
+            <a:headEnd/>
+            <a:tailEnd/>
+          </a:ln>
+          <a:extLst>
+            <a:ext uri="{909E8E84-426E-40DD-AFC4-6F175D3DCCD1}">
+              <a14:hiddenFill xmlns:a14="http://schemas.microsoft.com/office/drawing/2010/main">
+                <a:solidFill>
+                  <a:srgbClr val="FFFFFF"/>
+                </a:solidFill>
+              </a14:hiddenFill>
+            </a:ext>
+          </a:extLst>
+        </p:spPr>
+        <p:txBody>
+          <a:bodyPr vert="horz" wrap="square" lIns="91440" tIns="45720" rIns="91440" bIns="45720" numCol="1" anchor="t" anchorCtr="0" compatLnSpc="1">
+            <a:prstTxWarp prst="textNoShape">
+              <a:avLst/>
+            </a:prstTxWarp>
+          </a:bodyPr>
+          <a:lstStyle/>
+          <a:p>
+            <a:endParaRPr lang="ko-KR" altLang="en-US"/>
+          </a:p>
+        </p:txBody>
+      </p:sp>
+      <p:cxnSp>
+        <p:nvCxnSpPr>
+          <p:cNvPr id="8" name="직선 화살표 연결선 7"/>
+          <p:cNvCxnSpPr/>
+          <p:nvPr/>
+        </p:nvCxnSpPr>
+        <p:spPr>
+          <a:xfrm>
+            <a:off x="1907704" y="2327483"/>
+            <a:ext cx="6120680" cy="0"/>
+          </a:xfrm>
+          <a:prstGeom prst="straightConnector1">
+            <a:avLst/>
+          </a:prstGeom>
+          <a:ln w="19050">
+            <a:solidFill>
+              <a:schemeClr val="tx1"/>
+            </a:solidFill>
+            <a:tailEnd type="arrow"/>
+          </a:ln>
+        </p:spPr>
+        <p:style>
+          <a:lnRef idx="1">
+            <a:schemeClr val="accent1"/>
+          </a:lnRef>
+          <a:fillRef idx="0">
+            <a:schemeClr val="accent1"/>
+          </a:fillRef>
+          <a:effectRef idx="0">
+            <a:schemeClr val="accent1"/>
+          </a:effectRef>
+          <a:fontRef idx="minor">
+            <a:schemeClr val="tx1"/>
+          </a:fontRef>
+        </p:style>
+      </p:cxnSp>
+      <p:sp>
+        <p:nvSpPr>
+          <p:cNvPr id="9" name="TextBox 8"/>
+          <p:cNvSpPr txBox="1"/>
+          <p:nvPr/>
+        </p:nvSpPr>
+        <p:spPr>
+          <a:xfrm>
+            <a:off x="755576" y="959331"/>
+            <a:ext cx="1733167" cy="369332"/>
+          </a:xfrm>
+          <a:prstGeom prst="rect">
+            <a:avLst/>
+          </a:prstGeom>
+          <a:noFill/>
+        </p:spPr>
+        <p:txBody>
+          <a:bodyPr wrap="none" rtlCol="0">
+            <a:spAutoFit/>
+          </a:bodyPr>
+          <a:lstStyle/>
+          <a:p>
+            <a:r>
+              <a:rPr lang="en-US" altLang="ko-KR" dirty="0" smtClean="0">
+                <a:latin typeface="마루 부리 Beta" pitchFamily="50" charset="-127"/>
+                <a:ea typeface="마루 부리 Beta" pitchFamily="50" charset="-127"/>
+              </a:rPr>
+              <a:t>1. </a:t>
+            </a:r>
+            <a:r>
+              <a:rPr lang="ko-KR" altLang="en-US" dirty="0" smtClean="0">
+                <a:latin typeface="마루 부리 Beta" pitchFamily="50" charset="-127"/>
+                <a:ea typeface="마루 부리 Beta" pitchFamily="50" charset="-127"/>
+              </a:rPr>
+              <a:t>표준정규분포</a:t>
+            </a:r>
+            <a:endParaRPr lang="ko-KR" altLang="en-US" dirty="0">
+              <a:latin typeface="마루 부리 Beta" pitchFamily="50" charset="-127"/>
+              <a:ea typeface="마루 부리 Beta" pitchFamily="50" charset="-127"/>
+            </a:endParaRPr>
+          </a:p>
+        </p:txBody>
+      </p:sp>
+      <mc:AlternateContent xmlns:mc="http://schemas.openxmlformats.org/markup-compatibility/2006" xmlns:a14="http://schemas.microsoft.com/office/drawing/2010/main">
+        <mc:Choice Requires="a14">
+          <p:sp>
+            <p:nvSpPr>
+              <p:cNvPr id="10" name="TextBox 9"/>
+              <p:cNvSpPr txBox="1"/>
+              <p:nvPr/>
+            </p:nvSpPr>
+            <p:spPr>
+              <a:xfrm>
+                <a:off x="7775561" y="1895435"/>
+                <a:ext cx="396839" cy="369332"/>
+              </a:xfrm>
+              <a:prstGeom prst="rect">
+                <a:avLst/>
+              </a:prstGeom>
+              <a:noFill/>
+            </p:spPr>
+            <p:txBody>
+              <a:bodyPr wrap="none" rtlCol="0">
+                <a:spAutoFit/>
+              </a:bodyPr>
+              <a:lstStyle/>
+              <a:p>
+                <a:pPr/>
+                <a14:m>
+                  <m:oMathPara xmlns:m="http://schemas.openxmlformats.org/officeDocument/2006/math">
+                    <m:oMathParaPr>
+                      <m:jc m:val="centerGroup"/>
+                    </m:oMathParaPr>
+                    <m:oMath xmlns:m="http://schemas.openxmlformats.org/officeDocument/2006/math">
+                      <m:r>
+                        <a:rPr lang="en-US" altLang="ko-KR" b="0" i="1" smtClean="0">
+                          <a:latin typeface="Cambria Math"/>
+                        </a:rPr>
+                        <m:t>𝑥</m:t>
+                      </m:r>
+                    </m:oMath>
+                  </m:oMathPara>
+                </a14:m>
+                <a:endParaRPr lang="ko-KR" altLang="en-US" dirty="0"/>
+              </a:p>
+            </p:txBody>
+          </p:sp>
+        </mc:Choice>
+        <mc:Fallback xmlns="">
+          <p:sp>
+            <p:nvSpPr>
+              <p:cNvPr id="10" name="TextBox 9"/>
+              <p:cNvSpPr txBox="1">
+                <a:spLocks noRot="1" noChangeAspect="1" noMove="1" noResize="1" noEditPoints="1" noAdjustHandles="1" noChangeArrowheads="1" noChangeShapeType="1" noTextEdit="1"/>
+              </p:cNvSpPr>
+              <p:nvPr/>
+            </p:nvSpPr>
+            <p:spPr>
+              <a:xfrm>
+                <a:off x="7775561" y="1895435"/>
+                <a:ext cx="396839" cy="369332"/>
+              </a:xfrm>
+              <a:prstGeom prst="rect">
+                <a:avLst/>
+              </a:prstGeom>
+              <a:blipFill rotWithShape="1">
+                <a:blip r:embed="rId2"/>
+                <a:stretch>
+                  <a:fillRect/>
+                </a:stretch>
+              </a:blipFill>
+            </p:spPr>
+            <p:txBody>
+              <a:bodyPr/>
+              <a:lstStyle/>
+              <a:p>
+                <a:r>
+                  <a:rPr lang="ko-KR" altLang="en-US">
+                    <a:noFill/>
+                  </a:rPr>
+                  <a:t> </a:t>
+                </a:r>
+              </a:p>
+            </p:txBody>
+          </p:sp>
+        </mc:Fallback>
+      </mc:AlternateContent>
+      <p:cxnSp>
+        <p:nvCxnSpPr>
+          <p:cNvPr id="13" name="직선 화살표 연결선 12"/>
+          <p:cNvCxnSpPr/>
+          <p:nvPr/>
+        </p:nvCxnSpPr>
+        <p:spPr>
+          <a:xfrm>
+            <a:off x="1907704" y="3839651"/>
+            <a:ext cx="6120680" cy="0"/>
+          </a:xfrm>
+          <a:prstGeom prst="straightConnector1">
+            <a:avLst/>
+          </a:prstGeom>
+          <a:ln w="19050">
+            <a:solidFill>
+              <a:schemeClr val="tx1"/>
+            </a:solidFill>
+            <a:tailEnd type="arrow"/>
+          </a:ln>
+        </p:spPr>
+        <p:style>
+          <a:lnRef idx="1">
+            <a:schemeClr val="accent1"/>
+          </a:lnRef>
+          <a:fillRef idx="0">
+            <a:schemeClr val="accent1"/>
+          </a:fillRef>
+          <a:effectRef idx="0">
+            <a:schemeClr val="accent1"/>
+          </a:effectRef>
+          <a:fontRef idx="minor">
+            <a:schemeClr val="tx1"/>
+          </a:fontRef>
+        </p:style>
+      </p:cxnSp>
+      <mc:AlternateContent xmlns:mc="http://schemas.openxmlformats.org/markup-compatibility/2006" xmlns:a14="http://schemas.microsoft.com/office/drawing/2010/main">
+        <mc:Choice Requires="a14">
+          <p:sp>
+            <p:nvSpPr>
+              <p:cNvPr id="15" name="TextBox 14"/>
+              <p:cNvSpPr txBox="1"/>
+              <p:nvPr/>
+            </p:nvSpPr>
+            <p:spPr>
+              <a:xfrm>
+                <a:off x="7775561" y="3407603"/>
+                <a:ext cx="396839" cy="369332"/>
+              </a:xfrm>
+              <a:prstGeom prst="rect">
+                <a:avLst/>
+              </a:prstGeom>
+              <a:noFill/>
+            </p:spPr>
+            <p:txBody>
+              <a:bodyPr wrap="none" rtlCol="0">
+                <a:spAutoFit/>
+              </a:bodyPr>
+              <a:lstStyle/>
+              <a:p>
+                <a:pPr/>
+                <a14:m>
+                  <m:oMathPara xmlns:m="http://schemas.openxmlformats.org/officeDocument/2006/math">
+                    <m:oMathParaPr>
+                      <m:jc m:val="centerGroup"/>
+                    </m:oMathParaPr>
+                    <m:oMath xmlns:m="http://schemas.openxmlformats.org/officeDocument/2006/math">
+                      <m:r>
+                        <a:rPr lang="en-US" altLang="ko-KR" b="0" i="1" smtClean="0">
+                          <a:latin typeface="Cambria Math"/>
+                        </a:rPr>
+                        <m:t>𝑥</m:t>
+                      </m:r>
+                    </m:oMath>
+                  </m:oMathPara>
+                </a14:m>
+                <a:endParaRPr lang="ko-KR" altLang="en-US" dirty="0"/>
+              </a:p>
+            </p:txBody>
+          </p:sp>
+        </mc:Choice>
+        <mc:Fallback xmlns="">
+          <p:sp>
+            <p:nvSpPr>
+              <p:cNvPr id="15" name="TextBox 14"/>
+              <p:cNvSpPr txBox="1">
+                <a:spLocks noRot="1" noChangeAspect="1" noMove="1" noResize="1" noEditPoints="1" noAdjustHandles="1" noChangeArrowheads="1" noChangeShapeType="1" noTextEdit="1"/>
+              </p:cNvSpPr>
+              <p:nvPr/>
+            </p:nvSpPr>
+            <p:spPr>
+              <a:xfrm>
+                <a:off x="7775561" y="3407603"/>
+                <a:ext cx="396839" cy="369332"/>
+              </a:xfrm>
+              <a:prstGeom prst="rect">
+                <a:avLst/>
+              </a:prstGeom>
+              <a:blipFill rotWithShape="1">
+                <a:blip r:embed="rId3"/>
+                <a:stretch>
+                  <a:fillRect/>
+                </a:stretch>
+              </a:blipFill>
+            </p:spPr>
+            <p:txBody>
+              <a:bodyPr/>
+              <a:lstStyle/>
+              <a:p>
+                <a:r>
+                  <a:rPr lang="ko-KR" altLang="en-US">
+                    <a:noFill/>
+                  </a:rPr>
+                  <a:t> </a:t>
+                </a:r>
+              </a:p>
+            </p:txBody>
+          </p:sp>
+        </mc:Fallback>
+      </mc:AlternateContent>
+      <p:cxnSp>
+        <p:nvCxnSpPr>
+          <p:cNvPr id="16" name="직선 화살표 연결선 15"/>
+          <p:cNvCxnSpPr/>
+          <p:nvPr/>
+        </p:nvCxnSpPr>
+        <p:spPr>
+          <a:xfrm>
+            <a:off x="3923929" y="2903547"/>
+            <a:ext cx="0" cy="873388"/>
+          </a:xfrm>
+          <a:prstGeom prst="straightConnector1">
+            <a:avLst/>
+          </a:prstGeom>
+          <a:ln w="28575">
+            <a:solidFill>
+              <a:schemeClr val="tx1"/>
+            </a:solidFill>
+            <a:prstDash val="dash"/>
+            <a:tailEnd type="arrow"/>
+          </a:ln>
+        </p:spPr>
+        <p:style>
+          <a:lnRef idx="1">
+            <a:schemeClr val="accent1"/>
+          </a:lnRef>
+          <a:fillRef idx="0">
+            <a:schemeClr val="accent1"/>
+          </a:fillRef>
+          <a:effectRef idx="0">
+            <a:schemeClr val="accent1"/>
+          </a:effectRef>
+          <a:fontRef idx="minor">
+            <a:schemeClr val="tx1"/>
+          </a:fontRef>
+        </p:style>
+      </p:cxnSp>
+      <p:sp>
+        <p:nvSpPr>
+          <p:cNvPr id="17" name="타원 16"/>
+          <p:cNvSpPr/>
+          <p:nvPr/>
+        </p:nvSpPr>
+        <p:spPr>
+          <a:xfrm>
+            <a:off x="3856288" y="3781932"/>
+            <a:ext cx="139648" cy="139648"/>
+          </a:xfrm>
+          <a:prstGeom prst="ellipse">
+            <a:avLst/>
+          </a:prstGeom>
+          <a:ln>
+            <a:solidFill>
+              <a:schemeClr val="tx1"/>
+            </a:solidFill>
+          </a:ln>
+        </p:spPr>
+        <p:style>
+          <a:lnRef idx="2">
+            <a:schemeClr val="accent1">
+              <a:shade val="50000"/>
+            </a:schemeClr>
+          </a:lnRef>
+          <a:fillRef idx="1">
+            <a:schemeClr val="accent1"/>
+          </a:fillRef>
+          <a:effectRef idx="0">
+            <a:schemeClr val="accent1"/>
+          </a:effectRef>
+          <a:fontRef idx="minor">
+            <a:schemeClr val="lt1"/>
+          </a:fontRef>
+        </p:style>
+        <p:txBody>
+          <a:bodyPr rtlCol="0" anchor="ctr"/>
+          <a:lstStyle/>
+          <a:p>
+            <a:pPr algn="ctr"/>
+            <a:endParaRPr lang="ko-KR" altLang="en-US"/>
+          </a:p>
+        </p:txBody>
+      </p:sp>
+      <p:cxnSp>
+        <p:nvCxnSpPr>
+          <p:cNvPr id="20" name="직선 화살표 연결선 19"/>
+          <p:cNvCxnSpPr/>
+          <p:nvPr/>
+        </p:nvCxnSpPr>
+        <p:spPr>
+          <a:xfrm>
+            <a:off x="4968044" y="2255475"/>
+            <a:ext cx="0" cy="153333"/>
+          </a:xfrm>
+          <a:prstGeom prst="straightConnector1">
+            <a:avLst/>
+          </a:prstGeom>
+          <a:ln w="12700">
+            <a:solidFill>
+              <a:schemeClr val="tx1"/>
+            </a:solidFill>
+            <a:prstDash val="solid"/>
+            <a:headEnd type="none" w="med" len="med"/>
+            <a:tailEnd type="none" w="med" len="med"/>
+          </a:ln>
+        </p:spPr>
+        <p:style>
+          <a:lnRef idx="1">
+            <a:schemeClr val="accent1"/>
+          </a:lnRef>
+          <a:fillRef idx="0">
+            <a:schemeClr val="accent1"/>
+          </a:fillRef>
+          <a:effectRef idx="0">
+            <a:schemeClr val="accent1"/>
+          </a:effectRef>
+          <a:fontRef idx="minor">
+            <a:schemeClr val="tx1"/>
+          </a:fontRef>
+        </p:style>
+      </p:cxnSp>
+      <p:sp>
+        <p:nvSpPr>
+          <p:cNvPr id="22" name="TextBox 21"/>
+          <p:cNvSpPr txBox="1"/>
+          <p:nvPr/>
+        </p:nvSpPr>
+        <p:spPr>
+          <a:xfrm>
+            <a:off x="4798412" y="2342133"/>
+            <a:ext cx="336952" cy="369332"/>
+          </a:xfrm>
+          <a:prstGeom prst="rect">
+            <a:avLst/>
+          </a:prstGeom>
+          <a:noFill/>
+        </p:spPr>
+        <p:txBody>
+          <a:bodyPr wrap="none" rtlCol="0">
+            <a:spAutoFit/>
+          </a:bodyPr>
+          <a:lstStyle/>
+          <a:p>
+            <a:r>
+              <a:rPr lang="en-US" altLang="ko-KR" dirty="0" smtClean="0">
+                <a:latin typeface="마루 부리 Beta" pitchFamily="50" charset="-127"/>
+                <a:ea typeface="마루 부리 Beta" pitchFamily="50" charset="-127"/>
+              </a:rPr>
+              <a:t>0</a:t>
+            </a:r>
+            <a:endParaRPr lang="ko-KR" altLang="en-US" dirty="0">
+              <a:latin typeface="마루 부리 Beta" pitchFamily="50" charset="-127"/>
+              <a:ea typeface="마루 부리 Beta" pitchFamily="50" charset="-127"/>
+            </a:endParaRPr>
+          </a:p>
+        </p:txBody>
+      </p:sp>
+      <p:cxnSp>
+        <p:nvCxnSpPr>
+          <p:cNvPr id="23" name="직선 화살표 연결선 22"/>
+          <p:cNvCxnSpPr/>
+          <p:nvPr/>
+        </p:nvCxnSpPr>
+        <p:spPr>
+          <a:xfrm>
+            <a:off x="1907704" y="5639851"/>
+            <a:ext cx="6120680" cy="0"/>
+          </a:xfrm>
+          <a:prstGeom prst="straightConnector1">
+            <a:avLst/>
+          </a:prstGeom>
+          <a:ln w="19050">
+            <a:solidFill>
+              <a:schemeClr val="tx1"/>
+            </a:solidFill>
+            <a:tailEnd type="arrow"/>
+          </a:ln>
+        </p:spPr>
+        <p:style>
+          <a:lnRef idx="1">
+            <a:schemeClr val="accent1"/>
+          </a:lnRef>
+          <a:fillRef idx="0">
+            <a:schemeClr val="accent1"/>
+          </a:fillRef>
+          <a:effectRef idx="0">
+            <a:schemeClr val="accent1"/>
+          </a:effectRef>
+          <a:fontRef idx="minor">
+            <a:schemeClr val="tx1"/>
+          </a:fontRef>
+        </p:style>
+      </p:cxnSp>
+      <mc:AlternateContent xmlns:mc="http://schemas.openxmlformats.org/markup-compatibility/2006" xmlns:a14="http://schemas.microsoft.com/office/drawing/2010/main">
+        <mc:Choice Requires="a14">
+          <p:sp>
+            <p:nvSpPr>
+              <p:cNvPr id="24" name="TextBox 23"/>
+              <p:cNvSpPr txBox="1"/>
+              <p:nvPr/>
+            </p:nvSpPr>
+            <p:spPr>
+              <a:xfrm>
+                <a:off x="7775561" y="5207803"/>
+                <a:ext cx="396839" cy="369332"/>
+              </a:xfrm>
+              <a:prstGeom prst="rect">
+                <a:avLst/>
+              </a:prstGeom>
+              <a:noFill/>
+            </p:spPr>
+            <p:txBody>
+              <a:bodyPr wrap="none" rtlCol="0">
+                <a:spAutoFit/>
+              </a:bodyPr>
+              <a:lstStyle/>
+              <a:p>
+                <a:pPr/>
+                <a14:m>
+                  <m:oMathPara xmlns:m="http://schemas.openxmlformats.org/officeDocument/2006/math">
+                    <m:oMathParaPr>
+                      <m:jc m:val="centerGroup"/>
+                    </m:oMathParaPr>
+                    <m:oMath xmlns:m="http://schemas.openxmlformats.org/officeDocument/2006/math">
+                      <m:r>
+                        <a:rPr lang="en-US" altLang="ko-KR" b="0" i="1" smtClean="0">
+                          <a:latin typeface="Cambria Math"/>
+                        </a:rPr>
+                        <m:t>𝑥</m:t>
+                      </m:r>
+                    </m:oMath>
+                  </m:oMathPara>
+                </a14:m>
+                <a:endParaRPr lang="ko-KR" altLang="en-US" dirty="0"/>
+              </a:p>
+            </p:txBody>
+          </p:sp>
+        </mc:Choice>
+        <mc:Fallback xmlns="">
+          <p:sp>
+            <p:nvSpPr>
+              <p:cNvPr id="24" name="TextBox 23"/>
+              <p:cNvSpPr txBox="1">
+                <a:spLocks noRot="1" noChangeAspect="1" noMove="1" noResize="1" noEditPoints="1" noAdjustHandles="1" noChangeArrowheads="1" noChangeShapeType="1" noTextEdit="1"/>
+              </p:cNvSpPr>
+              <p:nvPr/>
+            </p:nvSpPr>
+            <p:spPr>
+              <a:xfrm>
+                <a:off x="7775561" y="5207803"/>
+                <a:ext cx="396839" cy="369332"/>
+              </a:xfrm>
+              <a:prstGeom prst="rect">
+                <a:avLst/>
+              </a:prstGeom>
+              <a:blipFill rotWithShape="1">
+                <a:blip r:embed="rId4"/>
+                <a:stretch>
+                  <a:fillRect/>
+                </a:stretch>
+              </a:blipFill>
+            </p:spPr>
+            <p:txBody>
+              <a:bodyPr/>
+              <a:lstStyle/>
+              <a:p>
+                <a:r>
+                  <a:rPr lang="ko-KR" altLang="en-US">
+                    <a:noFill/>
+                  </a:rPr>
+                  <a:t> </a:t>
+                </a:r>
+              </a:p>
+            </p:txBody>
+          </p:sp>
+        </mc:Fallback>
+      </mc:AlternateContent>
+      <p:sp>
+        <p:nvSpPr>
+          <p:cNvPr id="26" name="TextBox 25"/>
+          <p:cNvSpPr txBox="1"/>
+          <p:nvPr/>
+        </p:nvSpPr>
+        <p:spPr>
+          <a:xfrm>
+            <a:off x="755576" y="2606223"/>
+            <a:ext cx="2488182" cy="369332"/>
+          </a:xfrm>
+          <a:prstGeom prst="rect">
+            <a:avLst/>
+          </a:prstGeom>
+          <a:noFill/>
+        </p:spPr>
+        <p:txBody>
+          <a:bodyPr wrap="none" rtlCol="0">
+            <a:spAutoFit/>
+          </a:bodyPr>
+          <a:lstStyle/>
+          <a:p>
+            <a:r>
+              <a:rPr lang="en-US" altLang="ko-KR" dirty="0" smtClean="0">
+                <a:latin typeface="마루 부리 Beta" pitchFamily="50" charset="-127"/>
+                <a:ea typeface="마루 부리 Beta" pitchFamily="50" charset="-127"/>
+                <a:sym typeface="Wingdings" pitchFamily="2" charset="2"/>
+              </a:rPr>
+              <a:t>2. </a:t>
+            </a:r>
+            <a:r>
+              <a:rPr lang="ko-KR" altLang="en-US" dirty="0" smtClean="0">
+                <a:latin typeface="마루 부리 Beta" pitchFamily="50" charset="-127"/>
+                <a:ea typeface="마루 부리 Beta" pitchFamily="50" charset="-127"/>
+              </a:rPr>
+              <a:t>샘플 세 개 랜덤 추출</a:t>
+            </a:r>
+            <a:endParaRPr lang="ko-KR" altLang="en-US" dirty="0">
+              <a:latin typeface="마루 부리 Beta" pitchFamily="50" charset="-127"/>
+              <a:ea typeface="마루 부리 Beta" pitchFamily="50" charset="-127"/>
+            </a:endParaRPr>
+          </a:p>
+        </p:txBody>
+      </p:sp>
+      <p:sp>
+        <p:nvSpPr>
+          <p:cNvPr id="27" name="TextBox 26"/>
+          <p:cNvSpPr txBox="1"/>
+          <p:nvPr/>
+        </p:nvSpPr>
+        <p:spPr>
+          <a:xfrm>
+            <a:off x="755576" y="4334415"/>
+            <a:ext cx="3663182" cy="369332"/>
+          </a:xfrm>
+          <a:prstGeom prst="rect">
+            <a:avLst/>
+          </a:prstGeom>
+          <a:noFill/>
+        </p:spPr>
+        <p:txBody>
+          <a:bodyPr wrap="none" rtlCol="0">
+            <a:spAutoFit/>
+          </a:bodyPr>
+          <a:lstStyle/>
+          <a:p>
+            <a:r>
+              <a:rPr lang="en-US" altLang="ko-KR" dirty="0" smtClean="0">
+                <a:latin typeface="마루 부리 Beta" pitchFamily="50" charset="-127"/>
+                <a:ea typeface="마루 부리 Beta" pitchFamily="50" charset="-127"/>
+                <a:sym typeface="Wingdings" pitchFamily="2" charset="2"/>
+              </a:rPr>
+              <a:t>3. </a:t>
+            </a:r>
+            <a:r>
+              <a:rPr lang="ko-KR" altLang="en-US" dirty="0" smtClean="0">
+                <a:latin typeface="마루 부리 Beta" pitchFamily="50" charset="-127"/>
+                <a:ea typeface="마루 부리 Beta" pitchFamily="50" charset="-127"/>
+                <a:sym typeface="Wingdings" pitchFamily="2" charset="2"/>
+              </a:rPr>
+              <a:t>제곱</a:t>
+            </a:r>
+            <a:r>
+              <a:rPr lang="en-US" altLang="ko-KR" dirty="0" smtClean="0">
+                <a:latin typeface="마루 부리 Beta" pitchFamily="50" charset="-127"/>
+                <a:ea typeface="마루 부리 Beta" pitchFamily="50" charset="-127"/>
+                <a:sym typeface="Wingdings" pitchFamily="2" charset="2"/>
+              </a:rPr>
+              <a:t>&amp;</a:t>
+            </a:r>
+            <a:r>
+              <a:rPr lang="ko-KR" altLang="en-US" dirty="0" smtClean="0">
+                <a:latin typeface="마루 부리 Beta" pitchFamily="50" charset="-127"/>
+                <a:ea typeface="마루 부리 Beta" pitchFamily="50" charset="-127"/>
+                <a:sym typeface="Wingdings" pitchFamily="2" charset="2"/>
+              </a:rPr>
+              <a:t>합 해서 </a:t>
+            </a:r>
+            <a:r>
+              <a:rPr lang="en-US" altLang="ko-KR" dirty="0" smtClean="0">
+                <a:latin typeface="마루 부리 Beta" pitchFamily="50" charset="-127"/>
+                <a:ea typeface="마루 부리 Beta" pitchFamily="50" charset="-127"/>
+                <a:sym typeface="Wingdings" pitchFamily="2" charset="2"/>
+              </a:rPr>
+              <a:t>histogram </a:t>
+            </a:r>
+            <a:r>
+              <a:rPr lang="ko-KR" altLang="en-US" dirty="0" smtClean="0">
+                <a:latin typeface="마루 부리 Beta" pitchFamily="50" charset="-127"/>
+                <a:ea typeface="마루 부리 Beta" pitchFamily="50" charset="-127"/>
+                <a:sym typeface="Wingdings" pitchFamily="2" charset="2"/>
+              </a:rPr>
+              <a:t>카운</a:t>
+            </a:r>
+            <a:r>
+              <a:rPr lang="ko-KR" altLang="en-US" dirty="0">
+                <a:latin typeface="마루 부리 Beta" pitchFamily="50" charset="-127"/>
+                <a:ea typeface="마루 부리 Beta" pitchFamily="50" charset="-127"/>
+                <a:sym typeface="Wingdings" pitchFamily="2" charset="2"/>
+              </a:rPr>
+              <a:t>트</a:t>
+            </a:r>
+            <a:endParaRPr lang="ko-KR" altLang="en-US" dirty="0">
+              <a:latin typeface="마루 부리 Beta" pitchFamily="50" charset="-127"/>
+              <a:ea typeface="마루 부리 Beta" pitchFamily="50" charset="-127"/>
+            </a:endParaRPr>
+          </a:p>
+        </p:txBody>
+      </p:sp>
+      <p:cxnSp>
+        <p:nvCxnSpPr>
+          <p:cNvPr id="28" name="직선 화살표 연결선 27"/>
+          <p:cNvCxnSpPr/>
+          <p:nvPr/>
+        </p:nvCxnSpPr>
+        <p:spPr>
+          <a:xfrm>
+            <a:off x="4968044" y="3784351"/>
+            <a:ext cx="0" cy="153333"/>
+          </a:xfrm>
+          <a:prstGeom prst="straightConnector1">
+            <a:avLst/>
+          </a:prstGeom>
+          <a:ln w="12700">
+            <a:solidFill>
+              <a:schemeClr val="tx1"/>
+            </a:solidFill>
+            <a:prstDash val="solid"/>
+            <a:headEnd type="none" w="med" len="med"/>
+            <a:tailEnd type="none" w="med" len="med"/>
+          </a:ln>
+        </p:spPr>
+        <p:style>
+          <a:lnRef idx="1">
+            <a:schemeClr val="accent1"/>
+          </a:lnRef>
+          <a:fillRef idx="0">
+            <a:schemeClr val="accent1"/>
+          </a:fillRef>
+          <a:effectRef idx="0">
+            <a:schemeClr val="accent1"/>
+          </a:effectRef>
+          <a:fontRef idx="minor">
+            <a:schemeClr val="tx1"/>
+          </a:fontRef>
+        </p:style>
+      </p:cxnSp>
+      <p:sp>
+        <p:nvSpPr>
+          <p:cNvPr id="29" name="TextBox 28"/>
+          <p:cNvSpPr txBox="1"/>
+          <p:nvPr/>
+        </p:nvSpPr>
+        <p:spPr>
+          <a:xfrm>
+            <a:off x="4798412" y="3871009"/>
+            <a:ext cx="336952" cy="369332"/>
+          </a:xfrm>
+          <a:prstGeom prst="rect">
+            <a:avLst/>
+          </a:prstGeom>
+          <a:noFill/>
+        </p:spPr>
+        <p:txBody>
+          <a:bodyPr wrap="none" rtlCol="0">
+            <a:spAutoFit/>
+          </a:bodyPr>
+          <a:lstStyle/>
+          <a:p>
+            <a:r>
+              <a:rPr lang="en-US" altLang="ko-KR" dirty="0" smtClean="0">
+                <a:latin typeface="마루 부리 Beta" pitchFamily="50" charset="-127"/>
+                <a:ea typeface="마루 부리 Beta" pitchFamily="50" charset="-127"/>
+              </a:rPr>
+              <a:t>0</a:t>
+            </a:r>
+            <a:endParaRPr lang="ko-KR" altLang="en-US" dirty="0">
+              <a:latin typeface="마루 부리 Beta" pitchFamily="50" charset="-127"/>
+              <a:ea typeface="마루 부리 Beta" pitchFamily="50" charset="-127"/>
+            </a:endParaRPr>
+          </a:p>
+        </p:txBody>
+      </p:sp>
+      <p:cxnSp>
+        <p:nvCxnSpPr>
+          <p:cNvPr id="30" name="직선 화살표 연결선 29"/>
+          <p:cNvCxnSpPr/>
+          <p:nvPr/>
+        </p:nvCxnSpPr>
+        <p:spPr>
+          <a:xfrm>
+            <a:off x="4968044" y="5565298"/>
+            <a:ext cx="0" cy="153333"/>
+          </a:xfrm>
+          <a:prstGeom prst="straightConnector1">
+            <a:avLst/>
+          </a:prstGeom>
+          <a:ln w="12700">
+            <a:solidFill>
+              <a:schemeClr val="tx1"/>
+            </a:solidFill>
+            <a:prstDash val="solid"/>
+            <a:headEnd type="none" w="med" len="med"/>
+            <a:tailEnd type="none" w="med" len="med"/>
+          </a:ln>
+        </p:spPr>
+        <p:style>
+          <a:lnRef idx="1">
+            <a:schemeClr val="accent1"/>
+          </a:lnRef>
+          <a:fillRef idx="0">
+            <a:schemeClr val="accent1"/>
+          </a:fillRef>
+          <a:effectRef idx="0">
+            <a:schemeClr val="accent1"/>
+          </a:effectRef>
+          <a:fontRef idx="minor">
+            <a:schemeClr val="tx1"/>
+          </a:fontRef>
+        </p:style>
+      </p:cxnSp>
+      <p:sp>
+        <p:nvSpPr>
+          <p:cNvPr id="31" name="TextBox 30"/>
+          <p:cNvSpPr txBox="1"/>
+          <p:nvPr/>
+        </p:nvSpPr>
+        <p:spPr>
+          <a:xfrm>
+            <a:off x="4798412" y="5651956"/>
+            <a:ext cx="336952" cy="369332"/>
+          </a:xfrm>
+          <a:prstGeom prst="rect">
+            <a:avLst/>
+          </a:prstGeom>
+          <a:noFill/>
+        </p:spPr>
+        <p:txBody>
+          <a:bodyPr wrap="none" rtlCol="0">
+            <a:spAutoFit/>
+          </a:bodyPr>
+          <a:lstStyle/>
+          <a:p>
+            <a:r>
+              <a:rPr lang="en-US" altLang="ko-KR" dirty="0" smtClean="0">
+                <a:latin typeface="마루 부리 Beta" pitchFamily="50" charset="-127"/>
+                <a:ea typeface="마루 부리 Beta" pitchFamily="50" charset="-127"/>
+              </a:rPr>
+              <a:t>0</a:t>
+            </a:r>
+            <a:endParaRPr lang="ko-KR" altLang="en-US" dirty="0">
+              <a:latin typeface="마루 부리 Beta" pitchFamily="50" charset="-127"/>
+              <a:ea typeface="마루 부리 Beta" pitchFamily="50" charset="-127"/>
+            </a:endParaRPr>
+          </a:p>
+        </p:txBody>
+      </p:sp>
+      <p:cxnSp>
+        <p:nvCxnSpPr>
+          <p:cNvPr id="25" name="직선 화살표 연결선 24"/>
+          <p:cNvCxnSpPr/>
+          <p:nvPr/>
+        </p:nvCxnSpPr>
+        <p:spPr>
+          <a:xfrm>
+            <a:off x="5436096" y="2903547"/>
+            <a:ext cx="0" cy="873388"/>
+          </a:xfrm>
+          <a:prstGeom prst="straightConnector1">
+            <a:avLst/>
+          </a:prstGeom>
+          <a:ln w="28575">
+            <a:solidFill>
+              <a:schemeClr val="tx1"/>
+            </a:solidFill>
+            <a:prstDash val="dash"/>
+            <a:tailEnd type="arrow"/>
+          </a:ln>
+        </p:spPr>
+        <p:style>
+          <a:lnRef idx="1">
+            <a:schemeClr val="accent1"/>
+          </a:lnRef>
+          <a:fillRef idx="0">
+            <a:schemeClr val="accent1"/>
+          </a:fillRef>
+          <a:effectRef idx="0">
+            <a:schemeClr val="accent1"/>
+          </a:effectRef>
+          <a:fontRef idx="minor">
+            <a:schemeClr val="tx1"/>
+          </a:fontRef>
+        </p:style>
+      </p:cxnSp>
+      <p:sp>
+        <p:nvSpPr>
+          <p:cNvPr id="32" name="타원 31"/>
+          <p:cNvSpPr/>
+          <p:nvPr/>
+        </p:nvSpPr>
+        <p:spPr>
+          <a:xfrm>
+            <a:off x="5368455" y="3781932"/>
+            <a:ext cx="139648" cy="139648"/>
+          </a:xfrm>
+          <a:prstGeom prst="ellipse">
+            <a:avLst/>
+          </a:prstGeom>
+          <a:ln>
+            <a:solidFill>
+              <a:schemeClr val="tx1"/>
+            </a:solidFill>
+          </a:ln>
+        </p:spPr>
+        <p:style>
+          <a:lnRef idx="2">
+            <a:schemeClr val="accent1">
+              <a:shade val="50000"/>
+            </a:schemeClr>
+          </a:lnRef>
+          <a:fillRef idx="1">
+            <a:schemeClr val="accent1"/>
+          </a:fillRef>
+          <a:effectRef idx="0">
+            <a:schemeClr val="accent1"/>
+          </a:effectRef>
+          <a:fontRef idx="minor">
+            <a:schemeClr val="lt1"/>
+          </a:fontRef>
+        </p:style>
+        <p:txBody>
+          <a:bodyPr rtlCol="0" anchor="ctr"/>
+          <a:lstStyle/>
+          <a:p>
+            <a:pPr algn="ctr"/>
+            <a:endParaRPr lang="ko-KR" altLang="en-US"/>
+          </a:p>
+        </p:txBody>
+      </p:sp>
+      <p:cxnSp>
+        <p:nvCxnSpPr>
+          <p:cNvPr id="33" name="직선 화살표 연결선 32"/>
+          <p:cNvCxnSpPr/>
+          <p:nvPr/>
+        </p:nvCxnSpPr>
+        <p:spPr>
+          <a:xfrm>
+            <a:off x="5868144" y="2903547"/>
+            <a:ext cx="0" cy="873388"/>
+          </a:xfrm>
+          <a:prstGeom prst="straightConnector1">
+            <a:avLst/>
+          </a:prstGeom>
+          <a:ln w="28575">
+            <a:solidFill>
+              <a:schemeClr val="tx1"/>
+            </a:solidFill>
+            <a:prstDash val="dash"/>
+            <a:tailEnd type="arrow"/>
+          </a:ln>
+        </p:spPr>
+        <p:style>
+          <a:lnRef idx="1">
+            <a:schemeClr val="accent1"/>
+          </a:lnRef>
+          <a:fillRef idx="0">
+            <a:schemeClr val="accent1"/>
+          </a:fillRef>
+          <a:effectRef idx="0">
+            <a:schemeClr val="accent1"/>
+          </a:effectRef>
+          <a:fontRef idx="minor">
+            <a:schemeClr val="tx1"/>
+          </a:fontRef>
+        </p:style>
+      </p:cxnSp>
+      <p:sp>
+        <p:nvSpPr>
+          <p:cNvPr id="34" name="타원 33"/>
+          <p:cNvSpPr/>
+          <p:nvPr/>
+        </p:nvSpPr>
+        <p:spPr>
+          <a:xfrm>
+            <a:off x="5800503" y="3781932"/>
+            <a:ext cx="139648" cy="139648"/>
+          </a:xfrm>
+          <a:prstGeom prst="ellipse">
+            <a:avLst/>
+          </a:prstGeom>
+          <a:ln>
+            <a:solidFill>
+              <a:schemeClr val="tx1"/>
+            </a:solidFill>
+          </a:ln>
+        </p:spPr>
+        <p:style>
+          <a:lnRef idx="2">
+            <a:schemeClr val="accent1">
+              <a:shade val="50000"/>
+            </a:schemeClr>
+          </a:lnRef>
+          <a:fillRef idx="1">
+            <a:schemeClr val="accent1"/>
+          </a:fillRef>
+          <a:effectRef idx="0">
+            <a:schemeClr val="accent1"/>
+          </a:effectRef>
+          <a:fontRef idx="minor">
+            <a:schemeClr val="lt1"/>
+          </a:fontRef>
+        </p:style>
+        <p:txBody>
+          <a:bodyPr rtlCol="0" anchor="ctr"/>
+          <a:lstStyle/>
+          <a:p>
+            <a:pPr algn="ctr"/>
+            <a:endParaRPr lang="ko-KR" altLang="en-US"/>
+          </a:p>
+        </p:txBody>
+      </p:sp>
+      <p:cxnSp>
+        <p:nvCxnSpPr>
+          <p:cNvPr id="35" name="직선 화살표 연결선 34"/>
+          <p:cNvCxnSpPr/>
+          <p:nvPr/>
+        </p:nvCxnSpPr>
+        <p:spPr>
+          <a:xfrm>
+            <a:off x="3995936" y="4055675"/>
+            <a:ext cx="2093824" cy="1058054"/>
+          </a:xfrm>
+          <a:prstGeom prst="straightConnector1">
+            <a:avLst/>
+          </a:prstGeom>
+          <a:ln w="28575">
+            <a:solidFill>
+              <a:schemeClr val="tx1"/>
+            </a:solidFill>
+            <a:prstDash val="dash"/>
+            <a:tailEnd type="arrow"/>
+          </a:ln>
+        </p:spPr>
+        <p:style>
+          <a:lnRef idx="1">
+            <a:schemeClr val="accent1"/>
+          </a:lnRef>
+          <a:fillRef idx="0">
+            <a:schemeClr val="accent1"/>
+          </a:fillRef>
+          <a:effectRef idx="0">
+            <a:schemeClr val="accent1"/>
+          </a:effectRef>
+          <a:fontRef idx="minor">
+            <a:schemeClr val="tx1"/>
+          </a:fontRef>
+        </p:style>
+      </p:cxnSp>
+      <p:cxnSp>
+        <p:nvCxnSpPr>
+          <p:cNvPr id="36" name="직선 화살표 연결선 35"/>
+          <p:cNvCxnSpPr/>
+          <p:nvPr/>
+        </p:nvCxnSpPr>
+        <p:spPr>
+          <a:xfrm>
+            <a:off x="5444184" y="4058326"/>
+            <a:ext cx="817511" cy="1055403"/>
+          </a:xfrm>
+          <a:prstGeom prst="straightConnector1">
+            <a:avLst/>
+          </a:prstGeom>
+          <a:ln w="28575">
+            <a:solidFill>
+              <a:schemeClr val="tx1"/>
+            </a:solidFill>
+            <a:prstDash val="dash"/>
+            <a:tailEnd type="arrow"/>
+          </a:ln>
+        </p:spPr>
+        <p:style>
+          <a:lnRef idx="1">
+            <a:schemeClr val="accent1"/>
+          </a:lnRef>
+          <a:fillRef idx="0">
+            <a:schemeClr val="accent1"/>
+          </a:fillRef>
+          <a:effectRef idx="0">
+            <a:schemeClr val="accent1"/>
+          </a:effectRef>
+          <a:fontRef idx="minor">
+            <a:schemeClr val="tx1"/>
+          </a:fontRef>
+        </p:style>
+      </p:cxnSp>
+      <p:cxnSp>
+        <p:nvCxnSpPr>
+          <p:cNvPr id="37" name="직선 화살표 연결선 36"/>
+          <p:cNvCxnSpPr/>
+          <p:nvPr/>
+        </p:nvCxnSpPr>
+        <p:spPr>
+          <a:xfrm>
+            <a:off x="5870327" y="4055675"/>
+            <a:ext cx="501873" cy="1058054"/>
+          </a:xfrm>
+          <a:prstGeom prst="straightConnector1">
+            <a:avLst/>
+          </a:prstGeom>
+          <a:ln w="28575">
+            <a:solidFill>
+              <a:schemeClr val="tx1"/>
+            </a:solidFill>
+            <a:prstDash val="dash"/>
+            <a:tailEnd type="arrow"/>
+          </a:ln>
+        </p:spPr>
+        <p:style>
+          <a:lnRef idx="1">
+            <a:schemeClr val="accent1"/>
+          </a:lnRef>
+          <a:fillRef idx="0">
+            <a:schemeClr val="accent1"/>
+          </a:fillRef>
+          <a:effectRef idx="0">
+            <a:schemeClr val="accent1"/>
+          </a:effectRef>
+          <a:fontRef idx="minor">
+            <a:schemeClr val="tx1"/>
+          </a:fontRef>
+        </p:style>
+      </p:cxnSp>
+    </p:spTree>
+    <p:extLst>
+      <p:ext uri="{BB962C8B-B14F-4D97-AF65-F5344CB8AC3E}">
+        <p14:creationId xmlns:p14="http://schemas.microsoft.com/office/powerpoint/2010/main" val="4249613450"/>
+      </p:ext>
+    </p:extLst>
+  </p:cSld>
+  <p:clrMapOvr>
+    <a:masterClrMapping/>
+  </p:clrMapOvr>
+</p:sld>
+</file>
+
+<file path=ppt/slides/slide4.xml><?xml version="1.0" encoding="utf-8"?>
+<p:sld xmlns:a="http://schemas.openxmlformats.org/drawingml/2006/main" xmlns:r="http://schemas.openxmlformats.org/officeDocument/2006/relationships" xmlns:p="http://schemas.openxmlformats.org/presentationml/2006/main">
+  <p:cSld>
+    <p:spTree>
+      <p:nvGrpSpPr>
+        <p:cNvPr id="1" name=""/>
+        <p:cNvGrpSpPr/>
+        <p:nvPr/>
+      </p:nvGrpSpPr>
+      <p:grpSpPr>
+        <a:xfrm>
+          <a:off x="0" y="0"/>
+          <a:ext cx="0" cy="0"/>
+          <a:chOff x="0" y="0"/>
+          <a:chExt cx="0" cy="0"/>
+        </a:xfrm>
+      </p:grpSpPr>
+      <p:pic>
+        <p:nvPicPr>
+          <p:cNvPr id="1026" name="Picture 2"/>
+          <p:cNvPicPr>
+            <a:picLocks noChangeAspect="1" noChangeArrowheads="1"/>
+          </p:cNvPicPr>
+          <p:nvPr/>
+        </p:nvPicPr>
+        <p:blipFill>
+          <a:blip r:embed="rId2">
+            <a:extLst>
+              <a:ext uri="{28A0092B-C50C-407E-A947-70E740481C1C}">
+                <a14:useLocalDpi xmlns:a14="http://schemas.microsoft.com/office/drawing/2010/main" val="0"/>
+              </a:ext>
+            </a:extLst>
+          </a:blip>
+          <a:srcRect/>
+          <a:stretch>
+            <a:fillRect/>
+          </a:stretch>
+        </p:blipFill>
+        <p:spPr bwMode="auto">
+          <a:xfrm>
+            <a:off x="1909763" y="1433513"/>
+            <a:ext cx="5324475" cy="3990975"/>
+          </a:xfrm>
+          <a:prstGeom prst="rect">
+            <a:avLst/>
+          </a:prstGeom>
+          <a:noFill/>
+          <a:ln>
+            <a:noFill/>
+          </a:ln>
+          <a:effectLst/>
+          <a:extLst>
+            <a:ext uri="{909E8E84-426E-40DD-AFC4-6F175D3DCCD1}">
+              <a14:hiddenFill xmlns:a14="http://schemas.microsoft.com/office/drawing/2010/main">
+                <a:solidFill>
+                  <a:schemeClr val="accent1"/>
+                </a:solidFill>
+              </a14:hiddenFill>
+            </a:ext>
+            <a:ext uri="{91240B29-F687-4F45-9708-019B960494DF}">
+              <a14:hiddenLine xmlns:a14="http://schemas.microsoft.com/office/drawing/2010/main" w="9525">
+                <a:solidFill>
+                  <a:schemeClr val="tx1"/>
+                </a:solidFill>
+                <a:miter lim="800000"/>
+                <a:headEnd/>
+                <a:tailEnd/>
+              </a14:hiddenLine>
+            </a:ext>
+            <a:ext uri="{AF507438-7753-43E0-B8FC-AC1667EBCBE1}">
+              <a14:hiddenEffects xmlns:a14="http://schemas.microsoft.com/office/drawing/2010/main">
+                <a:effectLst>
+                  <a:outerShdw dist="35921" dir="2700000" algn="ctr" rotWithShape="0">
+                    <a:schemeClr val="bg2"/>
+                  </a:outerShdw>
+                </a:effectLst>
+              </a14:hiddenEffects>
+            </a:ext>
+          </a:extLst>
+        </p:spPr>
+      </p:pic>
+    </p:spTree>
+    <p:extLst>
+      <p:ext uri="{BB962C8B-B14F-4D97-AF65-F5344CB8AC3E}">
+        <p14:creationId xmlns:p14="http://schemas.microsoft.com/office/powerpoint/2010/main" val="3763402382"/>
+      </p:ext>
+    </p:extLst>
+  </p:cSld>
+  <p:clrMapOvr>
+    <a:masterClrMapping/>
+  </p:clrMapOvr>
+</p:sld>
+</file>
+
+<file path=ppt/slides/slide5.xml><?xml version="1.0" encoding="utf-8"?>
+<p:sld xmlns:a="http://schemas.openxmlformats.org/drawingml/2006/main" xmlns:r="http://schemas.openxmlformats.org/officeDocument/2006/relationships" xmlns:p="http://schemas.openxmlformats.org/presentationml/2006/main">
+  <p:cSld>
+    <p:spTree>
+      <p:nvGrpSpPr>
+        <p:cNvPr id="1" name=""/>
+        <p:cNvGrpSpPr/>
+        <p:nvPr/>
+      </p:nvGrpSpPr>
+      <p:grpSpPr>
+        <a:xfrm>
+          <a:off x="0" y="0"/>
+          <a:ext cx="0" cy="0"/>
+          <a:chOff x="0" y="0"/>
+          <a:chExt cx="0" cy="0"/>
+        </a:xfrm>
+      </p:grpSpPr>
+      <p:pic>
+        <p:nvPicPr>
+          <p:cNvPr id="1026" name="Picture 2"/>
+          <p:cNvPicPr>
+            <a:picLocks noChangeAspect="1" noChangeArrowheads="1"/>
+          </p:cNvPicPr>
+          <p:nvPr/>
+        </p:nvPicPr>
+        <p:blipFill>
+          <a:blip r:embed="rId2">
+            <a:extLst>
+              <a:ext uri="{28A0092B-C50C-407E-A947-70E740481C1C}">
+                <a14:useLocalDpi xmlns:a14="http://schemas.microsoft.com/office/drawing/2010/main" val="0"/>
+              </a:ext>
+            </a:extLst>
+          </a:blip>
+          <a:srcRect/>
+          <a:stretch>
+            <a:fillRect/>
+          </a:stretch>
+        </p:blipFill>
+        <p:spPr bwMode="auto">
+          <a:xfrm>
+            <a:off x="1909763" y="1433513"/>
+            <a:ext cx="5324475" cy="3990975"/>
+          </a:xfrm>
+          <a:prstGeom prst="rect">
+            <a:avLst/>
+          </a:prstGeom>
+          <a:noFill/>
+          <a:ln>
+            <a:noFill/>
+          </a:ln>
+          <a:effectLst/>
+          <a:extLst>
+            <a:ext uri="{909E8E84-426E-40DD-AFC4-6F175D3DCCD1}">
+              <a14:hiddenFill xmlns:a14="http://schemas.microsoft.com/office/drawing/2010/main">
+                <a:solidFill>
+                  <a:schemeClr val="accent1"/>
+                </a:solidFill>
+              </a14:hiddenFill>
+            </a:ext>
+            <a:ext uri="{91240B29-F687-4F45-9708-019B960494DF}">
+              <a14:hiddenLine xmlns:a14="http://schemas.microsoft.com/office/drawing/2010/main" w="9525">
+                <a:solidFill>
+                  <a:schemeClr val="tx1"/>
+                </a:solidFill>
+                <a:miter lim="800000"/>
+                <a:headEnd/>
+                <a:tailEnd/>
+              </a14:hiddenLine>
+            </a:ext>
+            <a:ext uri="{AF507438-7753-43E0-B8FC-AC1667EBCBE1}">
+              <a14:hiddenEffects xmlns:a14="http://schemas.microsoft.com/office/drawing/2010/main">
+                <a:effectLst>
+                  <a:outerShdw dist="35921" dir="2700000" algn="ctr" rotWithShape="0">
+                    <a:schemeClr val="bg2"/>
+                  </a:outerShdw>
+                </a:effectLst>
+              </a14:hiddenEffects>
+            </a:ext>
+          </a:extLst>
+        </p:spPr>
+      </p:pic>
+    </p:spTree>
+    <p:extLst>
+      <p:ext uri="{BB962C8B-B14F-4D97-AF65-F5344CB8AC3E}">
+        <p14:creationId xmlns:p14="http://schemas.microsoft.com/office/powerpoint/2010/main" val="4140207892"/>
       </p:ext>
     </p:extLst>
   </p:cSld>

--- a/pics/2021-12-13-chi_square/pics.pptx
+++ b/pics/2021-12-13-chi_square/pics.pptx
@@ -10,6 +10,8 @@
     <p:sldId id="258" r:id="rId4"/>
     <p:sldId id="259" r:id="rId5"/>
     <p:sldId id="260" r:id="rId6"/>
+    <p:sldId id="261" r:id="rId7"/>
+    <p:sldId id="262" r:id="rId8"/>
   </p:sldIdLst>
   <p:sldSz cx="9144000" cy="6858000" type="screen4x3"/>
   <p:notesSz cx="6858000" cy="9144000"/>
@@ -108,6 +110,22 @@
       </a:defRPr>
     </a:lvl9pPr>
   </p:defaultTextStyle>
+  <p:extLst>
+    <p:ext uri="{EFAFB233-063F-42B5-8137-9DF3F51BA10A}">
+      <p15:sldGuideLst xmlns:p15="http://schemas.microsoft.com/office/powerpoint/2012/main">
+        <p15:guide id="1" orient="horz" pos="2160">
+          <p15:clr>
+            <a:srgbClr val="A4A3A4"/>
+          </p15:clr>
+        </p15:guide>
+        <p15:guide id="2" pos="2880">
+          <p15:clr>
+            <a:srgbClr val="A4A3A4"/>
+          </p15:clr>
+        </p15:guide>
+      </p15:sldGuideLst>
+    </p:ext>
+  </p:extLst>
 </p:presentation>
 </file>
 
@@ -149,10 +167,9 @@
           <a:lstStyle/>
           <a:p>
             <a:r>
-              <a:rPr lang="ko-KR" altLang="en-US" smtClean="0"/>
+              <a:rPr lang="ko-KR" altLang="en-US"/>
               <a:t>마스터 제목 스타일 편집</a:t>
             </a:r>
-            <a:endParaRPr lang="ko-KR" altLang="en-US"/>
           </a:p>
         </p:txBody>
       </p:sp>
@@ -268,10 +285,9 @@
           </a:lstStyle>
           <a:p>
             <a:r>
-              <a:rPr lang="ko-KR" altLang="en-US" smtClean="0"/>
+              <a:rPr lang="ko-KR" altLang="en-US"/>
               <a:t>마스터 부제목 스타일 편집</a:t>
             </a:r>
-            <a:endParaRPr lang="ko-KR" altLang="en-US"/>
           </a:p>
         </p:txBody>
       </p:sp>
@@ -292,7 +308,7 @@
           <a:p>
             <a:fld id="{FB30EDBD-1C2D-4C1E-B459-B60219FAB484}" type="datetimeFigureOut">
               <a:rPr lang="ko-KR" altLang="en-US" smtClean="0"/>
-              <a:t>2021-12-13</a:t>
+              <a:t>2021-12-14</a:t>
             </a:fld>
             <a:endParaRPr lang="ko-KR" altLang="en-US"/>
           </a:p>
@@ -381,10 +397,9 @@
           <a:lstStyle/>
           <a:p>
             <a:r>
-              <a:rPr lang="ko-KR" altLang="en-US" smtClean="0"/>
+              <a:rPr lang="ko-KR" altLang="en-US"/>
               <a:t>마스터 제목 스타일 편집</a:t>
             </a:r>
-            <a:endParaRPr lang="ko-KR" altLang="en-US"/>
           </a:p>
         </p:txBody>
       </p:sp>
@@ -405,38 +420,37 @@
           <a:p>
             <a:pPr lvl="0"/>
             <a:r>
-              <a:rPr lang="ko-KR" altLang="en-US" smtClean="0"/>
+              <a:rPr lang="ko-KR" altLang="en-US"/>
               <a:t>마스터 텍스트 스타일을 편집합니다</a:t>
             </a:r>
           </a:p>
           <a:p>
             <a:pPr lvl="1"/>
             <a:r>
-              <a:rPr lang="ko-KR" altLang="en-US" smtClean="0"/>
+              <a:rPr lang="ko-KR" altLang="en-US"/>
               <a:t>둘째 수준</a:t>
             </a:r>
           </a:p>
           <a:p>
             <a:pPr lvl="2"/>
             <a:r>
-              <a:rPr lang="ko-KR" altLang="en-US" smtClean="0"/>
+              <a:rPr lang="ko-KR" altLang="en-US"/>
               <a:t>셋째 수준</a:t>
             </a:r>
           </a:p>
           <a:p>
             <a:pPr lvl="3"/>
             <a:r>
-              <a:rPr lang="ko-KR" altLang="en-US" smtClean="0"/>
+              <a:rPr lang="ko-KR" altLang="en-US"/>
               <a:t>넷째 수준</a:t>
             </a:r>
           </a:p>
           <a:p>
             <a:pPr lvl="4"/>
             <a:r>
-              <a:rPr lang="ko-KR" altLang="en-US" smtClean="0"/>
+              <a:rPr lang="ko-KR" altLang="en-US"/>
               <a:t>다섯째 수준</a:t>
             </a:r>
-            <a:endParaRPr lang="ko-KR" altLang="en-US"/>
           </a:p>
         </p:txBody>
       </p:sp>
@@ -457,7 +471,7 @@
           <a:p>
             <a:fld id="{FB30EDBD-1C2D-4C1E-B459-B60219FAB484}" type="datetimeFigureOut">
               <a:rPr lang="ko-KR" altLang="en-US" smtClean="0"/>
-              <a:t>2021-12-13</a:t>
+              <a:t>2021-12-14</a:t>
             </a:fld>
             <a:endParaRPr lang="ko-KR" altLang="en-US"/>
           </a:p>
@@ -551,10 +565,9 @@
           <a:lstStyle/>
           <a:p>
             <a:r>
-              <a:rPr lang="ko-KR" altLang="en-US" smtClean="0"/>
+              <a:rPr lang="ko-KR" altLang="en-US"/>
               <a:t>마스터 제목 스타일 편집</a:t>
             </a:r>
-            <a:endParaRPr lang="ko-KR" altLang="en-US"/>
           </a:p>
         </p:txBody>
       </p:sp>
@@ -580,38 +593,37 @@
           <a:p>
             <a:pPr lvl="0"/>
             <a:r>
-              <a:rPr lang="ko-KR" altLang="en-US" smtClean="0"/>
+              <a:rPr lang="ko-KR" altLang="en-US"/>
               <a:t>마스터 텍스트 스타일을 편집합니다</a:t>
             </a:r>
           </a:p>
           <a:p>
             <a:pPr lvl="1"/>
             <a:r>
-              <a:rPr lang="ko-KR" altLang="en-US" smtClean="0"/>
+              <a:rPr lang="ko-KR" altLang="en-US"/>
               <a:t>둘째 수준</a:t>
             </a:r>
           </a:p>
           <a:p>
             <a:pPr lvl="2"/>
             <a:r>
-              <a:rPr lang="ko-KR" altLang="en-US" smtClean="0"/>
+              <a:rPr lang="ko-KR" altLang="en-US"/>
               <a:t>셋째 수준</a:t>
             </a:r>
           </a:p>
           <a:p>
             <a:pPr lvl="3"/>
             <a:r>
-              <a:rPr lang="ko-KR" altLang="en-US" smtClean="0"/>
+              <a:rPr lang="ko-KR" altLang="en-US"/>
               <a:t>넷째 수준</a:t>
             </a:r>
           </a:p>
           <a:p>
             <a:pPr lvl="4"/>
             <a:r>
-              <a:rPr lang="ko-KR" altLang="en-US" smtClean="0"/>
+              <a:rPr lang="ko-KR" altLang="en-US"/>
               <a:t>다섯째 수준</a:t>
             </a:r>
-            <a:endParaRPr lang="ko-KR" altLang="en-US"/>
           </a:p>
         </p:txBody>
       </p:sp>
@@ -632,7 +644,7 @@
           <a:p>
             <a:fld id="{FB30EDBD-1C2D-4C1E-B459-B60219FAB484}" type="datetimeFigureOut">
               <a:rPr lang="ko-KR" altLang="en-US" smtClean="0"/>
-              <a:t>2021-12-13</a:t>
+              <a:t>2021-12-14</a:t>
             </a:fld>
             <a:endParaRPr lang="ko-KR" altLang="en-US"/>
           </a:p>
@@ -721,10 +733,9 @@
           <a:lstStyle/>
           <a:p>
             <a:r>
-              <a:rPr lang="ko-KR" altLang="en-US" smtClean="0"/>
+              <a:rPr lang="ko-KR" altLang="en-US"/>
               <a:t>마스터 제목 스타일 편집</a:t>
             </a:r>
-            <a:endParaRPr lang="ko-KR" altLang="en-US"/>
           </a:p>
         </p:txBody>
       </p:sp>
@@ -745,38 +756,37 @@
           <a:p>
             <a:pPr lvl="0"/>
             <a:r>
-              <a:rPr lang="ko-KR" altLang="en-US" smtClean="0"/>
+              <a:rPr lang="ko-KR" altLang="en-US"/>
               <a:t>마스터 텍스트 스타일을 편집합니다</a:t>
             </a:r>
           </a:p>
           <a:p>
             <a:pPr lvl="1"/>
             <a:r>
-              <a:rPr lang="ko-KR" altLang="en-US" smtClean="0"/>
+              <a:rPr lang="ko-KR" altLang="en-US"/>
               <a:t>둘째 수준</a:t>
             </a:r>
           </a:p>
           <a:p>
             <a:pPr lvl="2"/>
             <a:r>
-              <a:rPr lang="ko-KR" altLang="en-US" smtClean="0"/>
+              <a:rPr lang="ko-KR" altLang="en-US"/>
               <a:t>셋째 수준</a:t>
             </a:r>
           </a:p>
           <a:p>
             <a:pPr lvl="3"/>
             <a:r>
-              <a:rPr lang="ko-KR" altLang="en-US" smtClean="0"/>
+              <a:rPr lang="ko-KR" altLang="en-US"/>
               <a:t>넷째 수준</a:t>
             </a:r>
           </a:p>
           <a:p>
             <a:pPr lvl="4"/>
             <a:r>
-              <a:rPr lang="ko-KR" altLang="en-US" smtClean="0"/>
+              <a:rPr lang="ko-KR" altLang="en-US"/>
               <a:t>다섯째 수준</a:t>
             </a:r>
-            <a:endParaRPr lang="ko-KR" altLang="en-US"/>
           </a:p>
         </p:txBody>
       </p:sp>
@@ -797,7 +807,7 @@
           <a:p>
             <a:fld id="{FB30EDBD-1C2D-4C1E-B459-B60219FAB484}" type="datetimeFigureOut">
               <a:rPr lang="ko-KR" altLang="en-US" smtClean="0"/>
-              <a:t>2021-12-13</a:t>
+              <a:t>2021-12-14</a:t>
             </a:fld>
             <a:endParaRPr lang="ko-KR" altLang="en-US"/>
           </a:p>
@@ -895,10 +905,9 @@
           </a:lstStyle>
           <a:p>
             <a:r>
-              <a:rPr lang="ko-KR" altLang="en-US" smtClean="0"/>
+              <a:rPr lang="ko-KR" altLang="en-US"/>
               <a:t>마스터 제목 스타일 편집</a:t>
             </a:r>
-            <a:endParaRPr lang="ko-KR" altLang="en-US"/>
           </a:p>
         </p:txBody>
       </p:sp>
@@ -1015,7 +1024,7 @@
           <a:p>
             <a:pPr lvl="0"/>
             <a:r>
-              <a:rPr lang="ko-KR" altLang="en-US" smtClean="0"/>
+              <a:rPr lang="ko-KR" altLang="en-US"/>
               <a:t>마스터 텍스트 스타일을 편집합니다</a:t>
             </a:r>
           </a:p>
@@ -1038,7 +1047,7 @@
           <a:p>
             <a:fld id="{FB30EDBD-1C2D-4C1E-B459-B60219FAB484}" type="datetimeFigureOut">
               <a:rPr lang="ko-KR" altLang="en-US" smtClean="0"/>
-              <a:t>2021-12-13</a:t>
+              <a:t>2021-12-14</a:t>
             </a:fld>
             <a:endParaRPr lang="ko-KR" altLang="en-US"/>
           </a:p>
@@ -1127,10 +1136,9 @@
           <a:lstStyle/>
           <a:p>
             <a:r>
-              <a:rPr lang="ko-KR" altLang="en-US" smtClean="0"/>
+              <a:rPr lang="ko-KR" altLang="en-US"/>
               <a:t>마스터 제목 스타일 편집</a:t>
             </a:r>
-            <a:endParaRPr lang="ko-KR" altLang="en-US"/>
           </a:p>
         </p:txBody>
       </p:sp>
@@ -1184,38 +1192,37 @@
           <a:p>
             <a:pPr lvl="0"/>
             <a:r>
-              <a:rPr lang="ko-KR" altLang="en-US" smtClean="0"/>
+              <a:rPr lang="ko-KR" altLang="en-US"/>
               <a:t>마스터 텍스트 스타일을 편집합니다</a:t>
             </a:r>
           </a:p>
           <a:p>
             <a:pPr lvl="1"/>
             <a:r>
-              <a:rPr lang="ko-KR" altLang="en-US" smtClean="0"/>
+              <a:rPr lang="ko-KR" altLang="en-US"/>
               <a:t>둘째 수준</a:t>
             </a:r>
           </a:p>
           <a:p>
             <a:pPr lvl="2"/>
             <a:r>
-              <a:rPr lang="ko-KR" altLang="en-US" smtClean="0"/>
+              <a:rPr lang="ko-KR" altLang="en-US"/>
               <a:t>셋째 수준</a:t>
             </a:r>
           </a:p>
           <a:p>
             <a:pPr lvl="3"/>
             <a:r>
-              <a:rPr lang="ko-KR" altLang="en-US" smtClean="0"/>
+              <a:rPr lang="ko-KR" altLang="en-US"/>
               <a:t>넷째 수준</a:t>
             </a:r>
           </a:p>
           <a:p>
             <a:pPr lvl="4"/>
             <a:r>
-              <a:rPr lang="ko-KR" altLang="en-US" smtClean="0"/>
+              <a:rPr lang="ko-KR" altLang="en-US"/>
               <a:t>다섯째 수준</a:t>
             </a:r>
-            <a:endParaRPr lang="ko-KR" altLang="en-US"/>
           </a:p>
         </p:txBody>
       </p:sp>
@@ -1269,38 +1276,37 @@
           <a:p>
             <a:pPr lvl="0"/>
             <a:r>
-              <a:rPr lang="ko-KR" altLang="en-US" smtClean="0"/>
+              <a:rPr lang="ko-KR" altLang="en-US"/>
               <a:t>마스터 텍스트 스타일을 편집합니다</a:t>
             </a:r>
           </a:p>
           <a:p>
             <a:pPr lvl="1"/>
             <a:r>
-              <a:rPr lang="ko-KR" altLang="en-US" smtClean="0"/>
+              <a:rPr lang="ko-KR" altLang="en-US"/>
               <a:t>둘째 수준</a:t>
             </a:r>
           </a:p>
           <a:p>
             <a:pPr lvl="2"/>
             <a:r>
-              <a:rPr lang="ko-KR" altLang="en-US" smtClean="0"/>
+              <a:rPr lang="ko-KR" altLang="en-US"/>
               <a:t>셋째 수준</a:t>
             </a:r>
           </a:p>
           <a:p>
             <a:pPr lvl="3"/>
             <a:r>
-              <a:rPr lang="ko-KR" altLang="en-US" smtClean="0"/>
+              <a:rPr lang="ko-KR" altLang="en-US"/>
               <a:t>넷째 수준</a:t>
             </a:r>
           </a:p>
           <a:p>
             <a:pPr lvl="4"/>
             <a:r>
-              <a:rPr lang="ko-KR" altLang="en-US" smtClean="0"/>
+              <a:rPr lang="ko-KR" altLang="en-US"/>
               <a:t>다섯째 수준</a:t>
             </a:r>
-            <a:endParaRPr lang="ko-KR" altLang="en-US"/>
           </a:p>
         </p:txBody>
       </p:sp>
@@ -1321,7 +1327,7 @@
           <a:p>
             <a:fld id="{FB30EDBD-1C2D-4C1E-B459-B60219FAB484}" type="datetimeFigureOut">
               <a:rPr lang="ko-KR" altLang="en-US" smtClean="0"/>
-              <a:t>2021-12-13</a:t>
+              <a:t>2021-12-14</a:t>
             </a:fld>
             <a:endParaRPr lang="ko-KR" altLang="en-US"/>
           </a:p>
@@ -1414,10 +1420,9 @@
           </a:lstStyle>
           <a:p>
             <a:r>
-              <a:rPr lang="ko-KR" altLang="en-US" smtClean="0"/>
+              <a:rPr lang="ko-KR" altLang="en-US"/>
               <a:t>마스터 제목 스타일 편집</a:t>
             </a:r>
-            <a:endParaRPr lang="ko-KR" altLang="en-US"/>
           </a:p>
         </p:txBody>
       </p:sp>
@@ -1480,7 +1485,7 @@
           <a:p>
             <a:pPr lvl="0"/>
             <a:r>
-              <a:rPr lang="ko-KR" altLang="en-US" smtClean="0"/>
+              <a:rPr lang="ko-KR" altLang="en-US"/>
               <a:t>마스터 텍스트 스타일을 편집합니다</a:t>
             </a:r>
           </a:p>
@@ -1536,38 +1541,37 @@
           <a:p>
             <a:pPr lvl="0"/>
             <a:r>
-              <a:rPr lang="ko-KR" altLang="en-US" smtClean="0"/>
+              <a:rPr lang="ko-KR" altLang="en-US"/>
               <a:t>마스터 텍스트 스타일을 편집합니다</a:t>
             </a:r>
           </a:p>
           <a:p>
             <a:pPr lvl="1"/>
             <a:r>
-              <a:rPr lang="ko-KR" altLang="en-US" smtClean="0"/>
+              <a:rPr lang="ko-KR" altLang="en-US"/>
               <a:t>둘째 수준</a:t>
             </a:r>
           </a:p>
           <a:p>
             <a:pPr lvl="2"/>
             <a:r>
-              <a:rPr lang="ko-KR" altLang="en-US" smtClean="0"/>
+              <a:rPr lang="ko-KR" altLang="en-US"/>
               <a:t>셋째 수준</a:t>
             </a:r>
           </a:p>
           <a:p>
             <a:pPr lvl="3"/>
             <a:r>
-              <a:rPr lang="ko-KR" altLang="en-US" smtClean="0"/>
+              <a:rPr lang="ko-KR" altLang="en-US"/>
               <a:t>넷째 수준</a:t>
             </a:r>
           </a:p>
           <a:p>
             <a:pPr lvl="4"/>
             <a:r>
-              <a:rPr lang="ko-KR" altLang="en-US" smtClean="0"/>
+              <a:rPr lang="ko-KR" altLang="en-US"/>
               <a:t>다섯째 수준</a:t>
             </a:r>
-            <a:endParaRPr lang="ko-KR" altLang="en-US"/>
           </a:p>
         </p:txBody>
       </p:sp>
@@ -1630,7 +1634,7 @@
           <a:p>
             <a:pPr lvl="0"/>
             <a:r>
-              <a:rPr lang="ko-KR" altLang="en-US" smtClean="0"/>
+              <a:rPr lang="ko-KR" altLang="en-US"/>
               <a:t>마스터 텍스트 스타일을 편집합니다</a:t>
             </a:r>
           </a:p>
@@ -1686,38 +1690,37 @@
           <a:p>
             <a:pPr lvl="0"/>
             <a:r>
-              <a:rPr lang="ko-KR" altLang="en-US" smtClean="0"/>
+              <a:rPr lang="ko-KR" altLang="en-US"/>
               <a:t>마스터 텍스트 스타일을 편집합니다</a:t>
             </a:r>
           </a:p>
           <a:p>
             <a:pPr lvl="1"/>
             <a:r>
-              <a:rPr lang="ko-KR" altLang="en-US" smtClean="0"/>
+              <a:rPr lang="ko-KR" altLang="en-US"/>
               <a:t>둘째 수준</a:t>
             </a:r>
           </a:p>
           <a:p>
             <a:pPr lvl="2"/>
             <a:r>
-              <a:rPr lang="ko-KR" altLang="en-US" smtClean="0"/>
+              <a:rPr lang="ko-KR" altLang="en-US"/>
               <a:t>셋째 수준</a:t>
             </a:r>
           </a:p>
           <a:p>
             <a:pPr lvl="3"/>
             <a:r>
-              <a:rPr lang="ko-KR" altLang="en-US" smtClean="0"/>
+              <a:rPr lang="ko-KR" altLang="en-US"/>
               <a:t>넷째 수준</a:t>
             </a:r>
           </a:p>
           <a:p>
             <a:pPr lvl="4"/>
             <a:r>
-              <a:rPr lang="ko-KR" altLang="en-US" smtClean="0"/>
+              <a:rPr lang="ko-KR" altLang="en-US"/>
               <a:t>다섯째 수준</a:t>
             </a:r>
-            <a:endParaRPr lang="ko-KR" altLang="en-US"/>
           </a:p>
         </p:txBody>
       </p:sp>
@@ -1738,7 +1741,7 @@
           <a:p>
             <a:fld id="{FB30EDBD-1C2D-4C1E-B459-B60219FAB484}" type="datetimeFigureOut">
               <a:rPr lang="ko-KR" altLang="en-US" smtClean="0"/>
-              <a:t>2021-12-13</a:t>
+              <a:t>2021-12-14</a:t>
             </a:fld>
             <a:endParaRPr lang="ko-KR" altLang="en-US"/>
           </a:p>
@@ -1827,10 +1830,9 @@
           <a:lstStyle/>
           <a:p>
             <a:r>
-              <a:rPr lang="ko-KR" altLang="en-US" smtClean="0"/>
+              <a:rPr lang="ko-KR" altLang="en-US"/>
               <a:t>마스터 제목 스타일 편집</a:t>
             </a:r>
-            <a:endParaRPr lang="ko-KR" altLang="en-US"/>
           </a:p>
         </p:txBody>
       </p:sp>
@@ -1851,7 +1853,7 @@
           <a:p>
             <a:fld id="{FB30EDBD-1C2D-4C1E-B459-B60219FAB484}" type="datetimeFigureOut">
               <a:rPr lang="ko-KR" altLang="en-US" smtClean="0"/>
-              <a:t>2021-12-13</a:t>
+              <a:t>2021-12-14</a:t>
             </a:fld>
             <a:endParaRPr lang="ko-KR" altLang="en-US"/>
           </a:p>
@@ -1941,7 +1943,7 @@
           <a:p>
             <a:fld id="{FB30EDBD-1C2D-4C1E-B459-B60219FAB484}" type="datetimeFigureOut">
               <a:rPr lang="ko-KR" altLang="en-US" smtClean="0"/>
-              <a:t>2021-12-13</a:t>
+              <a:t>2021-12-14</a:t>
             </a:fld>
             <a:endParaRPr lang="ko-KR" altLang="en-US"/>
           </a:p>
@@ -2039,10 +2041,9 @@
           </a:lstStyle>
           <a:p>
             <a:r>
-              <a:rPr lang="ko-KR" altLang="en-US" smtClean="0"/>
+              <a:rPr lang="ko-KR" altLang="en-US"/>
               <a:t>마스터 제목 스타일 편집</a:t>
             </a:r>
-            <a:endParaRPr lang="ko-KR" altLang="en-US"/>
           </a:p>
         </p:txBody>
       </p:sp>
@@ -2096,38 +2097,37 @@
           <a:p>
             <a:pPr lvl="0"/>
             <a:r>
-              <a:rPr lang="ko-KR" altLang="en-US" smtClean="0"/>
+              <a:rPr lang="ko-KR" altLang="en-US"/>
               <a:t>마스터 텍스트 스타일을 편집합니다</a:t>
             </a:r>
           </a:p>
           <a:p>
             <a:pPr lvl="1"/>
             <a:r>
-              <a:rPr lang="ko-KR" altLang="en-US" smtClean="0"/>
+              <a:rPr lang="ko-KR" altLang="en-US"/>
               <a:t>둘째 수준</a:t>
             </a:r>
           </a:p>
           <a:p>
             <a:pPr lvl="2"/>
             <a:r>
-              <a:rPr lang="ko-KR" altLang="en-US" smtClean="0"/>
+              <a:rPr lang="ko-KR" altLang="en-US"/>
               <a:t>셋째 수준</a:t>
             </a:r>
           </a:p>
           <a:p>
             <a:pPr lvl="3"/>
             <a:r>
-              <a:rPr lang="ko-KR" altLang="en-US" smtClean="0"/>
+              <a:rPr lang="ko-KR" altLang="en-US"/>
               <a:t>넷째 수준</a:t>
             </a:r>
           </a:p>
           <a:p>
             <a:pPr lvl="4"/>
             <a:r>
-              <a:rPr lang="ko-KR" altLang="en-US" smtClean="0"/>
+              <a:rPr lang="ko-KR" altLang="en-US"/>
               <a:t>다섯째 수준</a:t>
             </a:r>
-            <a:endParaRPr lang="ko-KR" altLang="en-US"/>
           </a:p>
         </p:txBody>
       </p:sp>
@@ -2190,7 +2190,7 @@
           <a:p>
             <a:pPr lvl="0"/>
             <a:r>
-              <a:rPr lang="ko-KR" altLang="en-US" smtClean="0"/>
+              <a:rPr lang="ko-KR" altLang="en-US"/>
               <a:t>마스터 텍스트 스타일을 편집합니다</a:t>
             </a:r>
           </a:p>
@@ -2213,7 +2213,7 @@
           <a:p>
             <a:fld id="{FB30EDBD-1C2D-4C1E-B459-B60219FAB484}" type="datetimeFigureOut">
               <a:rPr lang="ko-KR" altLang="en-US" smtClean="0"/>
-              <a:t>2021-12-13</a:t>
+              <a:t>2021-12-14</a:t>
             </a:fld>
             <a:endParaRPr lang="ko-KR" altLang="en-US"/>
           </a:p>
@@ -2311,10 +2311,9 @@
           </a:lstStyle>
           <a:p>
             <a:r>
-              <a:rPr lang="ko-KR" altLang="en-US" smtClean="0"/>
+              <a:rPr lang="ko-KR" altLang="en-US"/>
               <a:t>마스터 제목 스타일 편집</a:t>
             </a:r>
-            <a:endParaRPr lang="ko-KR" altLang="en-US"/>
           </a:p>
         </p:txBody>
       </p:sp>
@@ -2438,7 +2437,7 @@
           <a:p>
             <a:pPr lvl="0"/>
             <a:r>
-              <a:rPr lang="ko-KR" altLang="en-US" smtClean="0"/>
+              <a:rPr lang="ko-KR" altLang="en-US"/>
               <a:t>마스터 텍스트 스타일을 편집합니다</a:t>
             </a:r>
           </a:p>
@@ -2461,7 +2460,7 @@
           <a:p>
             <a:fld id="{FB30EDBD-1C2D-4C1E-B459-B60219FAB484}" type="datetimeFigureOut">
               <a:rPr lang="ko-KR" altLang="en-US" smtClean="0"/>
-              <a:t>2021-12-13</a:t>
+              <a:t>2021-12-14</a:t>
             </a:fld>
             <a:endParaRPr lang="ko-KR" altLang="en-US"/>
           </a:p>
@@ -2565,10 +2564,9 @@
           <a:lstStyle/>
           <a:p>
             <a:r>
-              <a:rPr lang="ko-KR" altLang="en-US" smtClean="0"/>
+              <a:rPr lang="ko-KR" altLang="en-US"/>
               <a:t>마스터 제목 스타일 편집</a:t>
             </a:r>
-            <a:endParaRPr lang="ko-KR" altLang="en-US"/>
           </a:p>
         </p:txBody>
       </p:sp>
@@ -2599,38 +2597,37 @@
           <a:p>
             <a:pPr lvl="0"/>
             <a:r>
-              <a:rPr lang="ko-KR" altLang="en-US" smtClean="0"/>
+              <a:rPr lang="ko-KR" altLang="en-US"/>
               <a:t>마스터 텍스트 스타일을 편집합니다</a:t>
             </a:r>
           </a:p>
           <a:p>
             <a:pPr lvl="1"/>
             <a:r>
-              <a:rPr lang="ko-KR" altLang="en-US" smtClean="0"/>
+              <a:rPr lang="ko-KR" altLang="en-US"/>
               <a:t>둘째 수준</a:t>
             </a:r>
           </a:p>
           <a:p>
             <a:pPr lvl="2"/>
             <a:r>
-              <a:rPr lang="ko-KR" altLang="en-US" smtClean="0"/>
+              <a:rPr lang="ko-KR" altLang="en-US"/>
               <a:t>셋째 수준</a:t>
             </a:r>
           </a:p>
           <a:p>
             <a:pPr lvl="3"/>
             <a:r>
-              <a:rPr lang="ko-KR" altLang="en-US" smtClean="0"/>
+              <a:rPr lang="ko-KR" altLang="en-US"/>
               <a:t>넷째 수준</a:t>
             </a:r>
           </a:p>
           <a:p>
             <a:pPr lvl="4"/>
             <a:r>
-              <a:rPr lang="ko-KR" altLang="en-US" smtClean="0"/>
+              <a:rPr lang="ko-KR" altLang="en-US"/>
               <a:t>다섯째 수준</a:t>
             </a:r>
-            <a:endParaRPr lang="ko-KR" altLang="en-US"/>
           </a:p>
         </p:txBody>
       </p:sp>
@@ -2669,7 +2666,7 @@
           <a:p>
             <a:fld id="{FB30EDBD-1C2D-4C1E-B459-B60219FAB484}" type="datetimeFigureOut">
               <a:rPr lang="ko-KR" altLang="en-US" smtClean="0"/>
-              <a:t>2021-12-13</a:t>
+              <a:t>2021-12-14</a:t>
             </a:fld>
             <a:endParaRPr lang="ko-KR" altLang="en-US"/>
           </a:p>
@@ -3749,23 +3746,19 @@
           <a:lstStyle/>
           <a:p>
             <a:r>
-              <a:rPr lang="en-US" altLang="ko-KR" dirty="0" smtClean="0">
+              <a:rPr lang="en-US" altLang="ko-KR" dirty="0">
                 <a:latin typeface="마루 부리 Beta" pitchFamily="50" charset="-127"/>
                 <a:ea typeface="마루 부리 Beta" pitchFamily="50" charset="-127"/>
               </a:rPr>
               <a:t>1. </a:t>
             </a:r>
             <a:r>
-              <a:rPr lang="ko-KR" altLang="en-US" dirty="0" smtClean="0">
+              <a:rPr lang="ko-KR" altLang="en-US" dirty="0">
                 <a:latin typeface="마루 부리 Beta" pitchFamily="50" charset="-127"/>
                 <a:ea typeface="마루 부리 Beta" pitchFamily="50" charset="-127"/>
               </a:rPr>
               <a:t>표준정규분포</a:t>
             </a:r>
-            <a:endParaRPr lang="ko-KR" altLang="en-US" dirty="0">
-              <a:latin typeface="마루 부리 Beta" pitchFamily="50" charset="-127"/>
-              <a:ea typeface="마루 부리 Beta" pitchFamily="50" charset="-127"/>
-            </a:endParaRPr>
           </a:p>
         </p:txBody>
       </p:sp>
@@ -4116,7 +4109,7 @@
           <a:lstStyle/>
           <a:p>
             <a:r>
-              <a:rPr lang="en-US" altLang="ko-KR" dirty="0" smtClean="0">
+              <a:rPr lang="en-US" altLang="ko-KR" dirty="0">
                 <a:latin typeface="마루 부리 Beta" pitchFamily="50" charset="-127"/>
                 <a:ea typeface="마루 부리 Beta" pitchFamily="50" charset="-127"/>
               </a:rPr>
@@ -4272,7 +4265,7 @@
           <a:lstStyle/>
           <a:p>
             <a:r>
-              <a:rPr lang="en-US" altLang="ko-KR" dirty="0" smtClean="0">
+              <a:rPr lang="en-US" altLang="ko-KR" dirty="0">
                 <a:latin typeface="마루 부리 Beta" pitchFamily="50" charset="-127"/>
                 <a:ea typeface="마루 부리 Beta" pitchFamily="50" charset="-127"/>
                 <a:sym typeface="Wingdings" pitchFamily="2" charset="2"/>
@@ -4280,16 +4273,12 @@
               <a:t>2. </a:t>
             </a:r>
             <a:r>
-              <a:rPr lang="ko-KR" altLang="en-US" dirty="0" smtClean="0">
+              <a:rPr lang="ko-KR" altLang="en-US" dirty="0">
                 <a:latin typeface="마루 부리 Beta" pitchFamily="50" charset="-127"/>
                 <a:ea typeface="마루 부리 Beta" pitchFamily="50" charset="-127"/>
               </a:rPr>
               <a:t>샘플 하나 랜덤 추출</a:t>
             </a:r>
-            <a:endParaRPr lang="ko-KR" altLang="en-US" dirty="0">
-              <a:latin typeface="마루 부리 Beta" pitchFamily="50" charset="-127"/>
-              <a:ea typeface="마루 부리 Beta" pitchFamily="50" charset="-127"/>
-            </a:endParaRPr>
           </a:p>
         </p:txBody>
       </p:sp>
@@ -4316,7 +4305,7 @@
           <a:lstStyle/>
           <a:p>
             <a:r>
-              <a:rPr lang="en-US" altLang="ko-KR" dirty="0" smtClean="0">
+              <a:rPr lang="en-US" altLang="ko-KR" dirty="0">
                 <a:latin typeface="마루 부리 Beta" pitchFamily="50" charset="-127"/>
                 <a:ea typeface="마루 부리 Beta" pitchFamily="50" charset="-127"/>
                 <a:sym typeface="Wingdings" pitchFamily="2" charset="2"/>
@@ -4324,7 +4313,7 @@
               <a:t>3. </a:t>
             </a:r>
             <a:r>
-              <a:rPr lang="ko-KR" altLang="en-US" dirty="0" smtClean="0">
+              <a:rPr lang="ko-KR" altLang="en-US" dirty="0">
                 <a:latin typeface="마루 부리 Beta" pitchFamily="50" charset="-127"/>
                 <a:ea typeface="마루 부리 Beta" pitchFamily="50" charset="-127"/>
                 <a:sym typeface="Wingdings" pitchFamily="2" charset="2"/>
@@ -4332,7 +4321,7 @@
               <a:t>제곱</a:t>
             </a:r>
             <a:r>
-              <a:rPr lang="en-US" altLang="ko-KR" dirty="0" smtClean="0">
+              <a:rPr lang="en-US" altLang="ko-KR" dirty="0">
                 <a:latin typeface="마루 부리 Beta" pitchFamily="50" charset="-127"/>
                 <a:ea typeface="마루 부리 Beta" pitchFamily="50" charset="-127"/>
                 <a:sym typeface="Wingdings" pitchFamily="2" charset="2"/>
@@ -4340,7 +4329,7 @@
               <a:t>&amp;</a:t>
             </a:r>
             <a:r>
-              <a:rPr lang="ko-KR" altLang="en-US" dirty="0" smtClean="0">
+              <a:rPr lang="ko-KR" altLang="en-US" dirty="0">
                 <a:latin typeface="마루 부리 Beta" pitchFamily="50" charset="-127"/>
                 <a:ea typeface="마루 부리 Beta" pitchFamily="50" charset="-127"/>
                 <a:sym typeface="Wingdings" pitchFamily="2" charset="2"/>
@@ -4348,7 +4337,7 @@
               <a:t>합 해서 </a:t>
             </a:r>
             <a:r>
-              <a:rPr lang="en-US" altLang="ko-KR" dirty="0" smtClean="0">
+              <a:rPr lang="en-US" altLang="ko-KR" dirty="0">
                 <a:latin typeface="마루 부리 Beta" pitchFamily="50" charset="-127"/>
                 <a:ea typeface="마루 부리 Beta" pitchFamily="50" charset="-127"/>
                 <a:sym typeface="Wingdings" pitchFamily="2" charset="2"/>
@@ -4356,20 +4345,12 @@
               <a:t>histogram </a:t>
             </a:r>
             <a:r>
-              <a:rPr lang="ko-KR" altLang="en-US" dirty="0" smtClean="0">
-                <a:latin typeface="마루 부리 Beta" pitchFamily="50" charset="-127"/>
-                <a:ea typeface="마루 부리 Beta" pitchFamily="50" charset="-127"/>
-                <a:sym typeface="Wingdings" pitchFamily="2" charset="2"/>
-              </a:rPr>
-              <a:t>카운</a:t>
-            </a:r>
-            <a:r>
               <a:rPr lang="ko-KR" altLang="en-US" dirty="0">
                 <a:latin typeface="마루 부리 Beta" pitchFamily="50" charset="-127"/>
                 <a:ea typeface="마루 부리 Beta" pitchFamily="50" charset="-127"/>
                 <a:sym typeface="Wingdings" pitchFamily="2" charset="2"/>
               </a:rPr>
-              <a:t>트</a:t>
+              <a:t>카운트</a:t>
             </a:r>
             <a:endParaRPr lang="ko-KR" altLang="en-US" dirty="0">
               <a:latin typeface="마루 부리 Beta" pitchFamily="50" charset="-127"/>
@@ -4439,7 +4420,7 @@
           <a:lstStyle/>
           <a:p>
             <a:r>
-              <a:rPr lang="en-US" altLang="ko-KR" dirty="0" smtClean="0">
+              <a:rPr lang="en-US" altLang="ko-KR" dirty="0">
                 <a:latin typeface="마루 부리 Beta" pitchFamily="50" charset="-127"/>
                 <a:ea typeface="마루 부리 Beta" pitchFamily="50" charset="-127"/>
               </a:rPr>
@@ -4513,7 +4494,7 @@
           <a:lstStyle/>
           <a:p>
             <a:r>
-              <a:rPr lang="en-US" altLang="ko-KR" dirty="0" smtClean="0">
+              <a:rPr lang="en-US" altLang="ko-KR" dirty="0">
                 <a:latin typeface="마루 부리 Beta" pitchFamily="50" charset="-127"/>
                 <a:ea typeface="마루 부리 Beta" pitchFamily="50" charset="-127"/>
               </a:rPr>
@@ -5360,23 +5341,19 @@
           <a:lstStyle/>
           <a:p>
             <a:r>
-              <a:rPr lang="en-US" altLang="ko-KR" dirty="0" smtClean="0">
+              <a:rPr lang="en-US" altLang="ko-KR" dirty="0">
                 <a:latin typeface="마루 부리 Beta" pitchFamily="50" charset="-127"/>
                 <a:ea typeface="마루 부리 Beta" pitchFamily="50" charset="-127"/>
               </a:rPr>
               <a:t>1. </a:t>
             </a:r>
             <a:r>
-              <a:rPr lang="ko-KR" altLang="en-US" dirty="0" smtClean="0">
+              <a:rPr lang="ko-KR" altLang="en-US" dirty="0">
                 <a:latin typeface="마루 부리 Beta" pitchFamily="50" charset="-127"/>
                 <a:ea typeface="마루 부리 Beta" pitchFamily="50" charset="-127"/>
               </a:rPr>
               <a:t>표준정규분포</a:t>
             </a:r>
-            <a:endParaRPr lang="ko-KR" altLang="en-US" dirty="0">
-              <a:latin typeface="마루 부리 Beta" pitchFamily="50" charset="-127"/>
-              <a:ea typeface="마루 부리 Beta" pitchFamily="50" charset="-127"/>
-            </a:endParaRPr>
           </a:p>
         </p:txBody>
       </p:sp>
@@ -5727,7 +5704,7 @@
           <a:lstStyle/>
           <a:p>
             <a:r>
-              <a:rPr lang="en-US" altLang="ko-KR" dirty="0" smtClean="0">
+              <a:rPr lang="en-US" altLang="ko-KR" dirty="0">
                 <a:latin typeface="마루 부리 Beta" pitchFamily="50" charset="-127"/>
                 <a:ea typeface="마루 부리 Beta" pitchFamily="50" charset="-127"/>
               </a:rPr>
@@ -5883,7 +5860,7 @@
           <a:lstStyle/>
           <a:p>
             <a:r>
-              <a:rPr lang="en-US" altLang="ko-KR" dirty="0" smtClean="0">
+              <a:rPr lang="en-US" altLang="ko-KR" dirty="0">
                 <a:latin typeface="마루 부리 Beta" pitchFamily="50" charset="-127"/>
                 <a:ea typeface="마루 부리 Beta" pitchFamily="50" charset="-127"/>
                 <a:sym typeface="Wingdings" pitchFamily="2" charset="2"/>
@@ -5891,16 +5868,12 @@
               <a:t>2. </a:t>
             </a:r>
             <a:r>
-              <a:rPr lang="ko-KR" altLang="en-US" dirty="0" smtClean="0">
+              <a:rPr lang="ko-KR" altLang="en-US" dirty="0">
                 <a:latin typeface="마루 부리 Beta" pitchFamily="50" charset="-127"/>
                 <a:ea typeface="마루 부리 Beta" pitchFamily="50" charset="-127"/>
               </a:rPr>
               <a:t>샘플 세 개 랜덤 추출</a:t>
             </a:r>
-            <a:endParaRPr lang="ko-KR" altLang="en-US" dirty="0">
-              <a:latin typeface="마루 부리 Beta" pitchFamily="50" charset="-127"/>
-              <a:ea typeface="마루 부리 Beta" pitchFamily="50" charset="-127"/>
-            </a:endParaRPr>
           </a:p>
         </p:txBody>
       </p:sp>
@@ -5927,7 +5900,7 @@
           <a:lstStyle/>
           <a:p>
             <a:r>
-              <a:rPr lang="en-US" altLang="ko-KR" dirty="0" smtClean="0">
+              <a:rPr lang="en-US" altLang="ko-KR" dirty="0">
                 <a:latin typeface="마루 부리 Beta" pitchFamily="50" charset="-127"/>
                 <a:ea typeface="마루 부리 Beta" pitchFamily="50" charset="-127"/>
                 <a:sym typeface="Wingdings" pitchFamily="2" charset="2"/>
@@ -5935,7 +5908,7 @@
               <a:t>3. </a:t>
             </a:r>
             <a:r>
-              <a:rPr lang="ko-KR" altLang="en-US" dirty="0" smtClean="0">
+              <a:rPr lang="ko-KR" altLang="en-US" dirty="0">
                 <a:latin typeface="마루 부리 Beta" pitchFamily="50" charset="-127"/>
                 <a:ea typeface="마루 부리 Beta" pitchFamily="50" charset="-127"/>
                 <a:sym typeface="Wingdings" pitchFamily="2" charset="2"/>
@@ -5943,7 +5916,7 @@
               <a:t>제곱</a:t>
             </a:r>
             <a:r>
-              <a:rPr lang="en-US" altLang="ko-KR" dirty="0" smtClean="0">
+              <a:rPr lang="en-US" altLang="ko-KR" dirty="0">
                 <a:latin typeface="마루 부리 Beta" pitchFamily="50" charset="-127"/>
                 <a:ea typeface="마루 부리 Beta" pitchFamily="50" charset="-127"/>
                 <a:sym typeface="Wingdings" pitchFamily="2" charset="2"/>
@@ -5951,7 +5924,7 @@
               <a:t>&amp;</a:t>
             </a:r>
             <a:r>
-              <a:rPr lang="ko-KR" altLang="en-US" dirty="0" smtClean="0">
+              <a:rPr lang="ko-KR" altLang="en-US" dirty="0">
                 <a:latin typeface="마루 부리 Beta" pitchFamily="50" charset="-127"/>
                 <a:ea typeface="마루 부리 Beta" pitchFamily="50" charset="-127"/>
                 <a:sym typeface="Wingdings" pitchFamily="2" charset="2"/>
@@ -5959,7 +5932,7 @@
               <a:t>합 해서 </a:t>
             </a:r>
             <a:r>
-              <a:rPr lang="en-US" altLang="ko-KR" dirty="0" smtClean="0">
+              <a:rPr lang="en-US" altLang="ko-KR" dirty="0">
                 <a:latin typeface="마루 부리 Beta" pitchFamily="50" charset="-127"/>
                 <a:ea typeface="마루 부리 Beta" pitchFamily="50" charset="-127"/>
                 <a:sym typeface="Wingdings" pitchFamily="2" charset="2"/>
@@ -5967,20 +5940,12 @@
               <a:t>histogram </a:t>
             </a:r>
             <a:r>
-              <a:rPr lang="ko-KR" altLang="en-US" dirty="0" smtClean="0">
-                <a:latin typeface="마루 부리 Beta" pitchFamily="50" charset="-127"/>
-                <a:ea typeface="마루 부리 Beta" pitchFamily="50" charset="-127"/>
-                <a:sym typeface="Wingdings" pitchFamily="2" charset="2"/>
-              </a:rPr>
-              <a:t>카운</a:t>
-            </a:r>
-            <a:r>
               <a:rPr lang="ko-KR" altLang="en-US" dirty="0">
                 <a:latin typeface="마루 부리 Beta" pitchFamily="50" charset="-127"/>
                 <a:ea typeface="마루 부리 Beta" pitchFamily="50" charset="-127"/>
                 <a:sym typeface="Wingdings" pitchFamily="2" charset="2"/>
               </a:rPr>
-              <a:t>트</a:t>
+              <a:t>카운트</a:t>
             </a:r>
             <a:endParaRPr lang="ko-KR" altLang="en-US" dirty="0">
               <a:latin typeface="마루 부리 Beta" pitchFamily="50" charset="-127"/>
@@ -6050,7 +6015,7 @@
           <a:lstStyle/>
           <a:p>
             <a:r>
-              <a:rPr lang="en-US" altLang="ko-KR" dirty="0" smtClean="0">
+              <a:rPr lang="en-US" altLang="ko-KR" dirty="0">
                 <a:latin typeface="마루 부리 Beta" pitchFamily="50" charset="-127"/>
                 <a:ea typeface="마루 부리 Beta" pitchFamily="50" charset="-127"/>
               </a:rPr>
@@ -6124,7 +6089,7 @@
           <a:lstStyle/>
           <a:p>
             <a:r>
-              <a:rPr lang="en-US" altLang="ko-KR" dirty="0" smtClean="0">
+              <a:rPr lang="en-US" altLang="ko-KR" dirty="0">
                 <a:latin typeface="마루 부리 Beta" pitchFamily="50" charset="-127"/>
                 <a:ea typeface="마루 부리 Beta" pitchFamily="50" charset="-127"/>
               </a:rPr>
@@ -6613,6 +6578,1868 @@
 </p:sld>
 </file>
 
+<file path=ppt/slides/slide6.xml><?xml version="1.0" encoding="utf-8"?>
+<p:sld xmlns:a="http://schemas.openxmlformats.org/drawingml/2006/main" xmlns:r="http://schemas.openxmlformats.org/officeDocument/2006/relationships" xmlns:p="http://schemas.openxmlformats.org/presentationml/2006/main">
+  <p:cSld>
+    <p:spTree>
+      <p:nvGrpSpPr>
+        <p:cNvPr id="1" name=""/>
+        <p:cNvGrpSpPr/>
+        <p:nvPr/>
+      </p:nvGrpSpPr>
+      <p:grpSpPr>
+        <a:xfrm>
+          <a:off x="0" y="0"/>
+          <a:ext cx="0" cy="0"/>
+          <a:chOff x="0" y="0"/>
+          <a:chExt cx="0" cy="0"/>
+        </a:xfrm>
+      </p:grpSpPr>
+      <p:graphicFrame>
+        <p:nvGraphicFramePr>
+          <p:cNvPr id="4" name="표 4">
+            <a:extLst>
+              <a:ext uri="{FF2B5EF4-FFF2-40B4-BE49-F238E27FC236}">
+                <a16:creationId xmlns:a16="http://schemas.microsoft.com/office/drawing/2014/main" id="{C2966E7A-3A2E-4631-BFA1-6307189753C5}"/>
+              </a:ext>
+            </a:extLst>
+          </p:cNvPr>
+          <p:cNvGraphicFramePr>
+            <a:graphicFrameLocks noGrp="1"/>
+          </p:cNvGraphicFramePr>
+          <p:nvPr>
+            <p:extLst>
+              <p:ext uri="{D42A27DB-BD31-4B8C-83A1-F6EECF244321}">
+                <p14:modId xmlns:p14="http://schemas.microsoft.com/office/powerpoint/2010/main" val="587558951"/>
+              </p:ext>
+            </p:extLst>
+          </p:nvPr>
+        </p:nvGraphicFramePr>
+        <p:xfrm>
+          <a:off x="1524000" y="1068120"/>
+          <a:ext cx="6096000" cy="1112520"/>
+        </p:xfrm>
+        <a:graphic>
+          <a:graphicData uri="http://schemas.openxmlformats.org/drawingml/2006/table">
+            <a:tbl>
+              <a:tblPr firstRow="1" bandRow="1">
+                <a:tableStyleId>{5C22544A-7EE6-4342-B048-85BDC9FD1C3A}</a:tableStyleId>
+              </a:tblPr>
+              <a:tblGrid>
+                <a:gridCol w="1016000">
+                  <a:extLst>
+                    <a:ext uri="{9D8B030D-6E8A-4147-A177-3AD203B41FA5}">
+                      <a16:colId xmlns:a16="http://schemas.microsoft.com/office/drawing/2014/main" val="2875837126"/>
+                    </a:ext>
+                  </a:extLst>
+                </a:gridCol>
+                <a:gridCol w="1016000">
+                  <a:extLst>
+                    <a:ext uri="{9D8B030D-6E8A-4147-A177-3AD203B41FA5}">
+                      <a16:colId xmlns:a16="http://schemas.microsoft.com/office/drawing/2014/main" val="2113820472"/>
+                    </a:ext>
+                  </a:extLst>
+                </a:gridCol>
+                <a:gridCol w="1016000">
+                  <a:extLst>
+                    <a:ext uri="{9D8B030D-6E8A-4147-A177-3AD203B41FA5}">
+                      <a16:colId xmlns:a16="http://schemas.microsoft.com/office/drawing/2014/main" val="529307785"/>
+                    </a:ext>
+                  </a:extLst>
+                </a:gridCol>
+                <a:gridCol w="1016000">
+                  <a:extLst>
+                    <a:ext uri="{9D8B030D-6E8A-4147-A177-3AD203B41FA5}">
+                      <a16:colId xmlns:a16="http://schemas.microsoft.com/office/drawing/2014/main" val="2410095759"/>
+                    </a:ext>
+                  </a:extLst>
+                </a:gridCol>
+                <a:gridCol w="1016000">
+                  <a:extLst>
+                    <a:ext uri="{9D8B030D-6E8A-4147-A177-3AD203B41FA5}">
+                      <a16:colId xmlns:a16="http://schemas.microsoft.com/office/drawing/2014/main" val="2106403822"/>
+                    </a:ext>
+                  </a:extLst>
+                </a:gridCol>
+                <a:gridCol w="1016000">
+                  <a:extLst>
+                    <a:ext uri="{9D8B030D-6E8A-4147-A177-3AD203B41FA5}">
+                      <a16:colId xmlns:a16="http://schemas.microsoft.com/office/drawing/2014/main" val="517819794"/>
+                    </a:ext>
+                  </a:extLst>
+                </a:gridCol>
+              </a:tblGrid>
+              <a:tr h="370840">
+                <a:tc>
+                  <a:txBody>
+                    <a:bodyPr/>
+                    <a:lstStyle/>
+                    <a:p>
+                      <a:pPr algn="ctr" latinLnBrk="1"/>
+                      <a:endParaRPr lang="ko-KR" altLang="en-US" dirty="0"/>
+                    </a:p>
+                  </a:txBody>
+                  <a:tcPr/>
+                </a:tc>
+                <a:tc>
+                  <a:txBody>
+                    <a:bodyPr/>
+                    <a:lstStyle/>
+                    <a:p>
+                      <a:pPr algn="ctr" latinLnBrk="1"/>
+                      <a:r>
+                        <a:rPr lang="ko-KR" altLang="en-US" dirty="0"/>
+                        <a:t>소다맛</a:t>
+                      </a:r>
+                    </a:p>
+                  </a:txBody>
+                  <a:tcPr/>
+                </a:tc>
+                <a:tc>
+                  <a:txBody>
+                    <a:bodyPr/>
+                    <a:lstStyle/>
+                    <a:p>
+                      <a:pPr algn="ctr" latinLnBrk="1"/>
+                      <a:r>
+                        <a:rPr lang="ko-KR" altLang="en-US" dirty="0"/>
+                        <a:t>딸기맛</a:t>
+                      </a:r>
+                    </a:p>
+                  </a:txBody>
+                  <a:tcPr/>
+                </a:tc>
+                <a:tc>
+                  <a:txBody>
+                    <a:bodyPr/>
+                    <a:lstStyle/>
+                    <a:p>
+                      <a:pPr algn="ctr" latinLnBrk="1"/>
+                      <a:r>
+                        <a:rPr lang="ko-KR" altLang="en-US" dirty="0"/>
+                        <a:t>레몬맛</a:t>
+                      </a:r>
+                    </a:p>
+                  </a:txBody>
+                  <a:tcPr/>
+                </a:tc>
+                <a:tc>
+                  <a:txBody>
+                    <a:bodyPr/>
+                    <a:lstStyle/>
+                    <a:p>
+                      <a:pPr algn="ctr" latinLnBrk="1"/>
+                      <a:r>
+                        <a:rPr lang="ko-KR" altLang="en-US" dirty="0"/>
+                        <a:t>포도맛</a:t>
+                      </a:r>
+                    </a:p>
+                  </a:txBody>
+                  <a:tcPr/>
+                </a:tc>
+                <a:tc>
+                  <a:txBody>
+                    <a:bodyPr/>
+                    <a:lstStyle/>
+                    <a:p>
+                      <a:pPr algn="ctr" latinLnBrk="1"/>
+                      <a:r>
+                        <a:rPr lang="ko-KR" altLang="en-US" dirty="0"/>
+                        <a:t>사과맛</a:t>
+                      </a:r>
+                    </a:p>
+                  </a:txBody>
+                  <a:tcPr/>
+                </a:tc>
+                <a:extLst>
+                  <a:ext uri="{0D108BD9-81ED-4DB2-BD59-A6C34878D82A}">
+                    <a16:rowId xmlns:a16="http://schemas.microsoft.com/office/drawing/2014/main" val="980003556"/>
+                  </a:ext>
+                </a:extLst>
+              </a:tr>
+              <a:tr h="370840">
+                <a:tc>
+                  <a:txBody>
+                    <a:bodyPr/>
+                    <a:lstStyle/>
+                    <a:p>
+                      <a:pPr algn="ctr" latinLnBrk="1"/>
+                      <a:r>
+                        <a:rPr lang="ko-KR" altLang="en-US" dirty="0"/>
+                        <a:t>관찰값</a:t>
+                      </a:r>
+                    </a:p>
+                  </a:txBody>
+                  <a:tcPr/>
+                </a:tc>
+                <a:tc>
+                  <a:txBody>
+                    <a:bodyPr/>
+                    <a:lstStyle/>
+                    <a:p>
+                      <a:pPr algn="ctr" latinLnBrk="1"/>
+                      <a:r>
+                        <a:rPr lang="en-US" altLang="ko-KR" dirty="0"/>
+                        <a:t>17</a:t>
+                      </a:r>
+                      <a:endParaRPr lang="ko-KR" altLang="en-US" dirty="0"/>
+                    </a:p>
+                  </a:txBody>
+                  <a:tcPr/>
+                </a:tc>
+                <a:tc>
+                  <a:txBody>
+                    <a:bodyPr/>
+                    <a:lstStyle/>
+                    <a:p>
+                      <a:pPr algn="ctr" latinLnBrk="1"/>
+                      <a:r>
+                        <a:rPr lang="en-US" altLang="ko-KR" dirty="0"/>
+                        <a:t>16</a:t>
+                      </a:r>
+                      <a:endParaRPr lang="ko-KR" altLang="en-US" dirty="0"/>
+                    </a:p>
+                  </a:txBody>
+                  <a:tcPr/>
+                </a:tc>
+                <a:tc>
+                  <a:txBody>
+                    <a:bodyPr/>
+                    <a:lstStyle/>
+                    <a:p>
+                      <a:pPr algn="ctr" latinLnBrk="1"/>
+                      <a:r>
+                        <a:rPr lang="en-US" altLang="ko-KR" dirty="0"/>
+                        <a:t>24</a:t>
+                      </a:r>
+                      <a:endParaRPr lang="ko-KR" altLang="en-US" dirty="0"/>
+                    </a:p>
+                  </a:txBody>
+                  <a:tcPr/>
+                </a:tc>
+                <a:tc>
+                  <a:txBody>
+                    <a:bodyPr/>
+                    <a:lstStyle/>
+                    <a:p>
+                      <a:pPr algn="ctr" latinLnBrk="1"/>
+                      <a:r>
+                        <a:rPr lang="en-US" altLang="ko-KR" dirty="0"/>
+                        <a:t>29</a:t>
+                      </a:r>
+                      <a:endParaRPr lang="ko-KR" altLang="en-US" dirty="0"/>
+                    </a:p>
+                  </a:txBody>
+                  <a:tcPr/>
+                </a:tc>
+                <a:tc>
+                  <a:txBody>
+                    <a:bodyPr/>
+                    <a:lstStyle/>
+                    <a:p>
+                      <a:pPr algn="ctr" latinLnBrk="1"/>
+                      <a:r>
+                        <a:rPr lang="en-US" altLang="ko-KR" dirty="0"/>
+                        <a:t>14</a:t>
+                      </a:r>
+                      <a:endParaRPr lang="ko-KR" altLang="en-US" dirty="0"/>
+                    </a:p>
+                  </a:txBody>
+                  <a:tcPr/>
+                </a:tc>
+                <a:extLst>
+                  <a:ext uri="{0D108BD9-81ED-4DB2-BD59-A6C34878D82A}">
+                    <a16:rowId xmlns:a16="http://schemas.microsoft.com/office/drawing/2014/main" val="2990895675"/>
+                  </a:ext>
+                </a:extLst>
+              </a:tr>
+              <a:tr h="370840">
+                <a:tc>
+                  <a:txBody>
+                    <a:bodyPr/>
+                    <a:lstStyle/>
+                    <a:p>
+                      <a:pPr algn="ctr" latinLnBrk="1"/>
+                      <a:r>
+                        <a:rPr lang="ko-KR" altLang="en-US" dirty="0"/>
+                        <a:t>기댓값</a:t>
+                      </a:r>
+                    </a:p>
+                  </a:txBody>
+                  <a:tcPr/>
+                </a:tc>
+                <a:tc>
+                  <a:txBody>
+                    <a:bodyPr/>
+                    <a:lstStyle/>
+                    <a:p>
+                      <a:pPr algn="ctr" latinLnBrk="1"/>
+                      <a:r>
+                        <a:rPr lang="en-US" altLang="ko-KR" dirty="0"/>
+                        <a:t>20</a:t>
+                      </a:r>
+                      <a:endParaRPr lang="ko-KR" altLang="en-US" dirty="0"/>
+                    </a:p>
+                  </a:txBody>
+                  <a:tcPr/>
+                </a:tc>
+                <a:tc>
+                  <a:txBody>
+                    <a:bodyPr/>
+                    <a:lstStyle/>
+                    <a:p>
+                      <a:pPr algn="ctr" latinLnBrk="1"/>
+                      <a:r>
+                        <a:rPr lang="en-US" altLang="ko-KR" dirty="0"/>
+                        <a:t>20</a:t>
+                      </a:r>
+                      <a:endParaRPr lang="ko-KR" altLang="en-US" dirty="0"/>
+                    </a:p>
+                  </a:txBody>
+                  <a:tcPr/>
+                </a:tc>
+                <a:tc>
+                  <a:txBody>
+                    <a:bodyPr/>
+                    <a:lstStyle/>
+                    <a:p>
+                      <a:pPr algn="ctr" latinLnBrk="1"/>
+                      <a:r>
+                        <a:rPr lang="en-US" altLang="ko-KR" dirty="0"/>
+                        <a:t>20</a:t>
+                      </a:r>
+                      <a:endParaRPr lang="ko-KR" altLang="en-US" dirty="0"/>
+                    </a:p>
+                  </a:txBody>
+                  <a:tcPr/>
+                </a:tc>
+                <a:tc>
+                  <a:txBody>
+                    <a:bodyPr/>
+                    <a:lstStyle/>
+                    <a:p>
+                      <a:pPr algn="ctr" latinLnBrk="1"/>
+                      <a:r>
+                        <a:rPr lang="en-US" altLang="ko-KR" dirty="0"/>
+                        <a:t>20</a:t>
+                      </a:r>
+                      <a:endParaRPr lang="ko-KR" altLang="en-US" dirty="0"/>
+                    </a:p>
+                  </a:txBody>
+                  <a:tcPr/>
+                </a:tc>
+                <a:tc>
+                  <a:txBody>
+                    <a:bodyPr/>
+                    <a:lstStyle/>
+                    <a:p>
+                      <a:pPr algn="ctr" latinLnBrk="1"/>
+                      <a:r>
+                        <a:rPr lang="en-US" altLang="ko-KR" dirty="0"/>
+                        <a:t>20</a:t>
+                      </a:r>
+                      <a:endParaRPr lang="ko-KR" altLang="en-US" dirty="0"/>
+                    </a:p>
+                  </a:txBody>
+                  <a:tcPr/>
+                </a:tc>
+                <a:extLst>
+                  <a:ext uri="{0D108BD9-81ED-4DB2-BD59-A6C34878D82A}">
+                    <a16:rowId xmlns:a16="http://schemas.microsoft.com/office/drawing/2014/main" val="175056291"/>
+                  </a:ext>
+                </a:extLst>
+              </a:tr>
+            </a:tbl>
+          </a:graphicData>
+        </a:graphic>
+      </p:graphicFrame>
+      <p:sp>
+        <p:nvSpPr>
+          <p:cNvPr id="5" name="TextBox 4">
+            <a:extLst>
+              <a:ext uri="{FF2B5EF4-FFF2-40B4-BE49-F238E27FC236}">
+                <a16:creationId xmlns:a16="http://schemas.microsoft.com/office/drawing/2014/main" id="{9092303B-A874-4005-9EBE-ACBC759FA941}"/>
+              </a:ext>
+            </a:extLst>
+          </p:cNvPr>
+          <p:cNvSpPr txBox="1"/>
+          <p:nvPr/>
+        </p:nvSpPr>
+        <p:spPr>
+          <a:xfrm>
+            <a:off x="1994211" y="674564"/>
+            <a:ext cx="5155579" cy="369332"/>
+          </a:xfrm>
+          <a:prstGeom prst="rect">
+            <a:avLst/>
+          </a:prstGeom>
+          <a:noFill/>
+        </p:spPr>
+        <p:txBody>
+          <a:bodyPr wrap="none" rtlCol="0">
+            <a:spAutoFit/>
+          </a:bodyPr>
+          <a:lstStyle/>
+          <a:p>
+            <a:r>
+              <a:rPr lang="ko-KR" altLang="en-US" dirty="0">
+                <a:latin typeface="마루 부리 Beta" panose="020B0600000101010101" pitchFamily="50" charset="-127"/>
+                <a:ea typeface="마루 부리 Beta" panose="020B0600000101010101" pitchFamily="50" charset="-127"/>
+              </a:rPr>
+              <a:t>랜덤하게 </a:t>
+            </a:r>
+            <a:r>
+              <a:rPr lang="en-US" altLang="ko-KR" dirty="0">
+                <a:latin typeface="마루 부리 Beta" panose="020B0600000101010101" pitchFamily="50" charset="-127"/>
+                <a:ea typeface="마루 부리 Beta" panose="020B0600000101010101" pitchFamily="50" charset="-127"/>
+              </a:rPr>
+              <a:t>100</a:t>
+            </a:r>
+            <a:r>
+              <a:rPr lang="ko-KR" altLang="en-US" dirty="0">
+                <a:latin typeface="마루 부리 Beta" panose="020B0600000101010101" pitchFamily="50" charset="-127"/>
+                <a:ea typeface="마루 부리 Beta" panose="020B0600000101010101" pitchFamily="50" charset="-127"/>
+              </a:rPr>
+              <a:t>개 사탕을 골라온 경우의 관찰데이터</a:t>
+            </a:r>
+          </a:p>
+        </p:txBody>
+      </p:sp>
+      <p:pic>
+        <p:nvPicPr>
+          <p:cNvPr id="9" name="그림 8">
+            <a:extLst>
+              <a:ext uri="{FF2B5EF4-FFF2-40B4-BE49-F238E27FC236}">
+                <a16:creationId xmlns:a16="http://schemas.microsoft.com/office/drawing/2014/main" id="{78D5B1AC-44DA-4413-B5D3-0C85B39B4AE6}"/>
+              </a:ext>
+            </a:extLst>
+          </p:cNvPr>
+          <p:cNvPicPr>
+            <a:picLocks noChangeAspect="1"/>
+          </p:cNvPicPr>
+          <p:nvPr/>
+        </p:nvPicPr>
+        <p:blipFill>
+          <a:blip r:embed="rId2"/>
+          <a:stretch>
+            <a:fillRect/>
+          </a:stretch>
+        </p:blipFill>
+        <p:spPr>
+          <a:xfrm>
+            <a:off x="1905000" y="2204864"/>
+            <a:ext cx="5334000" cy="4000500"/>
+          </a:xfrm>
+          <a:prstGeom prst="rect">
+            <a:avLst/>
+          </a:prstGeom>
+        </p:spPr>
+      </p:pic>
+    </p:spTree>
+    <p:extLst>
+      <p:ext uri="{BB962C8B-B14F-4D97-AF65-F5344CB8AC3E}">
+        <p14:creationId xmlns:p14="http://schemas.microsoft.com/office/powerpoint/2010/main" val="3666680230"/>
+      </p:ext>
+    </p:extLst>
+  </p:cSld>
+  <p:clrMapOvr>
+    <a:masterClrMapping/>
+  </p:clrMapOvr>
+</p:sld>
+</file>
+
+<file path=ppt/slides/slide7.xml><?xml version="1.0" encoding="utf-8"?>
+<p:sld xmlns:a="http://schemas.openxmlformats.org/drawingml/2006/main" xmlns:r="http://schemas.openxmlformats.org/officeDocument/2006/relationships" xmlns:p="http://schemas.openxmlformats.org/presentationml/2006/main">
+  <p:cSld>
+    <p:spTree>
+      <p:nvGrpSpPr>
+        <p:cNvPr id="1" name=""/>
+        <p:cNvGrpSpPr/>
+        <p:nvPr/>
+      </p:nvGrpSpPr>
+      <p:grpSpPr>
+        <a:xfrm>
+          <a:off x="0" y="0"/>
+          <a:ext cx="0" cy="0"/>
+          <a:chOff x="0" y="0"/>
+          <a:chExt cx="0" cy="0"/>
+        </a:xfrm>
+      </p:grpSpPr>
+      <p:graphicFrame>
+        <p:nvGraphicFramePr>
+          <p:cNvPr id="4" name="표 4">
+            <a:extLst>
+              <a:ext uri="{FF2B5EF4-FFF2-40B4-BE49-F238E27FC236}">
+                <a16:creationId xmlns:a16="http://schemas.microsoft.com/office/drawing/2014/main" id="{04DB6818-629D-48DF-882A-C447C31914F2}"/>
+              </a:ext>
+            </a:extLst>
+          </p:cNvPr>
+          <p:cNvGraphicFramePr>
+            <a:graphicFrameLocks noGrp="1"/>
+          </p:cNvGraphicFramePr>
+          <p:nvPr>
+            <p:extLst>
+              <p:ext uri="{D42A27DB-BD31-4B8C-83A1-F6EECF244321}">
+                <p14:modId xmlns:p14="http://schemas.microsoft.com/office/powerpoint/2010/main" val="4019264360"/>
+              </p:ext>
+            </p:extLst>
+          </p:nvPr>
+        </p:nvGraphicFramePr>
+        <p:xfrm>
+          <a:off x="1524000" y="764704"/>
+          <a:ext cx="6096000" cy="1483360"/>
+        </p:xfrm>
+        <a:graphic>
+          <a:graphicData uri="http://schemas.openxmlformats.org/drawingml/2006/table">
+            <a:tbl>
+              <a:tblPr firstRow="1" bandRow="1">
+                <a:tableStyleId>{5C22544A-7EE6-4342-B048-85BDC9FD1C3A}</a:tableStyleId>
+              </a:tblPr>
+              <a:tblGrid>
+                <a:gridCol w="1219200">
+                  <a:extLst>
+                    <a:ext uri="{9D8B030D-6E8A-4147-A177-3AD203B41FA5}">
+                      <a16:colId xmlns:a16="http://schemas.microsoft.com/office/drawing/2014/main" val="2573763679"/>
+                    </a:ext>
+                  </a:extLst>
+                </a:gridCol>
+                <a:gridCol w="1219200">
+                  <a:extLst>
+                    <a:ext uri="{9D8B030D-6E8A-4147-A177-3AD203B41FA5}">
+                      <a16:colId xmlns:a16="http://schemas.microsoft.com/office/drawing/2014/main" val="2734550608"/>
+                    </a:ext>
+                  </a:extLst>
+                </a:gridCol>
+                <a:gridCol w="1219200">
+                  <a:extLst>
+                    <a:ext uri="{9D8B030D-6E8A-4147-A177-3AD203B41FA5}">
+                      <a16:colId xmlns:a16="http://schemas.microsoft.com/office/drawing/2014/main" val="2810626759"/>
+                    </a:ext>
+                  </a:extLst>
+                </a:gridCol>
+                <a:gridCol w="1219200">
+                  <a:extLst>
+                    <a:ext uri="{9D8B030D-6E8A-4147-A177-3AD203B41FA5}">
+                      <a16:colId xmlns:a16="http://schemas.microsoft.com/office/drawing/2014/main" val="4178593908"/>
+                    </a:ext>
+                  </a:extLst>
+                </a:gridCol>
+                <a:gridCol w="1219200">
+                  <a:extLst>
+                    <a:ext uri="{9D8B030D-6E8A-4147-A177-3AD203B41FA5}">
+                      <a16:colId xmlns:a16="http://schemas.microsoft.com/office/drawing/2014/main" val="286403722"/>
+                    </a:ext>
+                  </a:extLst>
+                </a:gridCol>
+              </a:tblGrid>
+              <a:tr h="370840">
+                <a:tc>
+                  <a:txBody>
+                    <a:bodyPr/>
+                    <a:lstStyle/>
+                    <a:p>
+                      <a:pPr algn="ctr" latinLnBrk="1"/>
+                      <a:endParaRPr lang="ko-KR" altLang="en-US" b="1" dirty="0">
+                        <a:solidFill>
+                          <a:sysClr val="windowText" lastClr="000000"/>
+                        </a:solidFill>
+                      </a:endParaRPr>
+                    </a:p>
+                  </a:txBody>
+                  <a:tcPr>
+                    <a:lnL w="12700" cap="flat" cmpd="sng" algn="ctr">
+                      <a:solidFill>
+                        <a:schemeClr val="tx1"/>
+                      </a:solidFill>
+                      <a:prstDash val="solid"/>
+                      <a:round/>
+                      <a:headEnd type="none" w="med" len="med"/>
+                      <a:tailEnd type="none" w="med" len="med"/>
+                    </a:lnL>
+                    <a:lnR w="12700" cap="flat" cmpd="sng" algn="ctr">
+                      <a:solidFill>
+                        <a:schemeClr val="tx1"/>
+                      </a:solidFill>
+                      <a:prstDash val="solid"/>
+                      <a:round/>
+                      <a:headEnd type="none" w="med" len="med"/>
+                      <a:tailEnd type="none" w="med" len="med"/>
+                    </a:lnR>
+                    <a:lnT w="12700" cap="flat" cmpd="sng" algn="ctr">
+                      <a:solidFill>
+                        <a:schemeClr val="tx1"/>
+                      </a:solidFill>
+                      <a:prstDash val="solid"/>
+                      <a:round/>
+                      <a:headEnd type="none" w="med" len="med"/>
+                      <a:tailEnd type="none" w="med" len="med"/>
+                    </a:lnT>
+                    <a:lnB w="12700" cap="flat" cmpd="sng" algn="ctr">
+                      <a:solidFill>
+                        <a:schemeClr val="tx1"/>
+                      </a:solidFill>
+                      <a:prstDash val="solid"/>
+                      <a:round/>
+                      <a:headEnd type="none" w="med" len="med"/>
+                      <a:tailEnd type="none" w="med" len="med"/>
+                    </a:lnB>
+                    <a:solidFill>
+                      <a:schemeClr val="bg1">
+                        <a:lumMod val="85000"/>
+                      </a:schemeClr>
+                    </a:solidFill>
+                  </a:tcPr>
+                </a:tc>
+                <a:tc>
+                  <a:txBody>
+                    <a:bodyPr/>
+                    <a:lstStyle/>
+                    <a:p>
+                      <a:pPr algn="ctr" latinLnBrk="1"/>
+                      <a:r>
+                        <a:rPr lang="ko-KR" altLang="en-US" dirty="0">
+                          <a:solidFill>
+                            <a:sysClr val="windowText" lastClr="000000"/>
+                          </a:solidFill>
+                        </a:rPr>
+                        <a:t>짜장면</a:t>
+                      </a:r>
+                    </a:p>
+                  </a:txBody>
+                  <a:tcPr>
+                    <a:lnL w="12700" cap="flat" cmpd="sng" algn="ctr">
+                      <a:solidFill>
+                        <a:schemeClr val="tx1"/>
+                      </a:solidFill>
+                      <a:prstDash val="solid"/>
+                      <a:round/>
+                      <a:headEnd type="none" w="med" len="med"/>
+                      <a:tailEnd type="none" w="med" len="med"/>
+                    </a:lnL>
+                    <a:lnR w="12700" cap="flat" cmpd="sng" algn="ctr">
+                      <a:solidFill>
+                        <a:schemeClr val="tx1"/>
+                      </a:solidFill>
+                      <a:prstDash val="solid"/>
+                      <a:round/>
+                      <a:headEnd type="none" w="med" len="med"/>
+                      <a:tailEnd type="none" w="med" len="med"/>
+                    </a:lnR>
+                    <a:lnT w="12700" cap="flat" cmpd="sng" algn="ctr">
+                      <a:solidFill>
+                        <a:schemeClr val="tx1"/>
+                      </a:solidFill>
+                      <a:prstDash val="solid"/>
+                      <a:round/>
+                      <a:headEnd type="none" w="med" len="med"/>
+                      <a:tailEnd type="none" w="med" len="med"/>
+                    </a:lnT>
+                    <a:lnB w="12700" cap="flat" cmpd="sng" algn="ctr">
+                      <a:solidFill>
+                        <a:schemeClr val="tx1"/>
+                      </a:solidFill>
+                      <a:prstDash val="solid"/>
+                      <a:round/>
+                      <a:headEnd type="none" w="med" len="med"/>
+                      <a:tailEnd type="none" w="med" len="med"/>
+                    </a:lnB>
+                    <a:solidFill>
+                      <a:schemeClr val="bg1">
+                        <a:lumMod val="85000"/>
+                      </a:schemeClr>
+                    </a:solidFill>
+                  </a:tcPr>
+                </a:tc>
+                <a:tc>
+                  <a:txBody>
+                    <a:bodyPr/>
+                    <a:lstStyle/>
+                    <a:p>
+                      <a:pPr algn="ctr" latinLnBrk="1"/>
+                      <a:r>
+                        <a:rPr lang="ko-KR" altLang="en-US" dirty="0">
+                          <a:solidFill>
+                            <a:sysClr val="windowText" lastClr="000000"/>
+                          </a:solidFill>
+                        </a:rPr>
+                        <a:t>짬뽕</a:t>
+                      </a:r>
+                    </a:p>
+                  </a:txBody>
+                  <a:tcPr>
+                    <a:lnL w="12700" cap="flat" cmpd="sng" algn="ctr">
+                      <a:solidFill>
+                        <a:schemeClr val="tx1"/>
+                      </a:solidFill>
+                      <a:prstDash val="solid"/>
+                      <a:round/>
+                      <a:headEnd type="none" w="med" len="med"/>
+                      <a:tailEnd type="none" w="med" len="med"/>
+                    </a:lnL>
+                    <a:lnR w="12700" cap="flat" cmpd="sng" algn="ctr">
+                      <a:solidFill>
+                        <a:schemeClr val="tx1"/>
+                      </a:solidFill>
+                      <a:prstDash val="solid"/>
+                      <a:round/>
+                      <a:headEnd type="none" w="med" len="med"/>
+                      <a:tailEnd type="none" w="med" len="med"/>
+                    </a:lnR>
+                    <a:lnT w="12700" cap="flat" cmpd="sng" algn="ctr">
+                      <a:solidFill>
+                        <a:schemeClr val="tx1"/>
+                      </a:solidFill>
+                      <a:prstDash val="solid"/>
+                      <a:round/>
+                      <a:headEnd type="none" w="med" len="med"/>
+                      <a:tailEnd type="none" w="med" len="med"/>
+                    </a:lnT>
+                    <a:lnB w="12700" cap="flat" cmpd="sng" algn="ctr">
+                      <a:solidFill>
+                        <a:schemeClr val="tx1"/>
+                      </a:solidFill>
+                      <a:prstDash val="solid"/>
+                      <a:round/>
+                      <a:headEnd type="none" w="med" len="med"/>
+                      <a:tailEnd type="none" w="med" len="med"/>
+                    </a:lnB>
+                    <a:solidFill>
+                      <a:schemeClr val="bg1">
+                        <a:lumMod val="85000"/>
+                      </a:schemeClr>
+                    </a:solidFill>
+                  </a:tcPr>
+                </a:tc>
+                <a:tc>
+                  <a:txBody>
+                    <a:bodyPr/>
+                    <a:lstStyle/>
+                    <a:p>
+                      <a:pPr algn="ctr" latinLnBrk="1"/>
+                      <a:r>
+                        <a:rPr lang="ko-KR" altLang="en-US" dirty="0">
+                          <a:solidFill>
+                            <a:sysClr val="windowText" lastClr="000000"/>
+                          </a:solidFill>
+                        </a:rPr>
+                        <a:t>마라탕</a:t>
+                      </a:r>
+                    </a:p>
+                  </a:txBody>
+                  <a:tcPr>
+                    <a:lnL w="12700" cap="flat" cmpd="sng" algn="ctr">
+                      <a:solidFill>
+                        <a:schemeClr val="tx1"/>
+                      </a:solidFill>
+                      <a:prstDash val="solid"/>
+                      <a:round/>
+                      <a:headEnd type="none" w="med" len="med"/>
+                      <a:tailEnd type="none" w="med" len="med"/>
+                    </a:lnL>
+                    <a:lnR w="12700" cap="flat" cmpd="sng" algn="ctr">
+                      <a:solidFill>
+                        <a:schemeClr val="tx1"/>
+                      </a:solidFill>
+                      <a:prstDash val="solid"/>
+                      <a:round/>
+                      <a:headEnd type="none" w="med" len="med"/>
+                      <a:tailEnd type="none" w="med" len="med"/>
+                    </a:lnR>
+                    <a:lnT w="12700" cap="flat" cmpd="sng" algn="ctr">
+                      <a:solidFill>
+                        <a:schemeClr val="tx1"/>
+                      </a:solidFill>
+                      <a:prstDash val="solid"/>
+                      <a:round/>
+                      <a:headEnd type="none" w="med" len="med"/>
+                      <a:tailEnd type="none" w="med" len="med"/>
+                    </a:lnT>
+                    <a:lnB w="12700" cap="flat" cmpd="sng" algn="ctr">
+                      <a:solidFill>
+                        <a:schemeClr val="tx1"/>
+                      </a:solidFill>
+                      <a:prstDash val="solid"/>
+                      <a:round/>
+                      <a:headEnd type="none" w="med" len="med"/>
+                      <a:tailEnd type="none" w="med" len="med"/>
+                    </a:lnB>
+                    <a:solidFill>
+                      <a:schemeClr val="bg1">
+                        <a:lumMod val="85000"/>
+                      </a:schemeClr>
+                    </a:solidFill>
+                  </a:tcPr>
+                </a:tc>
+                <a:tc>
+                  <a:txBody>
+                    <a:bodyPr/>
+                    <a:lstStyle/>
+                    <a:p>
+                      <a:pPr algn="ctr" latinLnBrk="1"/>
+                      <a:r>
+                        <a:rPr lang="ko-KR" altLang="en-US" dirty="0">
+                          <a:solidFill>
+                            <a:sysClr val="windowText" lastClr="000000"/>
+                          </a:solidFill>
+                        </a:rPr>
+                        <a:t>합계</a:t>
+                      </a:r>
+                    </a:p>
+                  </a:txBody>
+                  <a:tcPr>
+                    <a:lnL w="12700" cap="flat" cmpd="sng" algn="ctr">
+                      <a:solidFill>
+                        <a:schemeClr val="tx1"/>
+                      </a:solidFill>
+                      <a:prstDash val="solid"/>
+                      <a:round/>
+                      <a:headEnd type="none" w="med" len="med"/>
+                      <a:tailEnd type="none" w="med" len="med"/>
+                    </a:lnL>
+                    <a:lnR w="12700" cap="flat" cmpd="sng" algn="ctr">
+                      <a:solidFill>
+                        <a:schemeClr val="tx1"/>
+                      </a:solidFill>
+                      <a:prstDash val="solid"/>
+                      <a:round/>
+                      <a:headEnd type="none" w="med" len="med"/>
+                      <a:tailEnd type="none" w="med" len="med"/>
+                    </a:lnR>
+                    <a:lnT w="12700" cap="flat" cmpd="sng" algn="ctr">
+                      <a:solidFill>
+                        <a:schemeClr val="tx1"/>
+                      </a:solidFill>
+                      <a:prstDash val="solid"/>
+                      <a:round/>
+                      <a:headEnd type="none" w="med" len="med"/>
+                      <a:tailEnd type="none" w="med" len="med"/>
+                    </a:lnT>
+                    <a:lnB w="12700" cap="flat" cmpd="sng" algn="ctr">
+                      <a:solidFill>
+                        <a:schemeClr val="tx1"/>
+                      </a:solidFill>
+                      <a:prstDash val="solid"/>
+                      <a:round/>
+                      <a:headEnd type="none" w="med" len="med"/>
+                      <a:tailEnd type="none" w="med" len="med"/>
+                    </a:lnB>
+                    <a:solidFill>
+                      <a:schemeClr val="bg1">
+                        <a:lumMod val="85000"/>
+                      </a:schemeClr>
+                    </a:solidFill>
+                  </a:tcPr>
+                </a:tc>
+                <a:extLst>
+                  <a:ext uri="{0D108BD9-81ED-4DB2-BD59-A6C34878D82A}">
+                    <a16:rowId xmlns:a16="http://schemas.microsoft.com/office/drawing/2014/main" val="437292405"/>
+                  </a:ext>
+                </a:extLst>
+              </a:tr>
+              <a:tr h="370840">
+                <a:tc>
+                  <a:txBody>
+                    <a:bodyPr/>
+                    <a:lstStyle/>
+                    <a:p>
+                      <a:pPr algn="ctr" latinLnBrk="1"/>
+                      <a:r>
+                        <a:rPr lang="ko-KR" altLang="en-US" b="1" dirty="0">
+                          <a:solidFill>
+                            <a:sysClr val="windowText" lastClr="000000"/>
+                          </a:solidFill>
+                        </a:rPr>
+                        <a:t>남학생</a:t>
+                      </a:r>
+                    </a:p>
+                  </a:txBody>
+                  <a:tcPr>
+                    <a:lnL w="12700" cap="flat" cmpd="sng" algn="ctr">
+                      <a:solidFill>
+                        <a:schemeClr val="tx1"/>
+                      </a:solidFill>
+                      <a:prstDash val="solid"/>
+                      <a:round/>
+                      <a:headEnd type="none" w="med" len="med"/>
+                      <a:tailEnd type="none" w="med" len="med"/>
+                    </a:lnL>
+                    <a:lnR w="12700" cap="flat" cmpd="sng" algn="ctr">
+                      <a:solidFill>
+                        <a:schemeClr val="tx1"/>
+                      </a:solidFill>
+                      <a:prstDash val="solid"/>
+                      <a:round/>
+                      <a:headEnd type="none" w="med" len="med"/>
+                      <a:tailEnd type="none" w="med" len="med"/>
+                    </a:lnR>
+                    <a:lnT w="12700" cap="flat" cmpd="sng" algn="ctr">
+                      <a:solidFill>
+                        <a:schemeClr val="tx1"/>
+                      </a:solidFill>
+                      <a:prstDash val="solid"/>
+                      <a:round/>
+                      <a:headEnd type="none" w="med" len="med"/>
+                      <a:tailEnd type="none" w="med" len="med"/>
+                    </a:lnT>
+                    <a:lnB w="12700" cap="flat" cmpd="sng" algn="ctr">
+                      <a:solidFill>
+                        <a:schemeClr val="tx1"/>
+                      </a:solidFill>
+                      <a:prstDash val="solid"/>
+                      <a:round/>
+                      <a:headEnd type="none" w="med" len="med"/>
+                      <a:tailEnd type="none" w="med" len="med"/>
+                    </a:lnB>
+                    <a:solidFill>
+                      <a:schemeClr val="bg1">
+                        <a:lumMod val="85000"/>
+                      </a:schemeClr>
+                    </a:solidFill>
+                  </a:tcPr>
+                </a:tc>
+                <a:tc>
+                  <a:txBody>
+                    <a:bodyPr/>
+                    <a:lstStyle/>
+                    <a:p>
+                      <a:pPr algn="ctr" latinLnBrk="1"/>
+                      <a:r>
+                        <a:rPr lang="en-US" altLang="ko-KR" dirty="0">
+                          <a:solidFill>
+                            <a:sysClr val="windowText" lastClr="000000"/>
+                          </a:solidFill>
+                        </a:rPr>
+                        <a:t>21</a:t>
+                      </a:r>
+                      <a:endParaRPr lang="ko-KR" altLang="en-US" dirty="0">
+                        <a:solidFill>
+                          <a:sysClr val="windowText" lastClr="000000"/>
+                        </a:solidFill>
+                      </a:endParaRPr>
+                    </a:p>
+                  </a:txBody>
+                  <a:tcPr>
+                    <a:lnL w="12700" cap="flat" cmpd="sng" algn="ctr">
+                      <a:solidFill>
+                        <a:schemeClr val="tx1"/>
+                      </a:solidFill>
+                      <a:prstDash val="solid"/>
+                      <a:round/>
+                      <a:headEnd type="none" w="med" len="med"/>
+                      <a:tailEnd type="none" w="med" len="med"/>
+                    </a:lnL>
+                    <a:lnR w="12700" cap="flat" cmpd="sng" algn="ctr">
+                      <a:solidFill>
+                        <a:schemeClr val="tx1"/>
+                      </a:solidFill>
+                      <a:prstDash val="solid"/>
+                      <a:round/>
+                      <a:headEnd type="none" w="med" len="med"/>
+                      <a:tailEnd type="none" w="med" len="med"/>
+                    </a:lnR>
+                    <a:lnT w="12700" cap="flat" cmpd="sng" algn="ctr">
+                      <a:solidFill>
+                        <a:schemeClr val="tx1"/>
+                      </a:solidFill>
+                      <a:prstDash val="solid"/>
+                      <a:round/>
+                      <a:headEnd type="none" w="med" len="med"/>
+                      <a:tailEnd type="none" w="med" len="med"/>
+                    </a:lnT>
+                    <a:lnB w="12700" cap="flat" cmpd="sng" algn="ctr">
+                      <a:solidFill>
+                        <a:schemeClr val="tx1"/>
+                      </a:solidFill>
+                      <a:prstDash val="solid"/>
+                      <a:round/>
+                      <a:headEnd type="none" w="med" len="med"/>
+                      <a:tailEnd type="none" w="med" len="med"/>
+                    </a:lnB>
+                    <a:solidFill>
+                      <a:schemeClr val="bg1"/>
+                    </a:solidFill>
+                  </a:tcPr>
+                </a:tc>
+                <a:tc>
+                  <a:txBody>
+                    <a:bodyPr/>
+                    <a:lstStyle/>
+                    <a:p>
+                      <a:pPr algn="ctr" latinLnBrk="1"/>
+                      <a:r>
+                        <a:rPr lang="en-US" altLang="ko-KR" dirty="0">
+                          <a:solidFill>
+                            <a:sysClr val="windowText" lastClr="000000"/>
+                          </a:solidFill>
+                        </a:rPr>
+                        <a:t>13</a:t>
+                      </a:r>
+                      <a:endParaRPr lang="ko-KR" altLang="en-US" dirty="0">
+                        <a:solidFill>
+                          <a:sysClr val="windowText" lastClr="000000"/>
+                        </a:solidFill>
+                      </a:endParaRPr>
+                    </a:p>
+                  </a:txBody>
+                  <a:tcPr>
+                    <a:lnL w="12700" cap="flat" cmpd="sng" algn="ctr">
+                      <a:solidFill>
+                        <a:schemeClr val="tx1"/>
+                      </a:solidFill>
+                      <a:prstDash val="solid"/>
+                      <a:round/>
+                      <a:headEnd type="none" w="med" len="med"/>
+                      <a:tailEnd type="none" w="med" len="med"/>
+                    </a:lnL>
+                    <a:lnR w="12700" cap="flat" cmpd="sng" algn="ctr">
+                      <a:solidFill>
+                        <a:schemeClr val="tx1"/>
+                      </a:solidFill>
+                      <a:prstDash val="solid"/>
+                      <a:round/>
+                      <a:headEnd type="none" w="med" len="med"/>
+                      <a:tailEnd type="none" w="med" len="med"/>
+                    </a:lnR>
+                    <a:lnT w="12700" cap="flat" cmpd="sng" algn="ctr">
+                      <a:solidFill>
+                        <a:schemeClr val="tx1"/>
+                      </a:solidFill>
+                      <a:prstDash val="solid"/>
+                      <a:round/>
+                      <a:headEnd type="none" w="med" len="med"/>
+                      <a:tailEnd type="none" w="med" len="med"/>
+                    </a:lnT>
+                    <a:lnB w="12700" cap="flat" cmpd="sng" algn="ctr">
+                      <a:solidFill>
+                        <a:schemeClr val="tx1"/>
+                      </a:solidFill>
+                      <a:prstDash val="solid"/>
+                      <a:round/>
+                      <a:headEnd type="none" w="med" len="med"/>
+                      <a:tailEnd type="none" w="med" len="med"/>
+                    </a:lnB>
+                    <a:solidFill>
+                      <a:schemeClr val="bg1"/>
+                    </a:solidFill>
+                  </a:tcPr>
+                </a:tc>
+                <a:tc>
+                  <a:txBody>
+                    <a:bodyPr/>
+                    <a:lstStyle/>
+                    <a:p>
+                      <a:pPr algn="ctr" latinLnBrk="1"/>
+                      <a:r>
+                        <a:rPr lang="en-US" altLang="ko-KR" dirty="0">
+                          <a:solidFill>
+                            <a:sysClr val="windowText" lastClr="000000"/>
+                          </a:solidFill>
+                        </a:rPr>
+                        <a:t>6</a:t>
+                      </a:r>
+                      <a:endParaRPr lang="ko-KR" altLang="en-US" dirty="0">
+                        <a:solidFill>
+                          <a:sysClr val="windowText" lastClr="000000"/>
+                        </a:solidFill>
+                      </a:endParaRPr>
+                    </a:p>
+                  </a:txBody>
+                  <a:tcPr>
+                    <a:lnL w="12700" cap="flat" cmpd="sng" algn="ctr">
+                      <a:solidFill>
+                        <a:schemeClr val="tx1"/>
+                      </a:solidFill>
+                      <a:prstDash val="solid"/>
+                      <a:round/>
+                      <a:headEnd type="none" w="med" len="med"/>
+                      <a:tailEnd type="none" w="med" len="med"/>
+                    </a:lnL>
+                    <a:lnR w="12700" cap="flat" cmpd="sng" algn="ctr">
+                      <a:solidFill>
+                        <a:schemeClr val="tx1"/>
+                      </a:solidFill>
+                      <a:prstDash val="solid"/>
+                      <a:round/>
+                      <a:headEnd type="none" w="med" len="med"/>
+                      <a:tailEnd type="none" w="med" len="med"/>
+                    </a:lnR>
+                    <a:lnT w="12700" cap="flat" cmpd="sng" algn="ctr">
+                      <a:solidFill>
+                        <a:schemeClr val="tx1"/>
+                      </a:solidFill>
+                      <a:prstDash val="solid"/>
+                      <a:round/>
+                      <a:headEnd type="none" w="med" len="med"/>
+                      <a:tailEnd type="none" w="med" len="med"/>
+                    </a:lnT>
+                    <a:lnB w="12700" cap="flat" cmpd="sng" algn="ctr">
+                      <a:solidFill>
+                        <a:schemeClr val="tx1"/>
+                      </a:solidFill>
+                      <a:prstDash val="solid"/>
+                      <a:round/>
+                      <a:headEnd type="none" w="med" len="med"/>
+                      <a:tailEnd type="none" w="med" len="med"/>
+                    </a:lnB>
+                    <a:solidFill>
+                      <a:schemeClr val="bg1"/>
+                    </a:solidFill>
+                  </a:tcPr>
+                </a:tc>
+                <a:tc>
+                  <a:txBody>
+                    <a:bodyPr/>
+                    <a:lstStyle/>
+                    <a:p>
+                      <a:pPr algn="ctr" latinLnBrk="1"/>
+                      <a:r>
+                        <a:rPr lang="en-US" altLang="ko-KR" dirty="0">
+                          <a:solidFill>
+                            <a:sysClr val="windowText" lastClr="000000"/>
+                          </a:solidFill>
+                        </a:rPr>
+                        <a:t>40</a:t>
+                      </a:r>
+                      <a:endParaRPr lang="ko-KR" altLang="en-US" dirty="0">
+                        <a:solidFill>
+                          <a:sysClr val="windowText" lastClr="000000"/>
+                        </a:solidFill>
+                      </a:endParaRPr>
+                    </a:p>
+                  </a:txBody>
+                  <a:tcPr>
+                    <a:lnL w="12700" cap="flat" cmpd="sng" algn="ctr">
+                      <a:solidFill>
+                        <a:schemeClr val="tx1"/>
+                      </a:solidFill>
+                      <a:prstDash val="solid"/>
+                      <a:round/>
+                      <a:headEnd type="none" w="med" len="med"/>
+                      <a:tailEnd type="none" w="med" len="med"/>
+                    </a:lnL>
+                    <a:lnR w="12700" cap="flat" cmpd="sng" algn="ctr">
+                      <a:solidFill>
+                        <a:schemeClr val="tx1"/>
+                      </a:solidFill>
+                      <a:prstDash val="solid"/>
+                      <a:round/>
+                      <a:headEnd type="none" w="med" len="med"/>
+                      <a:tailEnd type="none" w="med" len="med"/>
+                    </a:lnR>
+                    <a:lnT w="12700" cap="flat" cmpd="sng" algn="ctr">
+                      <a:solidFill>
+                        <a:schemeClr val="tx1"/>
+                      </a:solidFill>
+                      <a:prstDash val="solid"/>
+                      <a:round/>
+                      <a:headEnd type="none" w="med" len="med"/>
+                      <a:tailEnd type="none" w="med" len="med"/>
+                    </a:lnT>
+                    <a:lnB w="12700" cap="flat" cmpd="sng" algn="ctr">
+                      <a:solidFill>
+                        <a:schemeClr val="tx1"/>
+                      </a:solidFill>
+                      <a:prstDash val="solid"/>
+                      <a:round/>
+                      <a:headEnd type="none" w="med" len="med"/>
+                      <a:tailEnd type="none" w="med" len="med"/>
+                    </a:lnB>
+                    <a:solidFill>
+                      <a:schemeClr val="bg1"/>
+                    </a:solidFill>
+                  </a:tcPr>
+                </a:tc>
+                <a:extLst>
+                  <a:ext uri="{0D108BD9-81ED-4DB2-BD59-A6C34878D82A}">
+                    <a16:rowId xmlns:a16="http://schemas.microsoft.com/office/drawing/2014/main" val="904916911"/>
+                  </a:ext>
+                </a:extLst>
+              </a:tr>
+              <a:tr h="370840">
+                <a:tc>
+                  <a:txBody>
+                    <a:bodyPr/>
+                    <a:lstStyle/>
+                    <a:p>
+                      <a:pPr algn="ctr" latinLnBrk="1"/>
+                      <a:r>
+                        <a:rPr lang="ko-KR" altLang="en-US" b="1" dirty="0">
+                          <a:solidFill>
+                            <a:sysClr val="windowText" lastClr="000000"/>
+                          </a:solidFill>
+                        </a:rPr>
+                        <a:t>여학생</a:t>
+                      </a:r>
+                    </a:p>
+                  </a:txBody>
+                  <a:tcPr>
+                    <a:lnL w="12700" cap="flat" cmpd="sng" algn="ctr">
+                      <a:solidFill>
+                        <a:schemeClr val="tx1"/>
+                      </a:solidFill>
+                      <a:prstDash val="solid"/>
+                      <a:round/>
+                      <a:headEnd type="none" w="med" len="med"/>
+                      <a:tailEnd type="none" w="med" len="med"/>
+                    </a:lnL>
+                    <a:lnR w="12700" cap="flat" cmpd="sng" algn="ctr">
+                      <a:solidFill>
+                        <a:schemeClr val="tx1"/>
+                      </a:solidFill>
+                      <a:prstDash val="solid"/>
+                      <a:round/>
+                      <a:headEnd type="none" w="med" len="med"/>
+                      <a:tailEnd type="none" w="med" len="med"/>
+                    </a:lnR>
+                    <a:lnT w="12700" cap="flat" cmpd="sng" algn="ctr">
+                      <a:solidFill>
+                        <a:schemeClr val="tx1"/>
+                      </a:solidFill>
+                      <a:prstDash val="solid"/>
+                      <a:round/>
+                      <a:headEnd type="none" w="med" len="med"/>
+                      <a:tailEnd type="none" w="med" len="med"/>
+                    </a:lnT>
+                    <a:lnB w="12700" cap="flat" cmpd="sng" algn="ctr">
+                      <a:solidFill>
+                        <a:schemeClr val="tx1"/>
+                      </a:solidFill>
+                      <a:prstDash val="solid"/>
+                      <a:round/>
+                      <a:headEnd type="none" w="med" len="med"/>
+                      <a:tailEnd type="none" w="med" len="med"/>
+                    </a:lnB>
+                    <a:solidFill>
+                      <a:schemeClr val="bg1">
+                        <a:lumMod val="85000"/>
+                      </a:schemeClr>
+                    </a:solidFill>
+                  </a:tcPr>
+                </a:tc>
+                <a:tc>
+                  <a:txBody>
+                    <a:bodyPr/>
+                    <a:lstStyle/>
+                    <a:p>
+                      <a:pPr algn="ctr" latinLnBrk="1"/>
+                      <a:r>
+                        <a:rPr lang="en-US" altLang="ko-KR" dirty="0">
+                          <a:solidFill>
+                            <a:sysClr val="windowText" lastClr="000000"/>
+                          </a:solidFill>
+                        </a:rPr>
+                        <a:t>16</a:t>
+                      </a:r>
+                      <a:endParaRPr lang="ko-KR" altLang="en-US" dirty="0">
+                        <a:solidFill>
+                          <a:sysClr val="windowText" lastClr="000000"/>
+                        </a:solidFill>
+                      </a:endParaRPr>
+                    </a:p>
+                  </a:txBody>
+                  <a:tcPr>
+                    <a:lnL w="12700" cap="flat" cmpd="sng" algn="ctr">
+                      <a:solidFill>
+                        <a:schemeClr val="tx1"/>
+                      </a:solidFill>
+                      <a:prstDash val="solid"/>
+                      <a:round/>
+                      <a:headEnd type="none" w="med" len="med"/>
+                      <a:tailEnd type="none" w="med" len="med"/>
+                    </a:lnL>
+                    <a:lnR w="12700" cap="flat" cmpd="sng" algn="ctr">
+                      <a:solidFill>
+                        <a:schemeClr val="tx1"/>
+                      </a:solidFill>
+                      <a:prstDash val="solid"/>
+                      <a:round/>
+                      <a:headEnd type="none" w="med" len="med"/>
+                      <a:tailEnd type="none" w="med" len="med"/>
+                    </a:lnR>
+                    <a:lnT w="12700" cap="flat" cmpd="sng" algn="ctr">
+                      <a:solidFill>
+                        <a:schemeClr val="tx1"/>
+                      </a:solidFill>
+                      <a:prstDash val="solid"/>
+                      <a:round/>
+                      <a:headEnd type="none" w="med" len="med"/>
+                      <a:tailEnd type="none" w="med" len="med"/>
+                    </a:lnT>
+                    <a:lnB w="12700" cap="flat" cmpd="sng" algn="ctr">
+                      <a:solidFill>
+                        <a:schemeClr val="tx1"/>
+                      </a:solidFill>
+                      <a:prstDash val="solid"/>
+                      <a:round/>
+                      <a:headEnd type="none" w="med" len="med"/>
+                      <a:tailEnd type="none" w="med" len="med"/>
+                    </a:lnB>
+                    <a:solidFill>
+                      <a:schemeClr val="bg1"/>
+                    </a:solidFill>
+                  </a:tcPr>
+                </a:tc>
+                <a:tc>
+                  <a:txBody>
+                    <a:bodyPr/>
+                    <a:lstStyle/>
+                    <a:p>
+                      <a:pPr algn="ctr" latinLnBrk="1"/>
+                      <a:r>
+                        <a:rPr lang="en-US" altLang="ko-KR" dirty="0">
+                          <a:solidFill>
+                            <a:sysClr val="windowText" lastClr="000000"/>
+                          </a:solidFill>
+                        </a:rPr>
+                        <a:t>15</a:t>
+                      </a:r>
+                      <a:endParaRPr lang="ko-KR" altLang="en-US" dirty="0">
+                        <a:solidFill>
+                          <a:sysClr val="windowText" lastClr="000000"/>
+                        </a:solidFill>
+                      </a:endParaRPr>
+                    </a:p>
+                  </a:txBody>
+                  <a:tcPr>
+                    <a:lnL w="12700" cap="flat" cmpd="sng" algn="ctr">
+                      <a:solidFill>
+                        <a:schemeClr val="tx1"/>
+                      </a:solidFill>
+                      <a:prstDash val="solid"/>
+                      <a:round/>
+                      <a:headEnd type="none" w="med" len="med"/>
+                      <a:tailEnd type="none" w="med" len="med"/>
+                    </a:lnL>
+                    <a:lnR w="12700" cap="flat" cmpd="sng" algn="ctr">
+                      <a:solidFill>
+                        <a:schemeClr val="tx1"/>
+                      </a:solidFill>
+                      <a:prstDash val="solid"/>
+                      <a:round/>
+                      <a:headEnd type="none" w="med" len="med"/>
+                      <a:tailEnd type="none" w="med" len="med"/>
+                    </a:lnR>
+                    <a:lnT w="12700" cap="flat" cmpd="sng" algn="ctr">
+                      <a:solidFill>
+                        <a:schemeClr val="tx1"/>
+                      </a:solidFill>
+                      <a:prstDash val="solid"/>
+                      <a:round/>
+                      <a:headEnd type="none" w="med" len="med"/>
+                      <a:tailEnd type="none" w="med" len="med"/>
+                    </a:lnT>
+                    <a:lnB w="12700" cap="flat" cmpd="sng" algn="ctr">
+                      <a:solidFill>
+                        <a:schemeClr val="tx1"/>
+                      </a:solidFill>
+                      <a:prstDash val="solid"/>
+                      <a:round/>
+                      <a:headEnd type="none" w="med" len="med"/>
+                      <a:tailEnd type="none" w="med" len="med"/>
+                    </a:lnB>
+                    <a:solidFill>
+                      <a:schemeClr val="bg1"/>
+                    </a:solidFill>
+                  </a:tcPr>
+                </a:tc>
+                <a:tc>
+                  <a:txBody>
+                    <a:bodyPr/>
+                    <a:lstStyle/>
+                    <a:p>
+                      <a:pPr algn="ctr" latinLnBrk="1"/>
+                      <a:r>
+                        <a:rPr lang="en-US" altLang="ko-KR" dirty="0">
+                          <a:solidFill>
+                            <a:sysClr val="windowText" lastClr="000000"/>
+                          </a:solidFill>
+                        </a:rPr>
+                        <a:t>14</a:t>
+                      </a:r>
+                      <a:endParaRPr lang="ko-KR" altLang="en-US" dirty="0">
+                        <a:solidFill>
+                          <a:sysClr val="windowText" lastClr="000000"/>
+                        </a:solidFill>
+                      </a:endParaRPr>
+                    </a:p>
+                  </a:txBody>
+                  <a:tcPr>
+                    <a:lnL w="12700" cap="flat" cmpd="sng" algn="ctr">
+                      <a:solidFill>
+                        <a:schemeClr val="tx1"/>
+                      </a:solidFill>
+                      <a:prstDash val="solid"/>
+                      <a:round/>
+                      <a:headEnd type="none" w="med" len="med"/>
+                      <a:tailEnd type="none" w="med" len="med"/>
+                    </a:lnL>
+                    <a:lnR w="12700" cap="flat" cmpd="sng" algn="ctr">
+                      <a:solidFill>
+                        <a:schemeClr val="tx1"/>
+                      </a:solidFill>
+                      <a:prstDash val="solid"/>
+                      <a:round/>
+                      <a:headEnd type="none" w="med" len="med"/>
+                      <a:tailEnd type="none" w="med" len="med"/>
+                    </a:lnR>
+                    <a:lnT w="12700" cap="flat" cmpd="sng" algn="ctr">
+                      <a:solidFill>
+                        <a:schemeClr val="tx1"/>
+                      </a:solidFill>
+                      <a:prstDash val="solid"/>
+                      <a:round/>
+                      <a:headEnd type="none" w="med" len="med"/>
+                      <a:tailEnd type="none" w="med" len="med"/>
+                    </a:lnT>
+                    <a:lnB w="12700" cap="flat" cmpd="sng" algn="ctr">
+                      <a:solidFill>
+                        <a:schemeClr val="tx1"/>
+                      </a:solidFill>
+                      <a:prstDash val="solid"/>
+                      <a:round/>
+                      <a:headEnd type="none" w="med" len="med"/>
+                      <a:tailEnd type="none" w="med" len="med"/>
+                    </a:lnB>
+                    <a:solidFill>
+                      <a:schemeClr val="bg1"/>
+                    </a:solidFill>
+                  </a:tcPr>
+                </a:tc>
+                <a:tc>
+                  <a:txBody>
+                    <a:bodyPr/>
+                    <a:lstStyle/>
+                    <a:p>
+                      <a:pPr algn="ctr" latinLnBrk="1"/>
+                      <a:r>
+                        <a:rPr lang="en-US" altLang="ko-KR" dirty="0">
+                          <a:solidFill>
+                            <a:sysClr val="windowText" lastClr="000000"/>
+                          </a:solidFill>
+                        </a:rPr>
+                        <a:t>45</a:t>
+                      </a:r>
+                      <a:endParaRPr lang="ko-KR" altLang="en-US" dirty="0">
+                        <a:solidFill>
+                          <a:sysClr val="windowText" lastClr="000000"/>
+                        </a:solidFill>
+                      </a:endParaRPr>
+                    </a:p>
+                  </a:txBody>
+                  <a:tcPr>
+                    <a:lnL w="12700" cap="flat" cmpd="sng" algn="ctr">
+                      <a:solidFill>
+                        <a:schemeClr val="tx1"/>
+                      </a:solidFill>
+                      <a:prstDash val="solid"/>
+                      <a:round/>
+                      <a:headEnd type="none" w="med" len="med"/>
+                      <a:tailEnd type="none" w="med" len="med"/>
+                    </a:lnL>
+                    <a:lnR w="12700" cap="flat" cmpd="sng" algn="ctr">
+                      <a:solidFill>
+                        <a:schemeClr val="tx1"/>
+                      </a:solidFill>
+                      <a:prstDash val="solid"/>
+                      <a:round/>
+                      <a:headEnd type="none" w="med" len="med"/>
+                      <a:tailEnd type="none" w="med" len="med"/>
+                    </a:lnR>
+                    <a:lnT w="12700" cap="flat" cmpd="sng" algn="ctr">
+                      <a:solidFill>
+                        <a:schemeClr val="tx1"/>
+                      </a:solidFill>
+                      <a:prstDash val="solid"/>
+                      <a:round/>
+                      <a:headEnd type="none" w="med" len="med"/>
+                      <a:tailEnd type="none" w="med" len="med"/>
+                    </a:lnT>
+                    <a:lnB w="12700" cap="flat" cmpd="sng" algn="ctr">
+                      <a:solidFill>
+                        <a:schemeClr val="tx1"/>
+                      </a:solidFill>
+                      <a:prstDash val="solid"/>
+                      <a:round/>
+                      <a:headEnd type="none" w="med" len="med"/>
+                      <a:tailEnd type="none" w="med" len="med"/>
+                    </a:lnB>
+                    <a:solidFill>
+                      <a:schemeClr val="bg1"/>
+                    </a:solidFill>
+                  </a:tcPr>
+                </a:tc>
+                <a:extLst>
+                  <a:ext uri="{0D108BD9-81ED-4DB2-BD59-A6C34878D82A}">
+                    <a16:rowId xmlns:a16="http://schemas.microsoft.com/office/drawing/2014/main" val="3198870905"/>
+                  </a:ext>
+                </a:extLst>
+              </a:tr>
+              <a:tr h="370840">
+                <a:tc>
+                  <a:txBody>
+                    <a:bodyPr/>
+                    <a:lstStyle/>
+                    <a:p>
+                      <a:pPr algn="ctr" latinLnBrk="1"/>
+                      <a:r>
+                        <a:rPr lang="ko-KR" altLang="en-US" b="1" dirty="0">
+                          <a:solidFill>
+                            <a:sysClr val="windowText" lastClr="000000"/>
+                          </a:solidFill>
+                        </a:rPr>
+                        <a:t>합계</a:t>
+                      </a:r>
+                    </a:p>
+                  </a:txBody>
+                  <a:tcPr>
+                    <a:lnL w="12700" cap="flat" cmpd="sng" algn="ctr">
+                      <a:solidFill>
+                        <a:schemeClr val="tx1"/>
+                      </a:solidFill>
+                      <a:prstDash val="solid"/>
+                      <a:round/>
+                      <a:headEnd type="none" w="med" len="med"/>
+                      <a:tailEnd type="none" w="med" len="med"/>
+                    </a:lnL>
+                    <a:lnR w="12700" cap="flat" cmpd="sng" algn="ctr">
+                      <a:solidFill>
+                        <a:schemeClr val="tx1"/>
+                      </a:solidFill>
+                      <a:prstDash val="solid"/>
+                      <a:round/>
+                      <a:headEnd type="none" w="med" len="med"/>
+                      <a:tailEnd type="none" w="med" len="med"/>
+                    </a:lnR>
+                    <a:lnT w="12700" cap="flat" cmpd="sng" algn="ctr">
+                      <a:solidFill>
+                        <a:schemeClr val="tx1"/>
+                      </a:solidFill>
+                      <a:prstDash val="solid"/>
+                      <a:round/>
+                      <a:headEnd type="none" w="med" len="med"/>
+                      <a:tailEnd type="none" w="med" len="med"/>
+                    </a:lnT>
+                    <a:lnB w="12700" cap="flat" cmpd="sng" algn="ctr">
+                      <a:solidFill>
+                        <a:schemeClr val="tx1"/>
+                      </a:solidFill>
+                      <a:prstDash val="solid"/>
+                      <a:round/>
+                      <a:headEnd type="none" w="med" len="med"/>
+                      <a:tailEnd type="none" w="med" len="med"/>
+                    </a:lnB>
+                    <a:solidFill>
+                      <a:schemeClr val="bg1">
+                        <a:lumMod val="85000"/>
+                      </a:schemeClr>
+                    </a:solidFill>
+                  </a:tcPr>
+                </a:tc>
+                <a:tc>
+                  <a:txBody>
+                    <a:bodyPr/>
+                    <a:lstStyle/>
+                    <a:p>
+                      <a:pPr algn="ctr" latinLnBrk="1"/>
+                      <a:r>
+                        <a:rPr lang="en-US" altLang="ko-KR" dirty="0">
+                          <a:solidFill>
+                            <a:sysClr val="windowText" lastClr="000000"/>
+                          </a:solidFill>
+                        </a:rPr>
+                        <a:t>37</a:t>
+                      </a:r>
+                      <a:endParaRPr lang="ko-KR" altLang="en-US" dirty="0">
+                        <a:solidFill>
+                          <a:sysClr val="windowText" lastClr="000000"/>
+                        </a:solidFill>
+                      </a:endParaRPr>
+                    </a:p>
+                  </a:txBody>
+                  <a:tcPr>
+                    <a:lnL w="12700" cap="flat" cmpd="sng" algn="ctr">
+                      <a:solidFill>
+                        <a:schemeClr val="tx1"/>
+                      </a:solidFill>
+                      <a:prstDash val="solid"/>
+                      <a:round/>
+                      <a:headEnd type="none" w="med" len="med"/>
+                      <a:tailEnd type="none" w="med" len="med"/>
+                    </a:lnL>
+                    <a:lnR w="12700" cap="flat" cmpd="sng" algn="ctr">
+                      <a:solidFill>
+                        <a:schemeClr val="tx1"/>
+                      </a:solidFill>
+                      <a:prstDash val="solid"/>
+                      <a:round/>
+                      <a:headEnd type="none" w="med" len="med"/>
+                      <a:tailEnd type="none" w="med" len="med"/>
+                    </a:lnR>
+                    <a:lnT w="12700" cap="flat" cmpd="sng" algn="ctr">
+                      <a:solidFill>
+                        <a:schemeClr val="tx1"/>
+                      </a:solidFill>
+                      <a:prstDash val="solid"/>
+                      <a:round/>
+                      <a:headEnd type="none" w="med" len="med"/>
+                      <a:tailEnd type="none" w="med" len="med"/>
+                    </a:lnT>
+                    <a:lnB w="12700" cap="flat" cmpd="sng" algn="ctr">
+                      <a:solidFill>
+                        <a:schemeClr val="tx1"/>
+                      </a:solidFill>
+                      <a:prstDash val="solid"/>
+                      <a:round/>
+                      <a:headEnd type="none" w="med" len="med"/>
+                      <a:tailEnd type="none" w="med" len="med"/>
+                    </a:lnB>
+                    <a:solidFill>
+                      <a:schemeClr val="bg1"/>
+                    </a:solidFill>
+                  </a:tcPr>
+                </a:tc>
+                <a:tc>
+                  <a:txBody>
+                    <a:bodyPr/>
+                    <a:lstStyle/>
+                    <a:p>
+                      <a:pPr algn="ctr" latinLnBrk="1"/>
+                      <a:r>
+                        <a:rPr lang="en-US" altLang="ko-KR" dirty="0">
+                          <a:solidFill>
+                            <a:sysClr val="windowText" lastClr="000000"/>
+                          </a:solidFill>
+                        </a:rPr>
+                        <a:t>28</a:t>
+                      </a:r>
+                      <a:endParaRPr lang="ko-KR" altLang="en-US" dirty="0">
+                        <a:solidFill>
+                          <a:sysClr val="windowText" lastClr="000000"/>
+                        </a:solidFill>
+                      </a:endParaRPr>
+                    </a:p>
+                  </a:txBody>
+                  <a:tcPr>
+                    <a:lnL w="12700" cap="flat" cmpd="sng" algn="ctr">
+                      <a:solidFill>
+                        <a:schemeClr val="tx1"/>
+                      </a:solidFill>
+                      <a:prstDash val="solid"/>
+                      <a:round/>
+                      <a:headEnd type="none" w="med" len="med"/>
+                      <a:tailEnd type="none" w="med" len="med"/>
+                    </a:lnL>
+                    <a:lnR w="12700" cap="flat" cmpd="sng" algn="ctr">
+                      <a:solidFill>
+                        <a:schemeClr val="tx1"/>
+                      </a:solidFill>
+                      <a:prstDash val="solid"/>
+                      <a:round/>
+                      <a:headEnd type="none" w="med" len="med"/>
+                      <a:tailEnd type="none" w="med" len="med"/>
+                    </a:lnR>
+                    <a:lnT w="12700" cap="flat" cmpd="sng" algn="ctr">
+                      <a:solidFill>
+                        <a:schemeClr val="tx1"/>
+                      </a:solidFill>
+                      <a:prstDash val="solid"/>
+                      <a:round/>
+                      <a:headEnd type="none" w="med" len="med"/>
+                      <a:tailEnd type="none" w="med" len="med"/>
+                    </a:lnT>
+                    <a:lnB w="12700" cap="flat" cmpd="sng" algn="ctr">
+                      <a:solidFill>
+                        <a:schemeClr val="tx1"/>
+                      </a:solidFill>
+                      <a:prstDash val="solid"/>
+                      <a:round/>
+                      <a:headEnd type="none" w="med" len="med"/>
+                      <a:tailEnd type="none" w="med" len="med"/>
+                    </a:lnB>
+                    <a:solidFill>
+                      <a:schemeClr val="bg1"/>
+                    </a:solidFill>
+                  </a:tcPr>
+                </a:tc>
+                <a:tc>
+                  <a:txBody>
+                    <a:bodyPr/>
+                    <a:lstStyle/>
+                    <a:p>
+                      <a:pPr algn="ctr" latinLnBrk="1"/>
+                      <a:r>
+                        <a:rPr lang="en-US" altLang="ko-KR" dirty="0">
+                          <a:solidFill>
+                            <a:sysClr val="windowText" lastClr="000000"/>
+                          </a:solidFill>
+                        </a:rPr>
+                        <a:t>20</a:t>
+                      </a:r>
+                      <a:endParaRPr lang="ko-KR" altLang="en-US" dirty="0">
+                        <a:solidFill>
+                          <a:sysClr val="windowText" lastClr="000000"/>
+                        </a:solidFill>
+                      </a:endParaRPr>
+                    </a:p>
+                  </a:txBody>
+                  <a:tcPr>
+                    <a:lnL w="12700" cap="flat" cmpd="sng" algn="ctr">
+                      <a:solidFill>
+                        <a:schemeClr val="tx1"/>
+                      </a:solidFill>
+                      <a:prstDash val="solid"/>
+                      <a:round/>
+                      <a:headEnd type="none" w="med" len="med"/>
+                      <a:tailEnd type="none" w="med" len="med"/>
+                    </a:lnL>
+                    <a:lnR w="12700" cap="flat" cmpd="sng" algn="ctr">
+                      <a:solidFill>
+                        <a:schemeClr val="tx1"/>
+                      </a:solidFill>
+                      <a:prstDash val="solid"/>
+                      <a:round/>
+                      <a:headEnd type="none" w="med" len="med"/>
+                      <a:tailEnd type="none" w="med" len="med"/>
+                    </a:lnR>
+                    <a:lnT w="12700" cap="flat" cmpd="sng" algn="ctr">
+                      <a:solidFill>
+                        <a:schemeClr val="tx1"/>
+                      </a:solidFill>
+                      <a:prstDash val="solid"/>
+                      <a:round/>
+                      <a:headEnd type="none" w="med" len="med"/>
+                      <a:tailEnd type="none" w="med" len="med"/>
+                    </a:lnT>
+                    <a:lnB w="12700" cap="flat" cmpd="sng" algn="ctr">
+                      <a:solidFill>
+                        <a:schemeClr val="tx1"/>
+                      </a:solidFill>
+                      <a:prstDash val="solid"/>
+                      <a:round/>
+                      <a:headEnd type="none" w="med" len="med"/>
+                      <a:tailEnd type="none" w="med" len="med"/>
+                    </a:lnB>
+                    <a:solidFill>
+                      <a:schemeClr val="bg1"/>
+                    </a:solidFill>
+                  </a:tcPr>
+                </a:tc>
+                <a:tc>
+                  <a:txBody>
+                    <a:bodyPr/>
+                    <a:lstStyle/>
+                    <a:p>
+                      <a:pPr algn="ctr" latinLnBrk="1"/>
+                      <a:r>
+                        <a:rPr lang="en-US" altLang="ko-KR" dirty="0">
+                          <a:solidFill>
+                            <a:sysClr val="windowText" lastClr="000000"/>
+                          </a:solidFill>
+                        </a:rPr>
+                        <a:t>85</a:t>
+                      </a:r>
+                      <a:endParaRPr lang="ko-KR" altLang="en-US" dirty="0">
+                        <a:solidFill>
+                          <a:sysClr val="windowText" lastClr="000000"/>
+                        </a:solidFill>
+                      </a:endParaRPr>
+                    </a:p>
+                  </a:txBody>
+                  <a:tcPr>
+                    <a:lnL w="12700" cap="flat" cmpd="sng" algn="ctr">
+                      <a:solidFill>
+                        <a:schemeClr val="tx1"/>
+                      </a:solidFill>
+                      <a:prstDash val="solid"/>
+                      <a:round/>
+                      <a:headEnd type="none" w="med" len="med"/>
+                      <a:tailEnd type="none" w="med" len="med"/>
+                    </a:lnL>
+                    <a:lnR w="12700" cap="flat" cmpd="sng" algn="ctr">
+                      <a:solidFill>
+                        <a:schemeClr val="tx1"/>
+                      </a:solidFill>
+                      <a:prstDash val="solid"/>
+                      <a:round/>
+                      <a:headEnd type="none" w="med" len="med"/>
+                      <a:tailEnd type="none" w="med" len="med"/>
+                    </a:lnR>
+                    <a:lnT w="12700" cap="flat" cmpd="sng" algn="ctr">
+                      <a:solidFill>
+                        <a:schemeClr val="tx1"/>
+                      </a:solidFill>
+                      <a:prstDash val="solid"/>
+                      <a:round/>
+                      <a:headEnd type="none" w="med" len="med"/>
+                      <a:tailEnd type="none" w="med" len="med"/>
+                    </a:lnT>
+                    <a:lnB w="12700" cap="flat" cmpd="sng" algn="ctr">
+                      <a:solidFill>
+                        <a:schemeClr val="tx1"/>
+                      </a:solidFill>
+                      <a:prstDash val="solid"/>
+                      <a:round/>
+                      <a:headEnd type="none" w="med" len="med"/>
+                      <a:tailEnd type="none" w="med" len="med"/>
+                    </a:lnB>
+                    <a:solidFill>
+                      <a:schemeClr val="bg1"/>
+                    </a:solidFill>
+                  </a:tcPr>
+                </a:tc>
+                <a:extLst>
+                  <a:ext uri="{0D108BD9-81ED-4DB2-BD59-A6C34878D82A}">
+                    <a16:rowId xmlns:a16="http://schemas.microsoft.com/office/drawing/2014/main" val="1949217818"/>
+                  </a:ext>
+                </a:extLst>
+              </a:tr>
+            </a:tbl>
+          </a:graphicData>
+        </a:graphic>
+      </p:graphicFrame>
+      <p:pic>
+        <p:nvPicPr>
+          <p:cNvPr id="8" name="그림 7">
+            <a:extLst>
+              <a:ext uri="{FF2B5EF4-FFF2-40B4-BE49-F238E27FC236}">
+                <a16:creationId xmlns:a16="http://schemas.microsoft.com/office/drawing/2014/main" id="{C70E31BB-C26F-49D7-A1E6-ED9FE1ED3BB6}"/>
+              </a:ext>
+            </a:extLst>
+          </p:cNvPr>
+          <p:cNvPicPr>
+            <a:picLocks noChangeAspect="1"/>
+          </p:cNvPicPr>
+          <p:nvPr/>
+        </p:nvPicPr>
+        <p:blipFill>
+          <a:blip r:embed="rId2"/>
+          <a:stretch>
+            <a:fillRect/>
+          </a:stretch>
+        </p:blipFill>
+        <p:spPr>
+          <a:xfrm>
+            <a:off x="1905000" y="2420888"/>
+            <a:ext cx="5334000" cy="4000500"/>
+          </a:xfrm>
+          <a:prstGeom prst="rect">
+            <a:avLst/>
+          </a:prstGeom>
+        </p:spPr>
+      </p:pic>
+    </p:spTree>
+    <p:extLst>
+      <p:ext uri="{BB962C8B-B14F-4D97-AF65-F5344CB8AC3E}">
+        <p14:creationId xmlns:p14="http://schemas.microsoft.com/office/powerpoint/2010/main" val="2246359434"/>
+      </p:ext>
+    </p:extLst>
+  </p:cSld>
+  <p:clrMapOvr>
+    <a:masterClrMapping/>
+  </p:clrMapOvr>
+</p:sld>
+</file>
+
 <file path=ppt/theme/theme1.xml><?xml version="1.0" encoding="utf-8"?>
 <a:theme xmlns:a="http://schemas.openxmlformats.org/drawingml/2006/main" name="Office 테마">
   <a:themeElements>

--- a/pics/2021-12-13-chi_square/pics.pptx
+++ b/pics/2021-12-13-chi_square/pics.pptx
@@ -12,6 +12,7 @@
     <p:sldId id="260" r:id="rId6"/>
     <p:sldId id="261" r:id="rId7"/>
     <p:sldId id="262" r:id="rId8"/>
+    <p:sldId id="263" r:id="rId9"/>
   </p:sldIdLst>
   <p:sldSz cx="9144000" cy="6858000" type="screen4x3"/>
   <p:notesSz cx="6858000" cy="9144000"/>
@@ -8440,6 +8441,3429 @@
 </p:sld>
 </file>
 
+<file path=ppt/slides/slide8.xml><?xml version="1.0" encoding="utf-8"?>
+<p:sld xmlns:a="http://schemas.openxmlformats.org/drawingml/2006/main" xmlns:r="http://schemas.openxmlformats.org/officeDocument/2006/relationships" xmlns:p="http://schemas.openxmlformats.org/presentationml/2006/main">
+  <p:cSld>
+    <p:spTree>
+      <p:nvGrpSpPr>
+        <p:cNvPr id="1" name=""/>
+        <p:cNvGrpSpPr/>
+        <p:nvPr/>
+      </p:nvGrpSpPr>
+      <p:grpSpPr>
+        <a:xfrm>
+          <a:off x="0" y="0"/>
+          <a:ext cx="0" cy="0"/>
+          <a:chOff x="0" y="0"/>
+          <a:chExt cx="0" cy="0"/>
+        </a:xfrm>
+      </p:grpSpPr>
+      <p:graphicFrame>
+        <p:nvGraphicFramePr>
+          <p:cNvPr id="4" name="표 4">
+            <a:extLst>
+              <a:ext uri="{FF2B5EF4-FFF2-40B4-BE49-F238E27FC236}">
+                <a16:creationId xmlns:a16="http://schemas.microsoft.com/office/drawing/2014/main" id="{D4CD5065-8AC6-4A3C-AD01-45D0692A1DF0}"/>
+              </a:ext>
+            </a:extLst>
+          </p:cNvPr>
+          <p:cNvGraphicFramePr>
+            <a:graphicFrameLocks noGrp="1"/>
+          </p:cNvGraphicFramePr>
+          <p:nvPr>
+            <p:extLst>
+              <p:ext uri="{D42A27DB-BD31-4B8C-83A1-F6EECF244321}">
+                <p14:modId xmlns:p14="http://schemas.microsoft.com/office/powerpoint/2010/main" val="4239152483"/>
+              </p:ext>
+            </p:extLst>
+          </p:nvPr>
+        </p:nvGraphicFramePr>
+        <p:xfrm>
+          <a:off x="1596008" y="1076886"/>
+          <a:ext cx="6096000" cy="1483360"/>
+        </p:xfrm>
+        <a:graphic>
+          <a:graphicData uri="http://schemas.openxmlformats.org/drawingml/2006/table">
+            <a:tbl>
+              <a:tblPr firstRow="1" bandRow="1">
+                <a:tableStyleId>{5C22544A-7EE6-4342-B048-85BDC9FD1C3A}</a:tableStyleId>
+              </a:tblPr>
+              <a:tblGrid>
+                <a:gridCol w="1219200">
+                  <a:extLst>
+                    <a:ext uri="{9D8B030D-6E8A-4147-A177-3AD203B41FA5}">
+                      <a16:colId xmlns:a16="http://schemas.microsoft.com/office/drawing/2014/main" val="2573763679"/>
+                    </a:ext>
+                  </a:extLst>
+                </a:gridCol>
+                <a:gridCol w="1219200">
+                  <a:extLst>
+                    <a:ext uri="{9D8B030D-6E8A-4147-A177-3AD203B41FA5}">
+                      <a16:colId xmlns:a16="http://schemas.microsoft.com/office/drawing/2014/main" val="2734550608"/>
+                    </a:ext>
+                  </a:extLst>
+                </a:gridCol>
+                <a:gridCol w="1219200">
+                  <a:extLst>
+                    <a:ext uri="{9D8B030D-6E8A-4147-A177-3AD203B41FA5}">
+                      <a16:colId xmlns:a16="http://schemas.microsoft.com/office/drawing/2014/main" val="2810626759"/>
+                    </a:ext>
+                  </a:extLst>
+                </a:gridCol>
+                <a:gridCol w="1219200">
+                  <a:extLst>
+                    <a:ext uri="{9D8B030D-6E8A-4147-A177-3AD203B41FA5}">
+                      <a16:colId xmlns:a16="http://schemas.microsoft.com/office/drawing/2014/main" val="4178593908"/>
+                    </a:ext>
+                  </a:extLst>
+                </a:gridCol>
+                <a:gridCol w="1219200">
+                  <a:extLst>
+                    <a:ext uri="{9D8B030D-6E8A-4147-A177-3AD203B41FA5}">
+                      <a16:colId xmlns:a16="http://schemas.microsoft.com/office/drawing/2014/main" val="286403722"/>
+                    </a:ext>
+                  </a:extLst>
+                </a:gridCol>
+              </a:tblGrid>
+              <a:tr h="370840">
+                <a:tc>
+                  <a:txBody>
+                    <a:bodyPr/>
+                    <a:lstStyle/>
+                    <a:p>
+                      <a:pPr algn="ctr" latinLnBrk="1"/>
+                      <a:endParaRPr lang="ko-KR" altLang="en-US" b="1" dirty="0">
+                        <a:solidFill>
+                          <a:sysClr val="windowText" lastClr="000000"/>
+                        </a:solidFill>
+                      </a:endParaRPr>
+                    </a:p>
+                  </a:txBody>
+                  <a:tcPr>
+                    <a:lnL w="12700" cap="flat" cmpd="sng" algn="ctr">
+                      <a:solidFill>
+                        <a:schemeClr val="tx1"/>
+                      </a:solidFill>
+                      <a:prstDash val="solid"/>
+                      <a:round/>
+                      <a:headEnd type="none" w="med" len="med"/>
+                      <a:tailEnd type="none" w="med" len="med"/>
+                    </a:lnL>
+                    <a:lnR w="12700" cap="flat" cmpd="sng" algn="ctr">
+                      <a:solidFill>
+                        <a:schemeClr val="tx1"/>
+                      </a:solidFill>
+                      <a:prstDash val="solid"/>
+                      <a:round/>
+                      <a:headEnd type="none" w="med" len="med"/>
+                      <a:tailEnd type="none" w="med" len="med"/>
+                    </a:lnR>
+                    <a:lnT w="12700" cap="flat" cmpd="sng" algn="ctr">
+                      <a:solidFill>
+                        <a:schemeClr val="tx1"/>
+                      </a:solidFill>
+                      <a:prstDash val="solid"/>
+                      <a:round/>
+                      <a:headEnd type="none" w="med" len="med"/>
+                      <a:tailEnd type="none" w="med" len="med"/>
+                    </a:lnT>
+                    <a:lnB w="12700" cap="flat" cmpd="sng" algn="ctr">
+                      <a:solidFill>
+                        <a:schemeClr val="tx1"/>
+                      </a:solidFill>
+                      <a:prstDash val="solid"/>
+                      <a:round/>
+                      <a:headEnd type="none" w="med" len="med"/>
+                      <a:tailEnd type="none" w="med" len="med"/>
+                    </a:lnB>
+                    <a:solidFill>
+                      <a:schemeClr val="bg1">
+                        <a:lumMod val="85000"/>
+                      </a:schemeClr>
+                    </a:solidFill>
+                  </a:tcPr>
+                </a:tc>
+                <a:tc>
+                  <a:txBody>
+                    <a:bodyPr/>
+                    <a:lstStyle/>
+                    <a:p>
+                      <a:pPr algn="ctr" latinLnBrk="1"/>
+                      <a:r>
+                        <a:rPr lang="ko-KR" altLang="en-US" dirty="0">
+                          <a:solidFill>
+                            <a:sysClr val="windowText" lastClr="000000"/>
+                          </a:solidFill>
+                        </a:rPr>
+                        <a:t>짜장면</a:t>
+                      </a:r>
+                    </a:p>
+                  </a:txBody>
+                  <a:tcPr>
+                    <a:lnL w="12700" cap="flat" cmpd="sng" algn="ctr">
+                      <a:solidFill>
+                        <a:schemeClr val="tx1"/>
+                      </a:solidFill>
+                      <a:prstDash val="solid"/>
+                      <a:round/>
+                      <a:headEnd type="none" w="med" len="med"/>
+                      <a:tailEnd type="none" w="med" len="med"/>
+                    </a:lnL>
+                    <a:lnR w="12700" cap="flat" cmpd="sng" algn="ctr">
+                      <a:solidFill>
+                        <a:schemeClr val="tx1"/>
+                      </a:solidFill>
+                      <a:prstDash val="solid"/>
+                      <a:round/>
+                      <a:headEnd type="none" w="med" len="med"/>
+                      <a:tailEnd type="none" w="med" len="med"/>
+                    </a:lnR>
+                    <a:lnT w="12700" cap="flat" cmpd="sng" algn="ctr">
+                      <a:solidFill>
+                        <a:schemeClr val="tx1"/>
+                      </a:solidFill>
+                      <a:prstDash val="solid"/>
+                      <a:round/>
+                      <a:headEnd type="none" w="med" len="med"/>
+                      <a:tailEnd type="none" w="med" len="med"/>
+                    </a:lnT>
+                    <a:lnB w="12700" cap="flat" cmpd="sng" algn="ctr">
+                      <a:solidFill>
+                        <a:schemeClr val="tx1"/>
+                      </a:solidFill>
+                      <a:prstDash val="solid"/>
+                      <a:round/>
+                      <a:headEnd type="none" w="med" len="med"/>
+                      <a:tailEnd type="none" w="med" len="med"/>
+                    </a:lnB>
+                    <a:solidFill>
+                      <a:schemeClr val="bg1">
+                        <a:lumMod val="85000"/>
+                      </a:schemeClr>
+                    </a:solidFill>
+                  </a:tcPr>
+                </a:tc>
+                <a:tc>
+                  <a:txBody>
+                    <a:bodyPr/>
+                    <a:lstStyle/>
+                    <a:p>
+                      <a:pPr algn="ctr" latinLnBrk="1"/>
+                      <a:r>
+                        <a:rPr lang="ko-KR" altLang="en-US" dirty="0">
+                          <a:solidFill>
+                            <a:sysClr val="windowText" lastClr="000000"/>
+                          </a:solidFill>
+                        </a:rPr>
+                        <a:t>짬뽕</a:t>
+                      </a:r>
+                    </a:p>
+                  </a:txBody>
+                  <a:tcPr>
+                    <a:lnL w="12700" cap="flat" cmpd="sng" algn="ctr">
+                      <a:solidFill>
+                        <a:schemeClr val="tx1"/>
+                      </a:solidFill>
+                      <a:prstDash val="solid"/>
+                      <a:round/>
+                      <a:headEnd type="none" w="med" len="med"/>
+                      <a:tailEnd type="none" w="med" len="med"/>
+                    </a:lnL>
+                    <a:lnR w="12700" cap="flat" cmpd="sng" algn="ctr">
+                      <a:solidFill>
+                        <a:schemeClr val="tx1"/>
+                      </a:solidFill>
+                      <a:prstDash val="solid"/>
+                      <a:round/>
+                      <a:headEnd type="none" w="med" len="med"/>
+                      <a:tailEnd type="none" w="med" len="med"/>
+                    </a:lnR>
+                    <a:lnT w="12700" cap="flat" cmpd="sng" algn="ctr">
+                      <a:solidFill>
+                        <a:schemeClr val="tx1"/>
+                      </a:solidFill>
+                      <a:prstDash val="solid"/>
+                      <a:round/>
+                      <a:headEnd type="none" w="med" len="med"/>
+                      <a:tailEnd type="none" w="med" len="med"/>
+                    </a:lnT>
+                    <a:lnB w="12700" cap="flat" cmpd="sng" algn="ctr">
+                      <a:solidFill>
+                        <a:schemeClr val="tx1"/>
+                      </a:solidFill>
+                      <a:prstDash val="solid"/>
+                      <a:round/>
+                      <a:headEnd type="none" w="med" len="med"/>
+                      <a:tailEnd type="none" w="med" len="med"/>
+                    </a:lnB>
+                    <a:solidFill>
+                      <a:schemeClr val="bg1">
+                        <a:lumMod val="85000"/>
+                      </a:schemeClr>
+                    </a:solidFill>
+                  </a:tcPr>
+                </a:tc>
+                <a:tc>
+                  <a:txBody>
+                    <a:bodyPr/>
+                    <a:lstStyle/>
+                    <a:p>
+                      <a:pPr algn="ctr" latinLnBrk="1"/>
+                      <a:r>
+                        <a:rPr lang="ko-KR" altLang="en-US" dirty="0">
+                          <a:solidFill>
+                            <a:sysClr val="windowText" lastClr="000000"/>
+                          </a:solidFill>
+                        </a:rPr>
+                        <a:t>마라탕</a:t>
+                      </a:r>
+                    </a:p>
+                  </a:txBody>
+                  <a:tcPr>
+                    <a:lnL w="12700" cap="flat" cmpd="sng" algn="ctr">
+                      <a:solidFill>
+                        <a:schemeClr val="tx1"/>
+                      </a:solidFill>
+                      <a:prstDash val="solid"/>
+                      <a:round/>
+                      <a:headEnd type="none" w="med" len="med"/>
+                      <a:tailEnd type="none" w="med" len="med"/>
+                    </a:lnL>
+                    <a:lnR w="12700" cap="flat" cmpd="sng" algn="ctr">
+                      <a:solidFill>
+                        <a:schemeClr val="tx1"/>
+                      </a:solidFill>
+                      <a:prstDash val="solid"/>
+                      <a:round/>
+                      <a:headEnd type="none" w="med" len="med"/>
+                      <a:tailEnd type="none" w="med" len="med"/>
+                    </a:lnR>
+                    <a:lnT w="12700" cap="flat" cmpd="sng" algn="ctr">
+                      <a:solidFill>
+                        <a:schemeClr val="tx1"/>
+                      </a:solidFill>
+                      <a:prstDash val="solid"/>
+                      <a:round/>
+                      <a:headEnd type="none" w="med" len="med"/>
+                      <a:tailEnd type="none" w="med" len="med"/>
+                    </a:lnT>
+                    <a:lnB w="12700" cap="flat" cmpd="sng" algn="ctr">
+                      <a:solidFill>
+                        <a:schemeClr val="tx1"/>
+                      </a:solidFill>
+                      <a:prstDash val="solid"/>
+                      <a:round/>
+                      <a:headEnd type="none" w="med" len="med"/>
+                      <a:tailEnd type="none" w="med" len="med"/>
+                    </a:lnB>
+                    <a:solidFill>
+                      <a:schemeClr val="bg1">
+                        <a:lumMod val="85000"/>
+                      </a:schemeClr>
+                    </a:solidFill>
+                  </a:tcPr>
+                </a:tc>
+                <a:tc>
+                  <a:txBody>
+                    <a:bodyPr/>
+                    <a:lstStyle/>
+                    <a:p>
+                      <a:pPr algn="ctr" latinLnBrk="1"/>
+                      <a:r>
+                        <a:rPr lang="ko-KR" altLang="en-US" dirty="0">
+                          <a:solidFill>
+                            <a:sysClr val="windowText" lastClr="000000"/>
+                          </a:solidFill>
+                        </a:rPr>
+                        <a:t>합계</a:t>
+                      </a:r>
+                    </a:p>
+                  </a:txBody>
+                  <a:tcPr>
+                    <a:lnL w="12700" cap="flat" cmpd="sng" algn="ctr">
+                      <a:solidFill>
+                        <a:schemeClr val="tx1"/>
+                      </a:solidFill>
+                      <a:prstDash val="solid"/>
+                      <a:round/>
+                      <a:headEnd type="none" w="med" len="med"/>
+                      <a:tailEnd type="none" w="med" len="med"/>
+                    </a:lnL>
+                    <a:lnR w="12700" cap="flat" cmpd="sng" algn="ctr">
+                      <a:solidFill>
+                        <a:schemeClr val="tx1"/>
+                      </a:solidFill>
+                      <a:prstDash val="solid"/>
+                      <a:round/>
+                      <a:headEnd type="none" w="med" len="med"/>
+                      <a:tailEnd type="none" w="med" len="med"/>
+                    </a:lnR>
+                    <a:lnT w="12700" cap="flat" cmpd="sng" algn="ctr">
+                      <a:solidFill>
+                        <a:schemeClr val="tx1"/>
+                      </a:solidFill>
+                      <a:prstDash val="solid"/>
+                      <a:round/>
+                      <a:headEnd type="none" w="med" len="med"/>
+                      <a:tailEnd type="none" w="med" len="med"/>
+                    </a:lnT>
+                    <a:lnB w="12700" cap="flat" cmpd="sng" algn="ctr">
+                      <a:solidFill>
+                        <a:schemeClr val="tx1"/>
+                      </a:solidFill>
+                      <a:prstDash val="solid"/>
+                      <a:round/>
+                      <a:headEnd type="none" w="med" len="med"/>
+                      <a:tailEnd type="none" w="med" len="med"/>
+                    </a:lnB>
+                    <a:solidFill>
+                      <a:schemeClr val="bg1">
+                        <a:lumMod val="85000"/>
+                      </a:schemeClr>
+                    </a:solidFill>
+                  </a:tcPr>
+                </a:tc>
+                <a:extLst>
+                  <a:ext uri="{0D108BD9-81ED-4DB2-BD59-A6C34878D82A}">
+                    <a16:rowId xmlns:a16="http://schemas.microsoft.com/office/drawing/2014/main" val="437292405"/>
+                  </a:ext>
+                </a:extLst>
+              </a:tr>
+              <a:tr h="370840">
+                <a:tc>
+                  <a:txBody>
+                    <a:bodyPr/>
+                    <a:lstStyle/>
+                    <a:p>
+                      <a:pPr algn="ctr" latinLnBrk="1"/>
+                      <a:r>
+                        <a:rPr lang="ko-KR" altLang="en-US" b="1" dirty="0">
+                          <a:solidFill>
+                            <a:sysClr val="windowText" lastClr="000000"/>
+                          </a:solidFill>
+                        </a:rPr>
+                        <a:t>남학생</a:t>
+                      </a:r>
+                    </a:p>
+                  </a:txBody>
+                  <a:tcPr>
+                    <a:lnL w="12700" cap="flat" cmpd="sng" algn="ctr">
+                      <a:solidFill>
+                        <a:schemeClr val="tx1"/>
+                      </a:solidFill>
+                      <a:prstDash val="solid"/>
+                      <a:round/>
+                      <a:headEnd type="none" w="med" len="med"/>
+                      <a:tailEnd type="none" w="med" len="med"/>
+                    </a:lnL>
+                    <a:lnR w="12700" cap="flat" cmpd="sng" algn="ctr">
+                      <a:solidFill>
+                        <a:schemeClr val="tx1"/>
+                      </a:solidFill>
+                      <a:prstDash val="solid"/>
+                      <a:round/>
+                      <a:headEnd type="none" w="med" len="med"/>
+                      <a:tailEnd type="none" w="med" len="med"/>
+                    </a:lnR>
+                    <a:lnT w="12700" cap="flat" cmpd="sng" algn="ctr">
+                      <a:solidFill>
+                        <a:schemeClr val="tx1"/>
+                      </a:solidFill>
+                      <a:prstDash val="solid"/>
+                      <a:round/>
+                      <a:headEnd type="none" w="med" len="med"/>
+                      <a:tailEnd type="none" w="med" len="med"/>
+                    </a:lnT>
+                    <a:lnB w="12700" cap="flat" cmpd="sng" algn="ctr">
+                      <a:solidFill>
+                        <a:schemeClr val="tx1"/>
+                      </a:solidFill>
+                      <a:prstDash val="solid"/>
+                      <a:round/>
+                      <a:headEnd type="none" w="med" len="med"/>
+                      <a:tailEnd type="none" w="med" len="med"/>
+                    </a:lnB>
+                    <a:solidFill>
+                      <a:schemeClr val="bg1">
+                        <a:lumMod val="85000"/>
+                      </a:schemeClr>
+                    </a:solidFill>
+                  </a:tcPr>
+                </a:tc>
+                <a:tc>
+                  <a:txBody>
+                    <a:bodyPr/>
+                    <a:lstStyle/>
+                    <a:p>
+                      <a:pPr algn="ctr" latinLnBrk="1"/>
+                      <a:r>
+                        <a:rPr lang="en-US" altLang="ko-KR" dirty="0">
+                          <a:solidFill>
+                            <a:sysClr val="windowText" lastClr="000000"/>
+                          </a:solidFill>
+                        </a:rPr>
+                        <a:t>21</a:t>
+                      </a:r>
+                      <a:endParaRPr lang="ko-KR" altLang="en-US" dirty="0">
+                        <a:solidFill>
+                          <a:sysClr val="windowText" lastClr="000000"/>
+                        </a:solidFill>
+                      </a:endParaRPr>
+                    </a:p>
+                  </a:txBody>
+                  <a:tcPr>
+                    <a:lnL w="12700" cap="flat" cmpd="sng" algn="ctr">
+                      <a:solidFill>
+                        <a:schemeClr val="tx1"/>
+                      </a:solidFill>
+                      <a:prstDash val="solid"/>
+                      <a:round/>
+                      <a:headEnd type="none" w="med" len="med"/>
+                      <a:tailEnd type="none" w="med" len="med"/>
+                    </a:lnL>
+                    <a:lnR w="12700" cap="flat" cmpd="sng" algn="ctr">
+                      <a:solidFill>
+                        <a:schemeClr val="tx1"/>
+                      </a:solidFill>
+                      <a:prstDash val="solid"/>
+                      <a:round/>
+                      <a:headEnd type="none" w="med" len="med"/>
+                      <a:tailEnd type="none" w="med" len="med"/>
+                    </a:lnR>
+                    <a:lnT w="12700" cap="flat" cmpd="sng" algn="ctr">
+                      <a:solidFill>
+                        <a:schemeClr val="tx1"/>
+                      </a:solidFill>
+                      <a:prstDash val="solid"/>
+                      <a:round/>
+                      <a:headEnd type="none" w="med" len="med"/>
+                      <a:tailEnd type="none" w="med" len="med"/>
+                    </a:lnT>
+                    <a:lnB w="12700" cap="flat" cmpd="sng" algn="ctr">
+                      <a:solidFill>
+                        <a:schemeClr val="tx1"/>
+                      </a:solidFill>
+                      <a:prstDash val="solid"/>
+                      <a:round/>
+                      <a:headEnd type="none" w="med" len="med"/>
+                      <a:tailEnd type="none" w="med" len="med"/>
+                    </a:lnB>
+                    <a:solidFill>
+                      <a:schemeClr val="bg1"/>
+                    </a:solidFill>
+                  </a:tcPr>
+                </a:tc>
+                <a:tc>
+                  <a:txBody>
+                    <a:bodyPr/>
+                    <a:lstStyle/>
+                    <a:p>
+                      <a:pPr algn="ctr" latinLnBrk="1"/>
+                      <a:r>
+                        <a:rPr lang="en-US" altLang="ko-KR" dirty="0">
+                          <a:solidFill>
+                            <a:sysClr val="windowText" lastClr="000000"/>
+                          </a:solidFill>
+                        </a:rPr>
+                        <a:t>13</a:t>
+                      </a:r>
+                      <a:endParaRPr lang="ko-KR" altLang="en-US" dirty="0">
+                        <a:solidFill>
+                          <a:sysClr val="windowText" lastClr="000000"/>
+                        </a:solidFill>
+                      </a:endParaRPr>
+                    </a:p>
+                  </a:txBody>
+                  <a:tcPr>
+                    <a:lnL w="12700" cap="flat" cmpd="sng" algn="ctr">
+                      <a:solidFill>
+                        <a:schemeClr val="tx1"/>
+                      </a:solidFill>
+                      <a:prstDash val="solid"/>
+                      <a:round/>
+                      <a:headEnd type="none" w="med" len="med"/>
+                      <a:tailEnd type="none" w="med" len="med"/>
+                    </a:lnL>
+                    <a:lnR w="12700" cap="flat" cmpd="sng" algn="ctr">
+                      <a:solidFill>
+                        <a:schemeClr val="tx1"/>
+                      </a:solidFill>
+                      <a:prstDash val="solid"/>
+                      <a:round/>
+                      <a:headEnd type="none" w="med" len="med"/>
+                      <a:tailEnd type="none" w="med" len="med"/>
+                    </a:lnR>
+                    <a:lnT w="12700" cap="flat" cmpd="sng" algn="ctr">
+                      <a:solidFill>
+                        <a:schemeClr val="tx1"/>
+                      </a:solidFill>
+                      <a:prstDash val="solid"/>
+                      <a:round/>
+                      <a:headEnd type="none" w="med" len="med"/>
+                      <a:tailEnd type="none" w="med" len="med"/>
+                    </a:lnT>
+                    <a:lnB w="12700" cap="flat" cmpd="sng" algn="ctr">
+                      <a:solidFill>
+                        <a:schemeClr val="tx1"/>
+                      </a:solidFill>
+                      <a:prstDash val="solid"/>
+                      <a:round/>
+                      <a:headEnd type="none" w="med" len="med"/>
+                      <a:tailEnd type="none" w="med" len="med"/>
+                    </a:lnB>
+                    <a:solidFill>
+                      <a:schemeClr val="bg1"/>
+                    </a:solidFill>
+                  </a:tcPr>
+                </a:tc>
+                <a:tc>
+                  <a:txBody>
+                    <a:bodyPr/>
+                    <a:lstStyle/>
+                    <a:p>
+                      <a:pPr algn="ctr" latinLnBrk="1"/>
+                      <a:r>
+                        <a:rPr lang="en-US" altLang="ko-KR" dirty="0">
+                          <a:solidFill>
+                            <a:sysClr val="windowText" lastClr="000000"/>
+                          </a:solidFill>
+                        </a:rPr>
+                        <a:t>6</a:t>
+                      </a:r>
+                      <a:endParaRPr lang="ko-KR" altLang="en-US" dirty="0">
+                        <a:solidFill>
+                          <a:sysClr val="windowText" lastClr="000000"/>
+                        </a:solidFill>
+                      </a:endParaRPr>
+                    </a:p>
+                  </a:txBody>
+                  <a:tcPr>
+                    <a:lnL w="12700" cap="flat" cmpd="sng" algn="ctr">
+                      <a:solidFill>
+                        <a:schemeClr val="tx1"/>
+                      </a:solidFill>
+                      <a:prstDash val="solid"/>
+                      <a:round/>
+                      <a:headEnd type="none" w="med" len="med"/>
+                      <a:tailEnd type="none" w="med" len="med"/>
+                    </a:lnL>
+                    <a:lnR w="12700" cap="flat" cmpd="sng" algn="ctr">
+                      <a:solidFill>
+                        <a:schemeClr val="tx1"/>
+                      </a:solidFill>
+                      <a:prstDash val="solid"/>
+                      <a:round/>
+                      <a:headEnd type="none" w="med" len="med"/>
+                      <a:tailEnd type="none" w="med" len="med"/>
+                    </a:lnR>
+                    <a:lnT w="12700" cap="flat" cmpd="sng" algn="ctr">
+                      <a:solidFill>
+                        <a:schemeClr val="tx1"/>
+                      </a:solidFill>
+                      <a:prstDash val="solid"/>
+                      <a:round/>
+                      <a:headEnd type="none" w="med" len="med"/>
+                      <a:tailEnd type="none" w="med" len="med"/>
+                    </a:lnT>
+                    <a:lnB w="12700" cap="flat" cmpd="sng" algn="ctr">
+                      <a:solidFill>
+                        <a:schemeClr val="tx1"/>
+                      </a:solidFill>
+                      <a:prstDash val="solid"/>
+                      <a:round/>
+                      <a:headEnd type="none" w="med" len="med"/>
+                      <a:tailEnd type="none" w="med" len="med"/>
+                    </a:lnB>
+                    <a:solidFill>
+                      <a:schemeClr val="bg1"/>
+                    </a:solidFill>
+                  </a:tcPr>
+                </a:tc>
+                <a:tc>
+                  <a:txBody>
+                    <a:bodyPr/>
+                    <a:lstStyle/>
+                    <a:p>
+                      <a:pPr algn="ctr" latinLnBrk="1"/>
+                      <a:r>
+                        <a:rPr lang="en-US" altLang="ko-KR" dirty="0">
+                          <a:solidFill>
+                            <a:sysClr val="windowText" lastClr="000000"/>
+                          </a:solidFill>
+                        </a:rPr>
+                        <a:t>40</a:t>
+                      </a:r>
+                      <a:endParaRPr lang="ko-KR" altLang="en-US" dirty="0">
+                        <a:solidFill>
+                          <a:sysClr val="windowText" lastClr="000000"/>
+                        </a:solidFill>
+                      </a:endParaRPr>
+                    </a:p>
+                  </a:txBody>
+                  <a:tcPr>
+                    <a:lnL w="12700" cap="flat" cmpd="sng" algn="ctr">
+                      <a:solidFill>
+                        <a:schemeClr val="tx1"/>
+                      </a:solidFill>
+                      <a:prstDash val="solid"/>
+                      <a:round/>
+                      <a:headEnd type="none" w="med" len="med"/>
+                      <a:tailEnd type="none" w="med" len="med"/>
+                    </a:lnL>
+                    <a:lnR w="12700" cap="flat" cmpd="sng" algn="ctr">
+                      <a:solidFill>
+                        <a:schemeClr val="tx1"/>
+                      </a:solidFill>
+                      <a:prstDash val="solid"/>
+                      <a:round/>
+                      <a:headEnd type="none" w="med" len="med"/>
+                      <a:tailEnd type="none" w="med" len="med"/>
+                    </a:lnR>
+                    <a:lnT w="12700" cap="flat" cmpd="sng" algn="ctr">
+                      <a:solidFill>
+                        <a:schemeClr val="tx1"/>
+                      </a:solidFill>
+                      <a:prstDash val="solid"/>
+                      <a:round/>
+                      <a:headEnd type="none" w="med" len="med"/>
+                      <a:tailEnd type="none" w="med" len="med"/>
+                    </a:lnT>
+                    <a:lnB w="12700" cap="flat" cmpd="sng" algn="ctr">
+                      <a:solidFill>
+                        <a:schemeClr val="tx1"/>
+                      </a:solidFill>
+                      <a:prstDash val="solid"/>
+                      <a:round/>
+                      <a:headEnd type="none" w="med" len="med"/>
+                      <a:tailEnd type="none" w="med" len="med"/>
+                    </a:lnB>
+                    <a:solidFill>
+                      <a:schemeClr val="bg1"/>
+                    </a:solidFill>
+                  </a:tcPr>
+                </a:tc>
+                <a:extLst>
+                  <a:ext uri="{0D108BD9-81ED-4DB2-BD59-A6C34878D82A}">
+                    <a16:rowId xmlns:a16="http://schemas.microsoft.com/office/drawing/2014/main" val="904916911"/>
+                  </a:ext>
+                </a:extLst>
+              </a:tr>
+              <a:tr h="370840">
+                <a:tc>
+                  <a:txBody>
+                    <a:bodyPr/>
+                    <a:lstStyle/>
+                    <a:p>
+                      <a:pPr algn="ctr" latinLnBrk="1"/>
+                      <a:r>
+                        <a:rPr lang="ko-KR" altLang="en-US" b="1" dirty="0">
+                          <a:solidFill>
+                            <a:sysClr val="windowText" lastClr="000000"/>
+                          </a:solidFill>
+                        </a:rPr>
+                        <a:t>여학생</a:t>
+                      </a:r>
+                    </a:p>
+                  </a:txBody>
+                  <a:tcPr>
+                    <a:lnL w="12700" cap="flat" cmpd="sng" algn="ctr">
+                      <a:solidFill>
+                        <a:schemeClr val="tx1"/>
+                      </a:solidFill>
+                      <a:prstDash val="solid"/>
+                      <a:round/>
+                      <a:headEnd type="none" w="med" len="med"/>
+                      <a:tailEnd type="none" w="med" len="med"/>
+                    </a:lnL>
+                    <a:lnR w="12700" cap="flat" cmpd="sng" algn="ctr">
+                      <a:solidFill>
+                        <a:schemeClr val="tx1"/>
+                      </a:solidFill>
+                      <a:prstDash val="solid"/>
+                      <a:round/>
+                      <a:headEnd type="none" w="med" len="med"/>
+                      <a:tailEnd type="none" w="med" len="med"/>
+                    </a:lnR>
+                    <a:lnT w="12700" cap="flat" cmpd="sng" algn="ctr">
+                      <a:solidFill>
+                        <a:schemeClr val="tx1"/>
+                      </a:solidFill>
+                      <a:prstDash val="solid"/>
+                      <a:round/>
+                      <a:headEnd type="none" w="med" len="med"/>
+                      <a:tailEnd type="none" w="med" len="med"/>
+                    </a:lnT>
+                    <a:lnB w="12700" cap="flat" cmpd="sng" algn="ctr">
+                      <a:solidFill>
+                        <a:schemeClr val="tx1"/>
+                      </a:solidFill>
+                      <a:prstDash val="solid"/>
+                      <a:round/>
+                      <a:headEnd type="none" w="med" len="med"/>
+                      <a:tailEnd type="none" w="med" len="med"/>
+                    </a:lnB>
+                    <a:solidFill>
+                      <a:schemeClr val="bg1">
+                        <a:lumMod val="85000"/>
+                      </a:schemeClr>
+                    </a:solidFill>
+                  </a:tcPr>
+                </a:tc>
+                <a:tc>
+                  <a:txBody>
+                    <a:bodyPr/>
+                    <a:lstStyle/>
+                    <a:p>
+                      <a:pPr algn="ctr" latinLnBrk="1"/>
+                      <a:r>
+                        <a:rPr lang="en-US" altLang="ko-KR" dirty="0">
+                          <a:solidFill>
+                            <a:sysClr val="windowText" lastClr="000000"/>
+                          </a:solidFill>
+                        </a:rPr>
+                        <a:t>16</a:t>
+                      </a:r>
+                      <a:endParaRPr lang="ko-KR" altLang="en-US" dirty="0">
+                        <a:solidFill>
+                          <a:sysClr val="windowText" lastClr="000000"/>
+                        </a:solidFill>
+                      </a:endParaRPr>
+                    </a:p>
+                  </a:txBody>
+                  <a:tcPr>
+                    <a:lnL w="12700" cap="flat" cmpd="sng" algn="ctr">
+                      <a:solidFill>
+                        <a:schemeClr val="tx1"/>
+                      </a:solidFill>
+                      <a:prstDash val="solid"/>
+                      <a:round/>
+                      <a:headEnd type="none" w="med" len="med"/>
+                      <a:tailEnd type="none" w="med" len="med"/>
+                    </a:lnL>
+                    <a:lnR w="12700" cap="flat" cmpd="sng" algn="ctr">
+                      <a:solidFill>
+                        <a:schemeClr val="tx1"/>
+                      </a:solidFill>
+                      <a:prstDash val="solid"/>
+                      <a:round/>
+                      <a:headEnd type="none" w="med" len="med"/>
+                      <a:tailEnd type="none" w="med" len="med"/>
+                    </a:lnR>
+                    <a:lnT w="12700" cap="flat" cmpd="sng" algn="ctr">
+                      <a:solidFill>
+                        <a:schemeClr val="tx1"/>
+                      </a:solidFill>
+                      <a:prstDash val="solid"/>
+                      <a:round/>
+                      <a:headEnd type="none" w="med" len="med"/>
+                      <a:tailEnd type="none" w="med" len="med"/>
+                    </a:lnT>
+                    <a:lnB w="12700" cap="flat" cmpd="sng" algn="ctr">
+                      <a:solidFill>
+                        <a:schemeClr val="tx1"/>
+                      </a:solidFill>
+                      <a:prstDash val="solid"/>
+                      <a:round/>
+                      <a:headEnd type="none" w="med" len="med"/>
+                      <a:tailEnd type="none" w="med" len="med"/>
+                    </a:lnB>
+                    <a:solidFill>
+                      <a:schemeClr val="bg1"/>
+                    </a:solidFill>
+                  </a:tcPr>
+                </a:tc>
+                <a:tc>
+                  <a:txBody>
+                    <a:bodyPr/>
+                    <a:lstStyle/>
+                    <a:p>
+                      <a:pPr algn="ctr" latinLnBrk="1"/>
+                      <a:r>
+                        <a:rPr lang="en-US" altLang="ko-KR" dirty="0">
+                          <a:solidFill>
+                            <a:sysClr val="windowText" lastClr="000000"/>
+                          </a:solidFill>
+                        </a:rPr>
+                        <a:t>15</a:t>
+                      </a:r>
+                      <a:endParaRPr lang="ko-KR" altLang="en-US" dirty="0">
+                        <a:solidFill>
+                          <a:sysClr val="windowText" lastClr="000000"/>
+                        </a:solidFill>
+                      </a:endParaRPr>
+                    </a:p>
+                  </a:txBody>
+                  <a:tcPr>
+                    <a:lnL w="12700" cap="flat" cmpd="sng" algn="ctr">
+                      <a:solidFill>
+                        <a:schemeClr val="tx1"/>
+                      </a:solidFill>
+                      <a:prstDash val="solid"/>
+                      <a:round/>
+                      <a:headEnd type="none" w="med" len="med"/>
+                      <a:tailEnd type="none" w="med" len="med"/>
+                    </a:lnL>
+                    <a:lnR w="12700" cap="flat" cmpd="sng" algn="ctr">
+                      <a:solidFill>
+                        <a:schemeClr val="tx1"/>
+                      </a:solidFill>
+                      <a:prstDash val="solid"/>
+                      <a:round/>
+                      <a:headEnd type="none" w="med" len="med"/>
+                      <a:tailEnd type="none" w="med" len="med"/>
+                    </a:lnR>
+                    <a:lnT w="12700" cap="flat" cmpd="sng" algn="ctr">
+                      <a:solidFill>
+                        <a:schemeClr val="tx1"/>
+                      </a:solidFill>
+                      <a:prstDash val="solid"/>
+                      <a:round/>
+                      <a:headEnd type="none" w="med" len="med"/>
+                      <a:tailEnd type="none" w="med" len="med"/>
+                    </a:lnT>
+                    <a:lnB w="12700" cap="flat" cmpd="sng" algn="ctr">
+                      <a:solidFill>
+                        <a:schemeClr val="tx1"/>
+                      </a:solidFill>
+                      <a:prstDash val="solid"/>
+                      <a:round/>
+                      <a:headEnd type="none" w="med" len="med"/>
+                      <a:tailEnd type="none" w="med" len="med"/>
+                    </a:lnB>
+                    <a:solidFill>
+                      <a:schemeClr val="bg1"/>
+                    </a:solidFill>
+                  </a:tcPr>
+                </a:tc>
+                <a:tc>
+                  <a:txBody>
+                    <a:bodyPr/>
+                    <a:lstStyle/>
+                    <a:p>
+                      <a:pPr algn="ctr" latinLnBrk="1"/>
+                      <a:r>
+                        <a:rPr lang="en-US" altLang="ko-KR" dirty="0">
+                          <a:solidFill>
+                            <a:sysClr val="windowText" lastClr="000000"/>
+                          </a:solidFill>
+                        </a:rPr>
+                        <a:t>14</a:t>
+                      </a:r>
+                      <a:endParaRPr lang="ko-KR" altLang="en-US" dirty="0">
+                        <a:solidFill>
+                          <a:sysClr val="windowText" lastClr="000000"/>
+                        </a:solidFill>
+                      </a:endParaRPr>
+                    </a:p>
+                  </a:txBody>
+                  <a:tcPr>
+                    <a:lnL w="12700" cap="flat" cmpd="sng" algn="ctr">
+                      <a:solidFill>
+                        <a:schemeClr val="tx1"/>
+                      </a:solidFill>
+                      <a:prstDash val="solid"/>
+                      <a:round/>
+                      <a:headEnd type="none" w="med" len="med"/>
+                      <a:tailEnd type="none" w="med" len="med"/>
+                    </a:lnL>
+                    <a:lnR w="12700" cap="flat" cmpd="sng" algn="ctr">
+                      <a:solidFill>
+                        <a:schemeClr val="tx1"/>
+                      </a:solidFill>
+                      <a:prstDash val="solid"/>
+                      <a:round/>
+                      <a:headEnd type="none" w="med" len="med"/>
+                      <a:tailEnd type="none" w="med" len="med"/>
+                    </a:lnR>
+                    <a:lnT w="12700" cap="flat" cmpd="sng" algn="ctr">
+                      <a:solidFill>
+                        <a:schemeClr val="tx1"/>
+                      </a:solidFill>
+                      <a:prstDash val="solid"/>
+                      <a:round/>
+                      <a:headEnd type="none" w="med" len="med"/>
+                      <a:tailEnd type="none" w="med" len="med"/>
+                    </a:lnT>
+                    <a:lnB w="12700" cap="flat" cmpd="sng" algn="ctr">
+                      <a:solidFill>
+                        <a:schemeClr val="tx1"/>
+                      </a:solidFill>
+                      <a:prstDash val="solid"/>
+                      <a:round/>
+                      <a:headEnd type="none" w="med" len="med"/>
+                      <a:tailEnd type="none" w="med" len="med"/>
+                    </a:lnB>
+                    <a:solidFill>
+                      <a:schemeClr val="bg1"/>
+                    </a:solidFill>
+                  </a:tcPr>
+                </a:tc>
+                <a:tc>
+                  <a:txBody>
+                    <a:bodyPr/>
+                    <a:lstStyle/>
+                    <a:p>
+                      <a:pPr algn="ctr" latinLnBrk="1"/>
+                      <a:r>
+                        <a:rPr lang="en-US" altLang="ko-KR" dirty="0">
+                          <a:solidFill>
+                            <a:sysClr val="windowText" lastClr="000000"/>
+                          </a:solidFill>
+                        </a:rPr>
+                        <a:t>45</a:t>
+                      </a:r>
+                      <a:endParaRPr lang="ko-KR" altLang="en-US" dirty="0">
+                        <a:solidFill>
+                          <a:sysClr val="windowText" lastClr="000000"/>
+                        </a:solidFill>
+                      </a:endParaRPr>
+                    </a:p>
+                  </a:txBody>
+                  <a:tcPr>
+                    <a:lnL w="12700" cap="flat" cmpd="sng" algn="ctr">
+                      <a:solidFill>
+                        <a:schemeClr val="tx1"/>
+                      </a:solidFill>
+                      <a:prstDash val="solid"/>
+                      <a:round/>
+                      <a:headEnd type="none" w="med" len="med"/>
+                      <a:tailEnd type="none" w="med" len="med"/>
+                    </a:lnL>
+                    <a:lnR w="12700" cap="flat" cmpd="sng" algn="ctr">
+                      <a:solidFill>
+                        <a:schemeClr val="tx1"/>
+                      </a:solidFill>
+                      <a:prstDash val="solid"/>
+                      <a:round/>
+                      <a:headEnd type="none" w="med" len="med"/>
+                      <a:tailEnd type="none" w="med" len="med"/>
+                    </a:lnR>
+                    <a:lnT w="12700" cap="flat" cmpd="sng" algn="ctr">
+                      <a:solidFill>
+                        <a:schemeClr val="tx1"/>
+                      </a:solidFill>
+                      <a:prstDash val="solid"/>
+                      <a:round/>
+                      <a:headEnd type="none" w="med" len="med"/>
+                      <a:tailEnd type="none" w="med" len="med"/>
+                    </a:lnT>
+                    <a:lnB w="12700" cap="flat" cmpd="sng" algn="ctr">
+                      <a:solidFill>
+                        <a:schemeClr val="tx1"/>
+                      </a:solidFill>
+                      <a:prstDash val="solid"/>
+                      <a:round/>
+                      <a:headEnd type="none" w="med" len="med"/>
+                      <a:tailEnd type="none" w="med" len="med"/>
+                    </a:lnB>
+                    <a:solidFill>
+                      <a:schemeClr val="bg1"/>
+                    </a:solidFill>
+                  </a:tcPr>
+                </a:tc>
+                <a:extLst>
+                  <a:ext uri="{0D108BD9-81ED-4DB2-BD59-A6C34878D82A}">
+                    <a16:rowId xmlns:a16="http://schemas.microsoft.com/office/drawing/2014/main" val="3198870905"/>
+                  </a:ext>
+                </a:extLst>
+              </a:tr>
+              <a:tr h="370840">
+                <a:tc>
+                  <a:txBody>
+                    <a:bodyPr/>
+                    <a:lstStyle/>
+                    <a:p>
+                      <a:pPr algn="ctr" latinLnBrk="1"/>
+                      <a:r>
+                        <a:rPr lang="ko-KR" altLang="en-US" b="1" dirty="0">
+                          <a:solidFill>
+                            <a:sysClr val="windowText" lastClr="000000"/>
+                          </a:solidFill>
+                        </a:rPr>
+                        <a:t>합계</a:t>
+                      </a:r>
+                    </a:p>
+                  </a:txBody>
+                  <a:tcPr>
+                    <a:lnL w="12700" cap="flat" cmpd="sng" algn="ctr">
+                      <a:solidFill>
+                        <a:schemeClr val="tx1"/>
+                      </a:solidFill>
+                      <a:prstDash val="solid"/>
+                      <a:round/>
+                      <a:headEnd type="none" w="med" len="med"/>
+                      <a:tailEnd type="none" w="med" len="med"/>
+                    </a:lnL>
+                    <a:lnR w="12700" cap="flat" cmpd="sng" algn="ctr">
+                      <a:solidFill>
+                        <a:schemeClr val="tx1"/>
+                      </a:solidFill>
+                      <a:prstDash val="solid"/>
+                      <a:round/>
+                      <a:headEnd type="none" w="med" len="med"/>
+                      <a:tailEnd type="none" w="med" len="med"/>
+                    </a:lnR>
+                    <a:lnT w="12700" cap="flat" cmpd="sng" algn="ctr">
+                      <a:solidFill>
+                        <a:schemeClr val="tx1"/>
+                      </a:solidFill>
+                      <a:prstDash val="solid"/>
+                      <a:round/>
+                      <a:headEnd type="none" w="med" len="med"/>
+                      <a:tailEnd type="none" w="med" len="med"/>
+                    </a:lnT>
+                    <a:lnB w="12700" cap="flat" cmpd="sng" algn="ctr">
+                      <a:solidFill>
+                        <a:schemeClr val="tx1"/>
+                      </a:solidFill>
+                      <a:prstDash val="solid"/>
+                      <a:round/>
+                      <a:headEnd type="none" w="med" len="med"/>
+                      <a:tailEnd type="none" w="med" len="med"/>
+                    </a:lnB>
+                    <a:solidFill>
+                      <a:schemeClr val="bg1">
+                        <a:lumMod val="85000"/>
+                      </a:schemeClr>
+                    </a:solidFill>
+                  </a:tcPr>
+                </a:tc>
+                <a:tc>
+                  <a:txBody>
+                    <a:bodyPr/>
+                    <a:lstStyle/>
+                    <a:p>
+                      <a:pPr algn="ctr" latinLnBrk="1"/>
+                      <a:r>
+                        <a:rPr lang="en-US" altLang="ko-KR" dirty="0">
+                          <a:solidFill>
+                            <a:sysClr val="windowText" lastClr="000000"/>
+                          </a:solidFill>
+                        </a:rPr>
+                        <a:t>37</a:t>
+                      </a:r>
+                      <a:endParaRPr lang="ko-KR" altLang="en-US" dirty="0">
+                        <a:solidFill>
+                          <a:sysClr val="windowText" lastClr="000000"/>
+                        </a:solidFill>
+                      </a:endParaRPr>
+                    </a:p>
+                  </a:txBody>
+                  <a:tcPr>
+                    <a:lnL w="12700" cap="flat" cmpd="sng" algn="ctr">
+                      <a:solidFill>
+                        <a:schemeClr val="tx1"/>
+                      </a:solidFill>
+                      <a:prstDash val="solid"/>
+                      <a:round/>
+                      <a:headEnd type="none" w="med" len="med"/>
+                      <a:tailEnd type="none" w="med" len="med"/>
+                    </a:lnL>
+                    <a:lnR w="12700" cap="flat" cmpd="sng" algn="ctr">
+                      <a:solidFill>
+                        <a:schemeClr val="tx1"/>
+                      </a:solidFill>
+                      <a:prstDash val="solid"/>
+                      <a:round/>
+                      <a:headEnd type="none" w="med" len="med"/>
+                      <a:tailEnd type="none" w="med" len="med"/>
+                    </a:lnR>
+                    <a:lnT w="12700" cap="flat" cmpd="sng" algn="ctr">
+                      <a:solidFill>
+                        <a:schemeClr val="tx1"/>
+                      </a:solidFill>
+                      <a:prstDash val="solid"/>
+                      <a:round/>
+                      <a:headEnd type="none" w="med" len="med"/>
+                      <a:tailEnd type="none" w="med" len="med"/>
+                    </a:lnT>
+                    <a:lnB w="12700" cap="flat" cmpd="sng" algn="ctr">
+                      <a:solidFill>
+                        <a:schemeClr val="tx1"/>
+                      </a:solidFill>
+                      <a:prstDash val="solid"/>
+                      <a:round/>
+                      <a:headEnd type="none" w="med" len="med"/>
+                      <a:tailEnd type="none" w="med" len="med"/>
+                    </a:lnB>
+                    <a:solidFill>
+                      <a:schemeClr val="bg1"/>
+                    </a:solidFill>
+                  </a:tcPr>
+                </a:tc>
+                <a:tc>
+                  <a:txBody>
+                    <a:bodyPr/>
+                    <a:lstStyle/>
+                    <a:p>
+                      <a:pPr algn="ctr" latinLnBrk="1"/>
+                      <a:r>
+                        <a:rPr lang="en-US" altLang="ko-KR" dirty="0">
+                          <a:solidFill>
+                            <a:sysClr val="windowText" lastClr="000000"/>
+                          </a:solidFill>
+                        </a:rPr>
+                        <a:t>28</a:t>
+                      </a:r>
+                      <a:endParaRPr lang="ko-KR" altLang="en-US" dirty="0">
+                        <a:solidFill>
+                          <a:sysClr val="windowText" lastClr="000000"/>
+                        </a:solidFill>
+                      </a:endParaRPr>
+                    </a:p>
+                  </a:txBody>
+                  <a:tcPr>
+                    <a:lnL w="12700" cap="flat" cmpd="sng" algn="ctr">
+                      <a:solidFill>
+                        <a:schemeClr val="tx1"/>
+                      </a:solidFill>
+                      <a:prstDash val="solid"/>
+                      <a:round/>
+                      <a:headEnd type="none" w="med" len="med"/>
+                      <a:tailEnd type="none" w="med" len="med"/>
+                    </a:lnL>
+                    <a:lnR w="12700" cap="flat" cmpd="sng" algn="ctr">
+                      <a:solidFill>
+                        <a:schemeClr val="tx1"/>
+                      </a:solidFill>
+                      <a:prstDash val="solid"/>
+                      <a:round/>
+                      <a:headEnd type="none" w="med" len="med"/>
+                      <a:tailEnd type="none" w="med" len="med"/>
+                    </a:lnR>
+                    <a:lnT w="12700" cap="flat" cmpd="sng" algn="ctr">
+                      <a:solidFill>
+                        <a:schemeClr val="tx1"/>
+                      </a:solidFill>
+                      <a:prstDash val="solid"/>
+                      <a:round/>
+                      <a:headEnd type="none" w="med" len="med"/>
+                      <a:tailEnd type="none" w="med" len="med"/>
+                    </a:lnT>
+                    <a:lnB w="12700" cap="flat" cmpd="sng" algn="ctr">
+                      <a:solidFill>
+                        <a:schemeClr val="tx1"/>
+                      </a:solidFill>
+                      <a:prstDash val="solid"/>
+                      <a:round/>
+                      <a:headEnd type="none" w="med" len="med"/>
+                      <a:tailEnd type="none" w="med" len="med"/>
+                    </a:lnB>
+                    <a:solidFill>
+                      <a:schemeClr val="bg1"/>
+                    </a:solidFill>
+                  </a:tcPr>
+                </a:tc>
+                <a:tc>
+                  <a:txBody>
+                    <a:bodyPr/>
+                    <a:lstStyle/>
+                    <a:p>
+                      <a:pPr algn="ctr" latinLnBrk="1"/>
+                      <a:r>
+                        <a:rPr lang="en-US" altLang="ko-KR" dirty="0">
+                          <a:solidFill>
+                            <a:sysClr val="windowText" lastClr="000000"/>
+                          </a:solidFill>
+                        </a:rPr>
+                        <a:t>20</a:t>
+                      </a:r>
+                      <a:endParaRPr lang="ko-KR" altLang="en-US" dirty="0">
+                        <a:solidFill>
+                          <a:sysClr val="windowText" lastClr="000000"/>
+                        </a:solidFill>
+                      </a:endParaRPr>
+                    </a:p>
+                  </a:txBody>
+                  <a:tcPr>
+                    <a:lnL w="12700" cap="flat" cmpd="sng" algn="ctr">
+                      <a:solidFill>
+                        <a:schemeClr val="tx1"/>
+                      </a:solidFill>
+                      <a:prstDash val="solid"/>
+                      <a:round/>
+                      <a:headEnd type="none" w="med" len="med"/>
+                      <a:tailEnd type="none" w="med" len="med"/>
+                    </a:lnL>
+                    <a:lnR w="12700" cap="flat" cmpd="sng" algn="ctr">
+                      <a:solidFill>
+                        <a:schemeClr val="tx1"/>
+                      </a:solidFill>
+                      <a:prstDash val="solid"/>
+                      <a:round/>
+                      <a:headEnd type="none" w="med" len="med"/>
+                      <a:tailEnd type="none" w="med" len="med"/>
+                    </a:lnR>
+                    <a:lnT w="12700" cap="flat" cmpd="sng" algn="ctr">
+                      <a:solidFill>
+                        <a:schemeClr val="tx1"/>
+                      </a:solidFill>
+                      <a:prstDash val="solid"/>
+                      <a:round/>
+                      <a:headEnd type="none" w="med" len="med"/>
+                      <a:tailEnd type="none" w="med" len="med"/>
+                    </a:lnT>
+                    <a:lnB w="12700" cap="flat" cmpd="sng" algn="ctr">
+                      <a:solidFill>
+                        <a:schemeClr val="tx1"/>
+                      </a:solidFill>
+                      <a:prstDash val="solid"/>
+                      <a:round/>
+                      <a:headEnd type="none" w="med" len="med"/>
+                      <a:tailEnd type="none" w="med" len="med"/>
+                    </a:lnB>
+                    <a:solidFill>
+                      <a:schemeClr val="bg1"/>
+                    </a:solidFill>
+                  </a:tcPr>
+                </a:tc>
+                <a:tc>
+                  <a:txBody>
+                    <a:bodyPr/>
+                    <a:lstStyle/>
+                    <a:p>
+                      <a:pPr algn="ctr" latinLnBrk="1"/>
+                      <a:r>
+                        <a:rPr lang="en-US" altLang="ko-KR" dirty="0">
+                          <a:solidFill>
+                            <a:sysClr val="windowText" lastClr="000000"/>
+                          </a:solidFill>
+                        </a:rPr>
+                        <a:t>85</a:t>
+                      </a:r>
+                      <a:endParaRPr lang="ko-KR" altLang="en-US" dirty="0">
+                        <a:solidFill>
+                          <a:sysClr val="windowText" lastClr="000000"/>
+                        </a:solidFill>
+                      </a:endParaRPr>
+                    </a:p>
+                  </a:txBody>
+                  <a:tcPr>
+                    <a:lnL w="12700" cap="flat" cmpd="sng" algn="ctr">
+                      <a:solidFill>
+                        <a:schemeClr val="tx1"/>
+                      </a:solidFill>
+                      <a:prstDash val="solid"/>
+                      <a:round/>
+                      <a:headEnd type="none" w="med" len="med"/>
+                      <a:tailEnd type="none" w="med" len="med"/>
+                    </a:lnL>
+                    <a:lnR w="12700" cap="flat" cmpd="sng" algn="ctr">
+                      <a:solidFill>
+                        <a:schemeClr val="tx1"/>
+                      </a:solidFill>
+                      <a:prstDash val="solid"/>
+                      <a:round/>
+                      <a:headEnd type="none" w="med" len="med"/>
+                      <a:tailEnd type="none" w="med" len="med"/>
+                    </a:lnR>
+                    <a:lnT w="12700" cap="flat" cmpd="sng" algn="ctr">
+                      <a:solidFill>
+                        <a:schemeClr val="tx1"/>
+                      </a:solidFill>
+                      <a:prstDash val="solid"/>
+                      <a:round/>
+                      <a:headEnd type="none" w="med" len="med"/>
+                      <a:tailEnd type="none" w="med" len="med"/>
+                    </a:lnT>
+                    <a:lnB w="12700" cap="flat" cmpd="sng" algn="ctr">
+                      <a:solidFill>
+                        <a:schemeClr val="tx1"/>
+                      </a:solidFill>
+                      <a:prstDash val="solid"/>
+                      <a:round/>
+                      <a:headEnd type="none" w="med" len="med"/>
+                      <a:tailEnd type="none" w="med" len="med"/>
+                    </a:lnB>
+                    <a:solidFill>
+                      <a:schemeClr val="bg1"/>
+                    </a:solidFill>
+                  </a:tcPr>
+                </a:tc>
+                <a:extLst>
+                  <a:ext uri="{0D108BD9-81ED-4DB2-BD59-A6C34878D82A}">
+                    <a16:rowId xmlns:a16="http://schemas.microsoft.com/office/drawing/2014/main" val="1949217818"/>
+                  </a:ext>
+                </a:extLst>
+              </a:tr>
+            </a:tbl>
+          </a:graphicData>
+        </a:graphic>
+      </p:graphicFrame>
+      <p:sp>
+        <p:nvSpPr>
+          <p:cNvPr id="5" name="타원 4">
+            <a:extLst>
+              <a:ext uri="{FF2B5EF4-FFF2-40B4-BE49-F238E27FC236}">
+                <a16:creationId xmlns:a16="http://schemas.microsoft.com/office/drawing/2014/main" id="{2CE658A0-6D9E-4636-A8D3-ED7B856B32DE}"/>
+              </a:ext>
+            </a:extLst>
+          </p:cNvPr>
+          <p:cNvSpPr/>
+          <p:nvPr/>
+        </p:nvSpPr>
+        <p:spPr>
+          <a:xfrm>
+            <a:off x="2987824" y="1364918"/>
+            <a:ext cx="864096" cy="504056"/>
+          </a:xfrm>
+          <a:prstGeom prst="ellipse">
+            <a:avLst/>
+          </a:prstGeom>
+          <a:noFill/>
+          <a:ln w="28575">
+            <a:solidFill>
+              <a:srgbClr val="FF0000"/>
+            </a:solidFill>
+            <a:prstDash val="sysDot"/>
+          </a:ln>
+        </p:spPr>
+        <p:style>
+          <a:lnRef idx="2">
+            <a:schemeClr val="accent1">
+              <a:shade val="50000"/>
+            </a:schemeClr>
+          </a:lnRef>
+          <a:fillRef idx="1">
+            <a:schemeClr val="accent1"/>
+          </a:fillRef>
+          <a:effectRef idx="0">
+            <a:schemeClr val="accent1"/>
+          </a:effectRef>
+          <a:fontRef idx="minor">
+            <a:schemeClr val="lt1"/>
+          </a:fontRef>
+        </p:style>
+        <p:txBody>
+          <a:bodyPr rtlCol="0" anchor="ctr"/>
+          <a:lstStyle/>
+          <a:p>
+            <a:pPr algn="ctr"/>
+            <a:endParaRPr lang="ko-KR" altLang="en-US"/>
+          </a:p>
+        </p:txBody>
+      </p:sp>
+      <p:sp>
+        <p:nvSpPr>
+          <p:cNvPr id="6" name="화살표: 아래쪽 5">
+            <a:extLst>
+              <a:ext uri="{FF2B5EF4-FFF2-40B4-BE49-F238E27FC236}">
+                <a16:creationId xmlns:a16="http://schemas.microsoft.com/office/drawing/2014/main" id="{085F4550-E62F-4FE7-8FDF-4F14A53C5EE3}"/>
+              </a:ext>
+            </a:extLst>
+          </p:cNvPr>
+          <p:cNvSpPr/>
+          <p:nvPr/>
+        </p:nvSpPr>
+        <p:spPr>
+          <a:xfrm>
+            <a:off x="3325627" y="1797133"/>
+            <a:ext cx="194032" cy="401552"/>
+          </a:xfrm>
+          <a:prstGeom prst="downArrow">
+            <a:avLst/>
+          </a:prstGeom>
+          <a:solidFill>
+            <a:srgbClr val="00B050">
+              <a:alpha val="55000"/>
+            </a:srgbClr>
+          </a:solidFill>
+          <a:ln>
+            <a:solidFill>
+              <a:schemeClr val="accent2">
+                <a:lumMod val="60000"/>
+                <a:lumOff val="40000"/>
+              </a:schemeClr>
+            </a:solidFill>
+          </a:ln>
+        </p:spPr>
+        <p:style>
+          <a:lnRef idx="2">
+            <a:schemeClr val="accent1">
+              <a:shade val="50000"/>
+            </a:schemeClr>
+          </a:lnRef>
+          <a:fillRef idx="1">
+            <a:schemeClr val="accent1"/>
+          </a:fillRef>
+          <a:effectRef idx="0">
+            <a:schemeClr val="accent1"/>
+          </a:effectRef>
+          <a:fontRef idx="minor">
+            <a:schemeClr val="lt1"/>
+          </a:fontRef>
+        </p:style>
+        <p:txBody>
+          <a:bodyPr rtlCol="0" anchor="ctr"/>
+          <a:lstStyle/>
+          <a:p>
+            <a:pPr algn="ctr"/>
+            <a:endParaRPr lang="ko-KR" altLang="en-US"/>
+          </a:p>
+        </p:txBody>
+      </p:sp>
+      <p:sp>
+        <p:nvSpPr>
+          <p:cNvPr id="7" name="화살표: 아래쪽 6">
+            <a:extLst>
+              <a:ext uri="{FF2B5EF4-FFF2-40B4-BE49-F238E27FC236}">
+                <a16:creationId xmlns:a16="http://schemas.microsoft.com/office/drawing/2014/main" id="{3CA06F15-E2E8-446F-A35F-FEAEF6E1A0A4}"/>
+              </a:ext>
+            </a:extLst>
+          </p:cNvPr>
+          <p:cNvSpPr/>
+          <p:nvPr/>
+        </p:nvSpPr>
+        <p:spPr>
+          <a:xfrm rot="16200000">
+            <a:off x="5148064" y="143493"/>
+            <a:ext cx="216024" cy="2952328"/>
+          </a:xfrm>
+          <a:prstGeom prst="downArrow">
+            <a:avLst/>
+          </a:prstGeom>
+          <a:solidFill>
+            <a:srgbClr val="00B050">
+              <a:alpha val="55000"/>
+            </a:srgbClr>
+          </a:solidFill>
+          <a:ln>
+            <a:solidFill>
+              <a:schemeClr val="accent2">
+                <a:lumMod val="60000"/>
+                <a:lumOff val="40000"/>
+              </a:schemeClr>
+            </a:solidFill>
+          </a:ln>
+        </p:spPr>
+        <p:style>
+          <a:lnRef idx="2">
+            <a:schemeClr val="accent1">
+              <a:shade val="50000"/>
+            </a:schemeClr>
+          </a:lnRef>
+          <a:fillRef idx="1">
+            <a:schemeClr val="accent1"/>
+          </a:fillRef>
+          <a:effectRef idx="0">
+            <a:schemeClr val="accent1"/>
+          </a:effectRef>
+          <a:fontRef idx="minor">
+            <a:schemeClr val="lt1"/>
+          </a:fontRef>
+        </p:style>
+        <p:txBody>
+          <a:bodyPr rtlCol="0" anchor="ctr"/>
+          <a:lstStyle/>
+          <a:p>
+            <a:pPr algn="ctr"/>
+            <a:endParaRPr lang="ko-KR" altLang="en-US"/>
+          </a:p>
+        </p:txBody>
+      </p:sp>
+      <p:sp>
+        <p:nvSpPr>
+          <p:cNvPr id="8" name="타원 7">
+            <a:extLst>
+              <a:ext uri="{FF2B5EF4-FFF2-40B4-BE49-F238E27FC236}">
+                <a16:creationId xmlns:a16="http://schemas.microsoft.com/office/drawing/2014/main" id="{3AD05583-152E-4172-BFBF-D3C045C34AC9}"/>
+              </a:ext>
+            </a:extLst>
+          </p:cNvPr>
+          <p:cNvSpPr/>
+          <p:nvPr/>
+        </p:nvSpPr>
+        <p:spPr>
+          <a:xfrm>
+            <a:off x="2987824" y="2126843"/>
+            <a:ext cx="864096" cy="504056"/>
+          </a:xfrm>
+          <a:prstGeom prst="ellipse">
+            <a:avLst/>
+          </a:prstGeom>
+          <a:noFill/>
+          <a:ln w="28575">
+            <a:solidFill>
+              <a:srgbClr val="00B050"/>
+            </a:solidFill>
+            <a:prstDash val="sysDot"/>
+          </a:ln>
+        </p:spPr>
+        <p:style>
+          <a:lnRef idx="2">
+            <a:schemeClr val="accent1">
+              <a:shade val="50000"/>
+            </a:schemeClr>
+          </a:lnRef>
+          <a:fillRef idx="1">
+            <a:schemeClr val="accent1"/>
+          </a:fillRef>
+          <a:effectRef idx="0">
+            <a:schemeClr val="accent1"/>
+          </a:effectRef>
+          <a:fontRef idx="minor">
+            <a:schemeClr val="lt1"/>
+          </a:fontRef>
+        </p:style>
+        <p:txBody>
+          <a:bodyPr rtlCol="0" anchor="ctr"/>
+          <a:lstStyle/>
+          <a:p>
+            <a:pPr algn="ctr"/>
+            <a:endParaRPr lang="ko-KR" altLang="en-US"/>
+          </a:p>
+        </p:txBody>
+      </p:sp>
+      <p:sp>
+        <p:nvSpPr>
+          <p:cNvPr id="9" name="타원 8">
+            <a:extLst>
+              <a:ext uri="{FF2B5EF4-FFF2-40B4-BE49-F238E27FC236}">
+                <a16:creationId xmlns:a16="http://schemas.microsoft.com/office/drawing/2014/main" id="{0C8C4B14-1579-45CE-91D8-3F9A06E7B8DE}"/>
+              </a:ext>
+            </a:extLst>
+          </p:cNvPr>
+          <p:cNvSpPr/>
+          <p:nvPr/>
+        </p:nvSpPr>
+        <p:spPr>
+          <a:xfrm>
+            <a:off x="6639416" y="1364918"/>
+            <a:ext cx="864096" cy="504056"/>
+          </a:xfrm>
+          <a:prstGeom prst="ellipse">
+            <a:avLst/>
+          </a:prstGeom>
+          <a:noFill/>
+          <a:ln w="28575">
+            <a:solidFill>
+              <a:srgbClr val="00B050"/>
+            </a:solidFill>
+            <a:prstDash val="sysDot"/>
+          </a:ln>
+        </p:spPr>
+        <p:style>
+          <a:lnRef idx="2">
+            <a:schemeClr val="accent1">
+              <a:shade val="50000"/>
+            </a:schemeClr>
+          </a:lnRef>
+          <a:fillRef idx="1">
+            <a:schemeClr val="accent1"/>
+          </a:fillRef>
+          <a:effectRef idx="0">
+            <a:schemeClr val="accent1"/>
+          </a:effectRef>
+          <a:fontRef idx="minor">
+            <a:schemeClr val="lt1"/>
+          </a:fontRef>
+        </p:style>
+        <p:txBody>
+          <a:bodyPr rtlCol="0" anchor="ctr"/>
+          <a:lstStyle/>
+          <a:p>
+            <a:pPr algn="ctr"/>
+            <a:endParaRPr lang="ko-KR" altLang="en-US"/>
+          </a:p>
+        </p:txBody>
+      </p:sp>
+      <p:sp>
+        <p:nvSpPr>
+          <p:cNvPr id="10" name="타원 9">
+            <a:extLst>
+              <a:ext uri="{FF2B5EF4-FFF2-40B4-BE49-F238E27FC236}">
+                <a16:creationId xmlns:a16="http://schemas.microsoft.com/office/drawing/2014/main" id="{6785B9CE-C03F-44AD-8901-64B82BB4B126}"/>
+              </a:ext>
+            </a:extLst>
+          </p:cNvPr>
+          <p:cNvSpPr/>
+          <p:nvPr/>
+        </p:nvSpPr>
+        <p:spPr>
+          <a:xfrm>
+            <a:off x="6639416" y="2157905"/>
+            <a:ext cx="864096" cy="504056"/>
+          </a:xfrm>
+          <a:prstGeom prst="ellipse">
+            <a:avLst/>
+          </a:prstGeom>
+          <a:noFill/>
+          <a:ln w="28575">
+            <a:solidFill>
+              <a:srgbClr val="00B050"/>
+            </a:solidFill>
+            <a:prstDash val="sysDot"/>
+          </a:ln>
+        </p:spPr>
+        <p:style>
+          <a:lnRef idx="2">
+            <a:schemeClr val="accent1">
+              <a:shade val="50000"/>
+            </a:schemeClr>
+          </a:lnRef>
+          <a:fillRef idx="1">
+            <a:schemeClr val="accent1"/>
+          </a:fillRef>
+          <a:effectRef idx="0">
+            <a:schemeClr val="accent1"/>
+          </a:effectRef>
+          <a:fontRef idx="minor">
+            <a:schemeClr val="lt1"/>
+          </a:fontRef>
+        </p:style>
+        <p:txBody>
+          <a:bodyPr rtlCol="0" anchor="ctr"/>
+          <a:lstStyle/>
+          <a:p>
+            <a:pPr algn="ctr"/>
+            <a:endParaRPr lang="ko-KR" altLang="en-US"/>
+          </a:p>
+        </p:txBody>
+      </p:sp>
+      <p:sp>
+        <p:nvSpPr>
+          <p:cNvPr id="11" name="화살표: 아래쪽 10">
+            <a:extLst>
+              <a:ext uri="{FF2B5EF4-FFF2-40B4-BE49-F238E27FC236}">
+                <a16:creationId xmlns:a16="http://schemas.microsoft.com/office/drawing/2014/main" id="{337F4252-9C0A-462B-A943-D4ED8BECDC19}"/>
+              </a:ext>
+            </a:extLst>
+          </p:cNvPr>
+          <p:cNvSpPr/>
+          <p:nvPr/>
+        </p:nvSpPr>
+        <p:spPr>
+          <a:xfrm rot="16891620">
+            <a:off x="5068118" y="607929"/>
+            <a:ext cx="216024" cy="2952328"/>
+          </a:xfrm>
+          <a:prstGeom prst="downArrow">
+            <a:avLst/>
+          </a:prstGeom>
+          <a:solidFill>
+            <a:srgbClr val="00B050">
+              <a:alpha val="55000"/>
+            </a:srgbClr>
+          </a:solidFill>
+          <a:ln>
+            <a:solidFill>
+              <a:schemeClr val="accent2">
+                <a:lumMod val="60000"/>
+                <a:lumOff val="40000"/>
+              </a:schemeClr>
+            </a:solidFill>
+          </a:ln>
+        </p:spPr>
+        <p:style>
+          <a:lnRef idx="2">
+            <a:schemeClr val="accent1">
+              <a:shade val="50000"/>
+            </a:schemeClr>
+          </a:lnRef>
+          <a:fillRef idx="1">
+            <a:schemeClr val="accent1"/>
+          </a:fillRef>
+          <a:effectRef idx="0">
+            <a:schemeClr val="accent1"/>
+          </a:effectRef>
+          <a:fontRef idx="minor">
+            <a:schemeClr val="lt1"/>
+          </a:fontRef>
+        </p:style>
+        <p:txBody>
+          <a:bodyPr rtlCol="0" anchor="ctr"/>
+          <a:lstStyle/>
+          <a:p>
+            <a:pPr algn="ctr"/>
+            <a:endParaRPr lang="ko-KR" altLang="en-US"/>
+          </a:p>
+        </p:txBody>
+      </p:sp>
+      <p:sp>
+        <p:nvSpPr>
+          <p:cNvPr id="12" name="TextBox 11">
+            <a:extLst>
+              <a:ext uri="{FF2B5EF4-FFF2-40B4-BE49-F238E27FC236}">
+                <a16:creationId xmlns:a16="http://schemas.microsoft.com/office/drawing/2014/main" id="{3471AAF0-B15D-4D94-90EC-39A7F171D2C1}"/>
+              </a:ext>
+            </a:extLst>
+          </p:cNvPr>
+          <p:cNvSpPr txBox="1"/>
+          <p:nvPr/>
+        </p:nvSpPr>
+        <p:spPr>
+          <a:xfrm>
+            <a:off x="1907704" y="2949094"/>
+            <a:ext cx="3828292" cy="369332"/>
+          </a:xfrm>
+          <a:prstGeom prst="rect">
+            <a:avLst/>
+          </a:prstGeom>
+          <a:noFill/>
+        </p:spPr>
+        <p:txBody>
+          <a:bodyPr wrap="none" rtlCol="0">
+            <a:spAutoFit/>
+          </a:bodyPr>
+          <a:lstStyle/>
+          <a:p>
+            <a:r>
+              <a:rPr lang="ko-KR" altLang="en-US" dirty="0"/>
+              <a:t>남학생 </a:t>
+            </a:r>
+            <a:r>
+              <a:rPr lang="en-US" altLang="ko-KR" dirty="0"/>
+              <a:t>&amp; </a:t>
+            </a:r>
+            <a:r>
+              <a:rPr lang="ko-KR" altLang="en-US" dirty="0"/>
+              <a:t>짜장면 </a:t>
+            </a:r>
+            <a:r>
+              <a:rPr lang="en-US" altLang="ko-KR" dirty="0"/>
+              <a:t>cell</a:t>
+            </a:r>
+            <a:r>
+              <a:rPr lang="ko-KR" altLang="en-US" dirty="0"/>
+              <a:t>의 기대빈도 </a:t>
+            </a:r>
+            <a:r>
+              <a:rPr lang="en-US" altLang="ko-KR" dirty="0"/>
+              <a:t>=</a:t>
+            </a:r>
+            <a:endParaRPr lang="ko-KR" altLang="en-US" dirty="0"/>
+          </a:p>
+        </p:txBody>
+      </p:sp>
+      <mc:AlternateContent xmlns:mc="http://schemas.openxmlformats.org/markup-compatibility/2006">
+        <mc:Choice xmlns:a14="http://schemas.microsoft.com/office/drawing/2010/main" Requires="a14">
+          <p:sp>
+            <p:nvSpPr>
+              <p:cNvPr id="14" name="TextBox 13">
+                <a:extLst>
+                  <a:ext uri="{FF2B5EF4-FFF2-40B4-BE49-F238E27FC236}">
+                    <a16:creationId xmlns:a16="http://schemas.microsoft.com/office/drawing/2014/main" id="{8C950334-EFEB-4ED6-9CD1-2AE2524EB808}"/>
+                  </a:ext>
+                </a:extLst>
+              </p:cNvPr>
+              <p:cNvSpPr txBox="1"/>
+              <p:nvPr/>
+            </p:nvSpPr>
+            <p:spPr>
+              <a:xfrm>
+                <a:off x="5436096" y="2848278"/>
+                <a:ext cx="2141984" cy="612796"/>
+              </a:xfrm>
+              <a:prstGeom prst="rect">
+                <a:avLst/>
+              </a:prstGeom>
+              <a:noFill/>
+            </p:spPr>
+            <p:txBody>
+              <a:bodyPr wrap="square">
+                <a:spAutoFit/>
+              </a:bodyPr>
+              <a:lstStyle/>
+              <a:p>
+                <a:pPr/>
+                <a14:m>
+                  <m:oMathPara xmlns:m="http://schemas.openxmlformats.org/officeDocument/2006/math">
+                    <m:oMathParaPr>
+                      <m:jc m:val="centerGroup"/>
+                    </m:oMathParaPr>
+                    <m:oMath xmlns:m="http://schemas.openxmlformats.org/officeDocument/2006/math">
+                      <m:f>
+                        <m:fPr>
+                          <m:ctrlPr>
+                            <a:rPr lang="en-US" altLang="ko-KR" b="0" i="1" smtClean="0">
+                              <a:latin typeface="Cambria Math" panose="02040503050406030204" pitchFamily="18" charset="0"/>
+                            </a:rPr>
+                          </m:ctrlPr>
+                        </m:fPr>
+                        <m:num>
+                          <m:r>
+                            <a:rPr lang="en-US" altLang="ko-KR" b="0" i="1" smtClean="0">
+                              <a:latin typeface="Cambria Math" panose="02040503050406030204" pitchFamily="18" charset="0"/>
+                            </a:rPr>
+                            <m:t>40×37</m:t>
+                          </m:r>
+                        </m:num>
+                        <m:den>
+                          <m:r>
+                            <a:rPr lang="en-US" altLang="ko-KR" b="0" i="1" smtClean="0">
+                              <a:latin typeface="Cambria Math" panose="02040503050406030204" pitchFamily="18" charset="0"/>
+                            </a:rPr>
+                            <m:t>85</m:t>
+                          </m:r>
+                        </m:den>
+                      </m:f>
+                      <m:r>
+                        <a:rPr lang="en-US" altLang="ko-KR" b="0" i="1" smtClean="0">
+                          <a:latin typeface="Cambria Math" panose="02040503050406030204" pitchFamily="18" charset="0"/>
+                        </a:rPr>
+                        <m:t>=17.41</m:t>
+                      </m:r>
+                    </m:oMath>
+                  </m:oMathPara>
+                </a14:m>
+                <a:endParaRPr lang="ko-KR" altLang="en-US" dirty="0"/>
+              </a:p>
+            </p:txBody>
+          </p:sp>
+        </mc:Choice>
+        <mc:Fallback>
+          <p:sp>
+            <p:nvSpPr>
+              <p:cNvPr id="14" name="TextBox 13">
+                <a:extLst>
+                  <a:ext uri="{FF2B5EF4-FFF2-40B4-BE49-F238E27FC236}">
+                    <a16:creationId xmlns:a16="http://schemas.microsoft.com/office/drawing/2014/main" id="{8C950334-EFEB-4ED6-9CD1-2AE2524EB808}"/>
+                  </a:ext>
+                </a:extLst>
+              </p:cNvPr>
+              <p:cNvSpPr txBox="1">
+                <a:spLocks noRot="1" noChangeAspect="1" noMove="1" noResize="1" noEditPoints="1" noAdjustHandles="1" noChangeArrowheads="1" noChangeShapeType="1" noTextEdit="1"/>
+              </p:cNvSpPr>
+              <p:nvPr/>
+            </p:nvSpPr>
+            <p:spPr>
+              <a:xfrm>
+                <a:off x="5436096" y="2848278"/>
+                <a:ext cx="2141984" cy="612796"/>
+              </a:xfrm>
+              <a:prstGeom prst="rect">
+                <a:avLst/>
+              </a:prstGeom>
+              <a:blipFill>
+                <a:blip r:embed="rId2"/>
+                <a:stretch>
+                  <a:fillRect/>
+                </a:stretch>
+              </a:blipFill>
+            </p:spPr>
+            <p:txBody>
+              <a:bodyPr/>
+              <a:lstStyle/>
+              <a:p>
+                <a:r>
+                  <a:rPr lang="ko-KR" altLang="en-US">
+                    <a:noFill/>
+                  </a:rPr>
+                  <a:t> </a:t>
+                </a:r>
+              </a:p>
+            </p:txBody>
+          </p:sp>
+        </mc:Fallback>
+      </mc:AlternateContent>
+      <p:graphicFrame>
+        <p:nvGraphicFramePr>
+          <p:cNvPr id="15" name="표 4">
+            <a:extLst>
+              <a:ext uri="{FF2B5EF4-FFF2-40B4-BE49-F238E27FC236}">
+                <a16:creationId xmlns:a16="http://schemas.microsoft.com/office/drawing/2014/main" id="{FD7D2C8D-A390-4E30-BD7C-2225CB3D985B}"/>
+              </a:ext>
+            </a:extLst>
+          </p:cNvPr>
+          <p:cNvGraphicFramePr>
+            <a:graphicFrameLocks noGrp="1"/>
+          </p:cNvGraphicFramePr>
+          <p:nvPr>
+            <p:extLst>
+              <p:ext uri="{D42A27DB-BD31-4B8C-83A1-F6EECF244321}">
+                <p14:modId xmlns:p14="http://schemas.microsoft.com/office/powerpoint/2010/main" val="3155208243"/>
+              </p:ext>
+            </p:extLst>
+          </p:nvPr>
+        </p:nvGraphicFramePr>
+        <p:xfrm>
+          <a:off x="2051720" y="3789040"/>
+          <a:ext cx="6096000" cy="1483360"/>
+        </p:xfrm>
+        <a:graphic>
+          <a:graphicData uri="http://schemas.openxmlformats.org/drawingml/2006/table">
+            <a:tbl>
+              <a:tblPr firstRow="1" bandRow="1">
+                <a:tableStyleId>{5C22544A-7EE6-4342-B048-85BDC9FD1C3A}</a:tableStyleId>
+              </a:tblPr>
+              <a:tblGrid>
+                <a:gridCol w="1219200">
+                  <a:extLst>
+                    <a:ext uri="{9D8B030D-6E8A-4147-A177-3AD203B41FA5}">
+                      <a16:colId xmlns:a16="http://schemas.microsoft.com/office/drawing/2014/main" val="2573763679"/>
+                    </a:ext>
+                  </a:extLst>
+                </a:gridCol>
+                <a:gridCol w="1219200">
+                  <a:extLst>
+                    <a:ext uri="{9D8B030D-6E8A-4147-A177-3AD203B41FA5}">
+                      <a16:colId xmlns:a16="http://schemas.microsoft.com/office/drawing/2014/main" val="2734550608"/>
+                    </a:ext>
+                  </a:extLst>
+                </a:gridCol>
+                <a:gridCol w="1219200">
+                  <a:extLst>
+                    <a:ext uri="{9D8B030D-6E8A-4147-A177-3AD203B41FA5}">
+                      <a16:colId xmlns:a16="http://schemas.microsoft.com/office/drawing/2014/main" val="2810626759"/>
+                    </a:ext>
+                  </a:extLst>
+                </a:gridCol>
+                <a:gridCol w="1219200">
+                  <a:extLst>
+                    <a:ext uri="{9D8B030D-6E8A-4147-A177-3AD203B41FA5}">
+                      <a16:colId xmlns:a16="http://schemas.microsoft.com/office/drawing/2014/main" val="4178593908"/>
+                    </a:ext>
+                  </a:extLst>
+                </a:gridCol>
+                <a:gridCol w="1219200">
+                  <a:extLst>
+                    <a:ext uri="{9D8B030D-6E8A-4147-A177-3AD203B41FA5}">
+                      <a16:colId xmlns:a16="http://schemas.microsoft.com/office/drawing/2014/main" val="286403722"/>
+                    </a:ext>
+                  </a:extLst>
+                </a:gridCol>
+              </a:tblGrid>
+              <a:tr h="370840">
+                <a:tc>
+                  <a:txBody>
+                    <a:bodyPr/>
+                    <a:lstStyle/>
+                    <a:p>
+                      <a:pPr algn="ctr" latinLnBrk="1"/>
+                      <a:endParaRPr lang="ko-KR" altLang="en-US" b="1" dirty="0">
+                        <a:solidFill>
+                          <a:sysClr val="windowText" lastClr="000000"/>
+                        </a:solidFill>
+                      </a:endParaRPr>
+                    </a:p>
+                  </a:txBody>
+                  <a:tcPr>
+                    <a:lnL w="12700" cap="flat" cmpd="sng" algn="ctr">
+                      <a:solidFill>
+                        <a:schemeClr val="tx1"/>
+                      </a:solidFill>
+                      <a:prstDash val="solid"/>
+                      <a:round/>
+                      <a:headEnd type="none" w="med" len="med"/>
+                      <a:tailEnd type="none" w="med" len="med"/>
+                    </a:lnL>
+                    <a:lnR w="12700" cap="flat" cmpd="sng" algn="ctr">
+                      <a:solidFill>
+                        <a:schemeClr val="tx1"/>
+                      </a:solidFill>
+                      <a:prstDash val="solid"/>
+                      <a:round/>
+                      <a:headEnd type="none" w="med" len="med"/>
+                      <a:tailEnd type="none" w="med" len="med"/>
+                    </a:lnR>
+                    <a:lnT w="12700" cap="flat" cmpd="sng" algn="ctr">
+                      <a:solidFill>
+                        <a:schemeClr val="tx1"/>
+                      </a:solidFill>
+                      <a:prstDash val="solid"/>
+                      <a:round/>
+                      <a:headEnd type="none" w="med" len="med"/>
+                      <a:tailEnd type="none" w="med" len="med"/>
+                    </a:lnT>
+                    <a:lnB w="12700" cap="flat" cmpd="sng" algn="ctr">
+                      <a:solidFill>
+                        <a:schemeClr val="tx1"/>
+                      </a:solidFill>
+                      <a:prstDash val="solid"/>
+                      <a:round/>
+                      <a:headEnd type="none" w="med" len="med"/>
+                      <a:tailEnd type="none" w="med" len="med"/>
+                    </a:lnB>
+                    <a:solidFill>
+                      <a:schemeClr val="bg1">
+                        <a:lumMod val="85000"/>
+                      </a:schemeClr>
+                    </a:solidFill>
+                  </a:tcPr>
+                </a:tc>
+                <a:tc>
+                  <a:txBody>
+                    <a:bodyPr/>
+                    <a:lstStyle/>
+                    <a:p>
+                      <a:pPr algn="ctr" latinLnBrk="1"/>
+                      <a:r>
+                        <a:rPr lang="ko-KR" altLang="en-US" dirty="0">
+                          <a:solidFill>
+                            <a:sysClr val="windowText" lastClr="000000"/>
+                          </a:solidFill>
+                        </a:rPr>
+                        <a:t>짜장면</a:t>
+                      </a:r>
+                    </a:p>
+                  </a:txBody>
+                  <a:tcPr>
+                    <a:lnL w="12700" cap="flat" cmpd="sng" algn="ctr">
+                      <a:solidFill>
+                        <a:schemeClr val="tx1"/>
+                      </a:solidFill>
+                      <a:prstDash val="solid"/>
+                      <a:round/>
+                      <a:headEnd type="none" w="med" len="med"/>
+                      <a:tailEnd type="none" w="med" len="med"/>
+                    </a:lnL>
+                    <a:lnR w="12700" cap="flat" cmpd="sng" algn="ctr">
+                      <a:solidFill>
+                        <a:schemeClr val="tx1"/>
+                      </a:solidFill>
+                      <a:prstDash val="solid"/>
+                      <a:round/>
+                      <a:headEnd type="none" w="med" len="med"/>
+                      <a:tailEnd type="none" w="med" len="med"/>
+                    </a:lnR>
+                    <a:lnT w="12700" cap="flat" cmpd="sng" algn="ctr">
+                      <a:solidFill>
+                        <a:schemeClr val="tx1"/>
+                      </a:solidFill>
+                      <a:prstDash val="solid"/>
+                      <a:round/>
+                      <a:headEnd type="none" w="med" len="med"/>
+                      <a:tailEnd type="none" w="med" len="med"/>
+                    </a:lnT>
+                    <a:lnB w="12700" cap="flat" cmpd="sng" algn="ctr">
+                      <a:solidFill>
+                        <a:schemeClr val="tx1"/>
+                      </a:solidFill>
+                      <a:prstDash val="solid"/>
+                      <a:round/>
+                      <a:headEnd type="none" w="med" len="med"/>
+                      <a:tailEnd type="none" w="med" len="med"/>
+                    </a:lnB>
+                    <a:solidFill>
+                      <a:schemeClr val="bg1">
+                        <a:lumMod val="85000"/>
+                      </a:schemeClr>
+                    </a:solidFill>
+                  </a:tcPr>
+                </a:tc>
+                <a:tc>
+                  <a:txBody>
+                    <a:bodyPr/>
+                    <a:lstStyle/>
+                    <a:p>
+                      <a:pPr algn="ctr" latinLnBrk="1"/>
+                      <a:r>
+                        <a:rPr lang="ko-KR" altLang="en-US" dirty="0">
+                          <a:solidFill>
+                            <a:sysClr val="windowText" lastClr="000000"/>
+                          </a:solidFill>
+                        </a:rPr>
+                        <a:t>짬뽕</a:t>
+                      </a:r>
+                    </a:p>
+                  </a:txBody>
+                  <a:tcPr>
+                    <a:lnL w="12700" cap="flat" cmpd="sng" algn="ctr">
+                      <a:solidFill>
+                        <a:schemeClr val="tx1"/>
+                      </a:solidFill>
+                      <a:prstDash val="solid"/>
+                      <a:round/>
+                      <a:headEnd type="none" w="med" len="med"/>
+                      <a:tailEnd type="none" w="med" len="med"/>
+                    </a:lnL>
+                    <a:lnR w="12700" cap="flat" cmpd="sng" algn="ctr">
+                      <a:solidFill>
+                        <a:schemeClr val="tx1"/>
+                      </a:solidFill>
+                      <a:prstDash val="solid"/>
+                      <a:round/>
+                      <a:headEnd type="none" w="med" len="med"/>
+                      <a:tailEnd type="none" w="med" len="med"/>
+                    </a:lnR>
+                    <a:lnT w="12700" cap="flat" cmpd="sng" algn="ctr">
+                      <a:solidFill>
+                        <a:schemeClr val="tx1"/>
+                      </a:solidFill>
+                      <a:prstDash val="solid"/>
+                      <a:round/>
+                      <a:headEnd type="none" w="med" len="med"/>
+                      <a:tailEnd type="none" w="med" len="med"/>
+                    </a:lnT>
+                    <a:lnB w="12700" cap="flat" cmpd="sng" algn="ctr">
+                      <a:solidFill>
+                        <a:schemeClr val="tx1"/>
+                      </a:solidFill>
+                      <a:prstDash val="solid"/>
+                      <a:round/>
+                      <a:headEnd type="none" w="med" len="med"/>
+                      <a:tailEnd type="none" w="med" len="med"/>
+                    </a:lnB>
+                    <a:solidFill>
+                      <a:schemeClr val="bg1">
+                        <a:lumMod val="85000"/>
+                      </a:schemeClr>
+                    </a:solidFill>
+                  </a:tcPr>
+                </a:tc>
+                <a:tc>
+                  <a:txBody>
+                    <a:bodyPr/>
+                    <a:lstStyle/>
+                    <a:p>
+                      <a:pPr algn="ctr" latinLnBrk="1"/>
+                      <a:r>
+                        <a:rPr lang="ko-KR" altLang="en-US" dirty="0">
+                          <a:solidFill>
+                            <a:sysClr val="windowText" lastClr="000000"/>
+                          </a:solidFill>
+                        </a:rPr>
+                        <a:t>마라탕</a:t>
+                      </a:r>
+                    </a:p>
+                  </a:txBody>
+                  <a:tcPr>
+                    <a:lnL w="12700" cap="flat" cmpd="sng" algn="ctr">
+                      <a:solidFill>
+                        <a:schemeClr val="tx1"/>
+                      </a:solidFill>
+                      <a:prstDash val="solid"/>
+                      <a:round/>
+                      <a:headEnd type="none" w="med" len="med"/>
+                      <a:tailEnd type="none" w="med" len="med"/>
+                    </a:lnL>
+                    <a:lnR w="12700" cap="flat" cmpd="sng" algn="ctr">
+                      <a:solidFill>
+                        <a:schemeClr val="tx1"/>
+                      </a:solidFill>
+                      <a:prstDash val="solid"/>
+                      <a:round/>
+                      <a:headEnd type="none" w="med" len="med"/>
+                      <a:tailEnd type="none" w="med" len="med"/>
+                    </a:lnR>
+                    <a:lnT w="12700" cap="flat" cmpd="sng" algn="ctr">
+                      <a:solidFill>
+                        <a:schemeClr val="tx1"/>
+                      </a:solidFill>
+                      <a:prstDash val="solid"/>
+                      <a:round/>
+                      <a:headEnd type="none" w="med" len="med"/>
+                      <a:tailEnd type="none" w="med" len="med"/>
+                    </a:lnT>
+                    <a:lnB w="12700" cap="flat" cmpd="sng" algn="ctr">
+                      <a:solidFill>
+                        <a:schemeClr val="tx1"/>
+                      </a:solidFill>
+                      <a:prstDash val="solid"/>
+                      <a:round/>
+                      <a:headEnd type="none" w="med" len="med"/>
+                      <a:tailEnd type="none" w="med" len="med"/>
+                    </a:lnB>
+                    <a:solidFill>
+                      <a:schemeClr val="bg1">
+                        <a:lumMod val="85000"/>
+                      </a:schemeClr>
+                    </a:solidFill>
+                  </a:tcPr>
+                </a:tc>
+                <a:tc>
+                  <a:txBody>
+                    <a:bodyPr/>
+                    <a:lstStyle/>
+                    <a:p>
+                      <a:pPr algn="ctr" latinLnBrk="1"/>
+                      <a:r>
+                        <a:rPr lang="ko-KR" altLang="en-US" dirty="0">
+                          <a:solidFill>
+                            <a:sysClr val="windowText" lastClr="000000"/>
+                          </a:solidFill>
+                        </a:rPr>
+                        <a:t>합계</a:t>
+                      </a:r>
+                    </a:p>
+                  </a:txBody>
+                  <a:tcPr>
+                    <a:lnL w="12700" cap="flat" cmpd="sng" algn="ctr">
+                      <a:solidFill>
+                        <a:schemeClr val="tx1"/>
+                      </a:solidFill>
+                      <a:prstDash val="solid"/>
+                      <a:round/>
+                      <a:headEnd type="none" w="med" len="med"/>
+                      <a:tailEnd type="none" w="med" len="med"/>
+                    </a:lnL>
+                    <a:lnR w="12700" cap="flat" cmpd="sng" algn="ctr">
+                      <a:solidFill>
+                        <a:schemeClr val="tx1"/>
+                      </a:solidFill>
+                      <a:prstDash val="solid"/>
+                      <a:round/>
+                      <a:headEnd type="none" w="med" len="med"/>
+                      <a:tailEnd type="none" w="med" len="med"/>
+                    </a:lnR>
+                    <a:lnT w="12700" cap="flat" cmpd="sng" algn="ctr">
+                      <a:solidFill>
+                        <a:schemeClr val="tx1"/>
+                      </a:solidFill>
+                      <a:prstDash val="solid"/>
+                      <a:round/>
+                      <a:headEnd type="none" w="med" len="med"/>
+                      <a:tailEnd type="none" w="med" len="med"/>
+                    </a:lnT>
+                    <a:lnB w="12700" cap="flat" cmpd="sng" algn="ctr">
+                      <a:solidFill>
+                        <a:schemeClr val="tx1"/>
+                      </a:solidFill>
+                      <a:prstDash val="solid"/>
+                      <a:round/>
+                      <a:headEnd type="none" w="med" len="med"/>
+                      <a:tailEnd type="none" w="med" len="med"/>
+                    </a:lnB>
+                    <a:solidFill>
+                      <a:schemeClr val="bg1">
+                        <a:lumMod val="85000"/>
+                      </a:schemeClr>
+                    </a:solidFill>
+                  </a:tcPr>
+                </a:tc>
+                <a:extLst>
+                  <a:ext uri="{0D108BD9-81ED-4DB2-BD59-A6C34878D82A}">
+                    <a16:rowId xmlns:a16="http://schemas.microsoft.com/office/drawing/2014/main" val="437292405"/>
+                  </a:ext>
+                </a:extLst>
+              </a:tr>
+              <a:tr h="370840">
+                <a:tc>
+                  <a:txBody>
+                    <a:bodyPr/>
+                    <a:lstStyle/>
+                    <a:p>
+                      <a:pPr algn="ctr" latinLnBrk="1"/>
+                      <a:r>
+                        <a:rPr lang="ko-KR" altLang="en-US" b="1" dirty="0">
+                          <a:solidFill>
+                            <a:sysClr val="windowText" lastClr="000000"/>
+                          </a:solidFill>
+                        </a:rPr>
+                        <a:t>남학생</a:t>
+                      </a:r>
+                    </a:p>
+                  </a:txBody>
+                  <a:tcPr>
+                    <a:lnL w="12700" cap="flat" cmpd="sng" algn="ctr">
+                      <a:solidFill>
+                        <a:schemeClr val="tx1"/>
+                      </a:solidFill>
+                      <a:prstDash val="solid"/>
+                      <a:round/>
+                      <a:headEnd type="none" w="med" len="med"/>
+                      <a:tailEnd type="none" w="med" len="med"/>
+                    </a:lnL>
+                    <a:lnR w="12700" cap="flat" cmpd="sng" algn="ctr">
+                      <a:solidFill>
+                        <a:schemeClr val="tx1"/>
+                      </a:solidFill>
+                      <a:prstDash val="solid"/>
+                      <a:round/>
+                      <a:headEnd type="none" w="med" len="med"/>
+                      <a:tailEnd type="none" w="med" len="med"/>
+                    </a:lnR>
+                    <a:lnT w="12700" cap="flat" cmpd="sng" algn="ctr">
+                      <a:solidFill>
+                        <a:schemeClr val="tx1"/>
+                      </a:solidFill>
+                      <a:prstDash val="solid"/>
+                      <a:round/>
+                      <a:headEnd type="none" w="med" len="med"/>
+                      <a:tailEnd type="none" w="med" len="med"/>
+                    </a:lnT>
+                    <a:lnB w="12700" cap="flat" cmpd="sng" algn="ctr">
+                      <a:solidFill>
+                        <a:schemeClr val="tx1"/>
+                      </a:solidFill>
+                      <a:prstDash val="solid"/>
+                      <a:round/>
+                      <a:headEnd type="none" w="med" len="med"/>
+                      <a:tailEnd type="none" w="med" len="med"/>
+                    </a:lnB>
+                    <a:solidFill>
+                      <a:schemeClr val="bg1">
+                        <a:lumMod val="85000"/>
+                      </a:schemeClr>
+                    </a:solidFill>
+                  </a:tcPr>
+                </a:tc>
+                <a:tc>
+                  <a:txBody>
+                    <a:bodyPr/>
+                    <a:lstStyle/>
+                    <a:p>
+                      <a:pPr algn="ctr" latinLnBrk="1"/>
+                      <a:r>
+                        <a:rPr lang="en-US" altLang="ko-KR" dirty="0">
+                          <a:solidFill>
+                            <a:sysClr val="windowText" lastClr="000000"/>
+                          </a:solidFill>
+                        </a:rPr>
+                        <a:t>21(17.41)</a:t>
+                      </a:r>
+                      <a:endParaRPr lang="ko-KR" altLang="en-US" dirty="0">
+                        <a:solidFill>
+                          <a:sysClr val="windowText" lastClr="000000"/>
+                        </a:solidFill>
+                      </a:endParaRPr>
+                    </a:p>
+                  </a:txBody>
+                  <a:tcPr>
+                    <a:lnL w="12700" cap="flat" cmpd="sng" algn="ctr">
+                      <a:solidFill>
+                        <a:schemeClr val="tx1"/>
+                      </a:solidFill>
+                      <a:prstDash val="solid"/>
+                      <a:round/>
+                      <a:headEnd type="none" w="med" len="med"/>
+                      <a:tailEnd type="none" w="med" len="med"/>
+                    </a:lnL>
+                    <a:lnR w="12700" cap="flat" cmpd="sng" algn="ctr">
+                      <a:solidFill>
+                        <a:schemeClr val="tx1"/>
+                      </a:solidFill>
+                      <a:prstDash val="solid"/>
+                      <a:round/>
+                      <a:headEnd type="none" w="med" len="med"/>
+                      <a:tailEnd type="none" w="med" len="med"/>
+                    </a:lnR>
+                    <a:lnT w="12700" cap="flat" cmpd="sng" algn="ctr">
+                      <a:solidFill>
+                        <a:schemeClr val="tx1"/>
+                      </a:solidFill>
+                      <a:prstDash val="solid"/>
+                      <a:round/>
+                      <a:headEnd type="none" w="med" len="med"/>
+                      <a:tailEnd type="none" w="med" len="med"/>
+                    </a:lnT>
+                    <a:lnB w="12700" cap="flat" cmpd="sng" algn="ctr">
+                      <a:solidFill>
+                        <a:schemeClr val="tx1"/>
+                      </a:solidFill>
+                      <a:prstDash val="solid"/>
+                      <a:round/>
+                      <a:headEnd type="none" w="med" len="med"/>
+                      <a:tailEnd type="none" w="med" len="med"/>
+                    </a:lnB>
+                    <a:solidFill>
+                      <a:schemeClr val="bg1"/>
+                    </a:solidFill>
+                  </a:tcPr>
+                </a:tc>
+                <a:tc>
+                  <a:txBody>
+                    <a:bodyPr/>
+                    <a:lstStyle/>
+                    <a:p>
+                      <a:pPr algn="ctr" latinLnBrk="1"/>
+                      <a:r>
+                        <a:rPr lang="en-US" altLang="ko-KR" dirty="0">
+                          <a:solidFill>
+                            <a:sysClr val="windowText" lastClr="000000"/>
+                          </a:solidFill>
+                        </a:rPr>
+                        <a:t>13(13.18)</a:t>
+                      </a:r>
+                      <a:endParaRPr lang="ko-KR" altLang="en-US" dirty="0">
+                        <a:solidFill>
+                          <a:sysClr val="windowText" lastClr="000000"/>
+                        </a:solidFill>
+                      </a:endParaRPr>
+                    </a:p>
+                  </a:txBody>
+                  <a:tcPr>
+                    <a:lnL w="12700" cap="flat" cmpd="sng" algn="ctr">
+                      <a:solidFill>
+                        <a:schemeClr val="tx1"/>
+                      </a:solidFill>
+                      <a:prstDash val="solid"/>
+                      <a:round/>
+                      <a:headEnd type="none" w="med" len="med"/>
+                      <a:tailEnd type="none" w="med" len="med"/>
+                    </a:lnL>
+                    <a:lnR w="12700" cap="flat" cmpd="sng" algn="ctr">
+                      <a:solidFill>
+                        <a:schemeClr val="tx1"/>
+                      </a:solidFill>
+                      <a:prstDash val="solid"/>
+                      <a:round/>
+                      <a:headEnd type="none" w="med" len="med"/>
+                      <a:tailEnd type="none" w="med" len="med"/>
+                    </a:lnR>
+                    <a:lnT w="12700" cap="flat" cmpd="sng" algn="ctr">
+                      <a:solidFill>
+                        <a:schemeClr val="tx1"/>
+                      </a:solidFill>
+                      <a:prstDash val="solid"/>
+                      <a:round/>
+                      <a:headEnd type="none" w="med" len="med"/>
+                      <a:tailEnd type="none" w="med" len="med"/>
+                    </a:lnT>
+                    <a:lnB w="12700" cap="flat" cmpd="sng" algn="ctr">
+                      <a:solidFill>
+                        <a:schemeClr val="tx1"/>
+                      </a:solidFill>
+                      <a:prstDash val="solid"/>
+                      <a:round/>
+                      <a:headEnd type="none" w="med" len="med"/>
+                      <a:tailEnd type="none" w="med" len="med"/>
+                    </a:lnB>
+                    <a:solidFill>
+                      <a:schemeClr val="bg1"/>
+                    </a:solidFill>
+                  </a:tcPr>
+                </a:tc>
+                <a:tc>
+                  <a:txBody>
+                    <a:bodyPr/>
+                    <a:lstStyle/>
+                    <a:p>
+                      <a:pPr algn="ctr" latinLnBrk="1"/>
+                      <a:r>
+                        <a:rPr lang="en-US" altLang="ko-KR" dirty="0">
+                          <a:solidFill>
+                            <a:sysClr val="windowText" lastClr="000000"/>
+                          </a:solidFill>
+                        </a:rPr>
+                        <a:t>6(9.41)</a:t>
+                      </a:r>
+                      <a:endParaRPr lang="ko-KR" altLang="en-US" dirty="0">
+                        <a:solidFill>
+                          <a:sysClr val="windowText" lastClr="000000"/>
+                        </a:solidFill>
+                      </a:endParaRPr>
+                    </a:p>
+                  </a:txBody>
+                  <a:tcPr>
+                    <a:lnL w="12700" cap="flat" cmpd="sng" algn="ctr">
+                      <a:solidFill>
+                        <a:schemeClr val="tx1"/>
+                      </a:solidFill>
+                      <a:prstDash val="solid"/>
+                      <a:round/>
+                      <a:headEnd type="none" w="med" len="med"/>
+                      <a:tailEnd type="none" w="med" len="med"/>
+                    </a:lnL>
+                    <a:lnR w="12700" cap="flat" cmpd="sng" algn="ctr">
+                      <a:solidFill>
+                        <a:schemeClr val="tx1"/>
+                      </a:solidFill>
+                      <a:prstDash val="solid"/>
+                      <a:round/>
+                      <a:headEnd type="none" w="med" len="med"/>
+                      <a:tailEnd type="none" w="med" len="med"/>
+                    </a:lnR>
+                    <a:lnT w="12700" cap="flat" cmpd="sng" algn="ctr">
+                      <a:solidFill>
+                        <a:schemeClr val="tx1"/>
+                      </a:solidFill>
+                      <a:prstDash val="solid"/>
+                      <a:round/>
+                      <a:headEnd type="none" w="med" len="med"/>
+                      <a:tailEnd type="none" w="med" len="med"/>
+                    </a:lnT>
+                    <a:lnB w="12700" cap="flat" cmpd="sng" algn="ctr">
+                      <a:solidFill>
+                        <a:schemeClr val="tx1"/>
+                      </a:solidFill>
+                      <a:prstDash val="solid"/>
+                      <a:round/>
+                      <a:headEnd type="none" w="med" len="med"/>
+                      <a:tailEnd type="none" w="med" len="med"/>
+                    </a:lnB>
+                    <a:solidFill>
+                      <a:schemeClr val="bg1"/>
+                    </a:solidFill>
+                  </a:tcPr>
+                </a:tc>
+                <a:tc>
+                  <a:txBody>
+                    <a:bodyPr/>
+                    <a:lstStyle/>
+                    <a:p>
+                      <a:pPr algn="ctr" latinLnBrk="1"/>
+                      <a:r>
+                        <a:rPr lang="en-US" altLang="ko-KR" dirty="0">
+                          <a:solidFill>
+                            <a:sysClr val="windowText" lastClr="000000"/>
+                          </a:solidFill>
+                        </a:rPr>
+                        <a:t>40</a:t>
+                      </a:r>
+                      <a:endParaRPr lang="ko-KR" altLang="en-US" dirty="0">
+                        <a:solidFill>
+                          <a:sysClr val="windowText" lastClr="000000"/>
+                        </a:solidFill>
+                      </a:endParaRPr>
+                    </a:p>
+                  </a:txBody>
+                  <a:tcPr>
+                    <a:lnL w="12700" cap="flat" cmpd="sng" algn="ctr">
+                      <a:solidFill>
+                        <a:schemeClr val="tx1"/>
+                      </a:solidFill>
+                      <a:prstDash val="solid"/>
+                      <a:round/>
+                      <a:headEnd type="none" w="med" len="med"/>
+                      <a:tailEnd type="none" w="med" len="med"/>
+                    </a:lnL>
+                    <a:lnR w="12700" cap="flat" cmpd="sng" algn="ctr">
+                      <a:solidFill>
+                        <a:schemeClr val="tx1"/>
+                      </a:solidFill>
+                      <a:prstDash val="solid"/>
+                      <a:round/>
+                      <a:headEnd type="none" w="med" len="med"/>
+                      <a:tailEnd type="none" w="med" len="med"/>
+                    </a:lnR>
+                    <a:lnT w="12700" cap="flat" cmpd="sng" algn="ctr">
+                      <a:solidFill>
+                        <a:schemeClr val="tx1"/>
+                      </a:solidFill>
+                      <a:prstDash val="solid"/>
+                      <a:round/>
+                      <a:headEnd type="none" w="med" len="med"/>
+                      <a:tailEnd type="none" w="med" len="med"/>
+                    </a:lnT>
+                    <a:lnB w="12700" cap="flat" cmpd="sng" algn="ctr">
+                      <a:solidFill>
+                        <a:schemeClr val="tx1"/>
+                      </a:solidFill>
+                      <a:prstDash val="solid"/>
+                      <a:round/>
+                      <a:headEnd type="none" w="med" len="med"/>
+                      <a:tailEnd type="none" w="med" len="med"/>
+                    </a:lnB>
+                    <a:solidFill>
+                      <a:schemeClr val="bg1"/>
+                    </a:solidFill>
+                  </a:tcPr>
+                </a:tc>
+                <a:extLst>
+                  <a:ext uri="{0D108BD9-81ED-4DB2-BD59-A6C34878D82A}">
+                    <a16:rowId xmlns:a16="http://schemas.microsoft.com/office/drawing/2014/main" val="904916911"/>
+                  </a:ext>
+                </a:extLst>
+              </a:tr>
+              <a:tr h="370840">
+                <a:tc>
+                  <a:txBody>
+                    <a:bodyPr/>
+                    <a:lstStyle/>
+                    <a:p>
+                      <a:pPr algn="ctr" latinLnBrk="1"/>
+                      <a:r>
+                        <a:rPr lang="ko-KR" altLang="en-US" b="1" dirty="0">
+                          <a:solidFill>
+                            <a:sysClr val="windowText" lastClr="000000"/>
+                          </a:solidFill>
+                        </a:rPr>
+                        <a:t>여학생</a:t>
+                      </a:r>
+                    </a:p>
+                  </a:txBody>
+                  <a:tcPr>
+                    <a:lnL w="12700" cap="flat" cmpd="sng" algn="ctr">
+                      <a:solidFill>
+                        <a:schemeClr val="tx1"/>
+                      </a:solidFill>
+                      <a:prstDash val="solid"/>
+                      <a:round/>
+                      <a:headEnd type="none" w="med" len="med"/>
+                      <a:tailEnd type="none" w="med" len="med"/>
+                    </a:lnL>
+                    <a:lnR w="12700" cap="flat" cmpd="sng" algn="ctr">
+                      <a:solidFill>
+                        <a:schemeClr val="tx1"/>
+                      </a:solidFill>
+                      <a:prstDash val="solid"/>
+                      <a:round/>
+                      <a:headEnd type="none" w="med" len="med"/>
+                      <a:tailEnd type="none" w="med" len="med"/>
+                    </a:lnR>
+                    <a:lnT w="12700" cap="flat" cmpd="sng" algn="ctr">
+                      <a:solidFill>
+                        <a:schemeClr val="tx1"/>
+                      </a:solidFill>
+                      <a:prstDash val="solid"/>
+                      <a:round/>
+                      <a:headEnd type="none" w="med" len="med"/>
+                      <a:tailEnd type="none" w="med" len="med"/>
+                    </a:lnT>
+                    <a:lnB w="12700" cap="flat" cmpd="sng" algn="ctr">
+                      <a:solidFill>
+                        <a:schemeClr val="tx1"/>
+                      </a:solidFill>
+                      <a:prstDash val="solid"/>
+                      <a:round/>
+                      <a:headEnd type="none" w="med" len="med"/>
+                      <a:tailEnd type="none" w="med" len="med"/>
+                    </a:lnB>
+                    <a:solidFill>
+                      <a:schemeClr val="bg1">
+                        <a:lumMod val="85000"/>
+                      </a:schemeClr>
+                    </a:solidFill>
+                  </a:tcPr>
+                </a:tc>
+                <a:tc>
+                  <a:txBody>
+                    <a:bodyPr/>
+                    <a:lstStyle/>
+                    <a:p>
+                      <a:pPr algn="ctr" latinLnBrk="1"/>
+                      <a:r>
+                        <a:rPr lang="en-US" altLang="ko-KR" dirty="0">
+                          <a:solidFill>
+                            <a:sysClr val="windowText" lastClr="000000"/>
+                          </a:solidFill>
+                        </a:rPr>
+                        <a:t>16(19.59)</a:t>
+                      </a:r>
+                      <a:endParaRPr lang="ko-KR" altLang="en-US" dirty="0">
+                        <a:solidFill>
+                          <a:sysClr val="windowText" lastClr="000000"/>
+                        </a:solidFill>
+                      </a:endParaRPr>
+                    </a:p>
+                  </a:txBody>
+                  <a:tcPr>
+                    <a:lnL w="12700" cap="flat" cmpd="sng" algn="ctr">
+                      <a:solidFill>
+                        <a:schemeClr val="tx1"/>
+                      </a:solidFill>
+                      <a:prstDash val="solid"/>
+                      <a:round/>
+                      <a:headEnd type="none" w="med" len="med"/>
+                      <a:tailEnd type="none" w="med" len="med"/>
+                    </a:lnL>
+                    <a:lnR w="12700" cap="flat" cmpd="sng" algn="ctr">
+                      <a:solidFill>
+                        <a:schemeClr val="tx1"/>
+                      </a:solidFill>
+                      <a:prstDash val="solid"/>
+                      <a:round/>
+                      <a:headEnd type="none" w="med" len="med"/>
+                      <a:tailEnd type="none" w="med" len="med"/>
+                    </a:lnR>
+                    <a:lnT w="12700" cap="flat" cmpd="sng" algn="ctr">
+                      <a:solidFill>
+                        <a:schemeClr val="tx1"/>
+                      </a:solidFill>
+                      <a:prstDash val="solid"/>
+                      <a:round/>
+                      <a:headEnd type="none" w="med" len="med"/>
+                      <a:tailEnd type="none" w="med" len="med"/>
+                    </a:lnT>
+                    <a:lnB w="12700" cap="flat" cmpd="sng" algn="ctr">
+                      <a:solidFill>
+                        <a:schemeClr val="tx1"/>
+                      </a:solidFill>
+                      <a:prstDash val="solid"/>
+                      <a:round/>
+                      <a:headEnd type="none" w="med" len="med"/>
+                      <a:tailEnd type="none" w="med" len="med"/>
+                    </a:lnB>
+                    <a:solidFill>
+                      <a:schemeClr val="bg1"/>
+                    </a:solidFill>
+                  </a:tcPr>
+                </a:tc>
+                <a:tc>
+                  <a:txBody>
+                    <a:bodyPr/>
+                    <a:lstStyle/>
+                    <a:p>
+                      <a:pPr algn="ctr" latinLnBrk="1"/>
+                      <a:r>
+                        <a:rPr lang="en-US" altLang="ko-KR" dirty="0">
+                          <a:solidFill>
+                            <a:sysClr val="windowText" lastClr="000000"/>
+                          </a:solidFill>
+                        </a:rPr>
+                        <a:t>15(14.82)</a:t>
+                      </a:r>
+                      <a:endParaRPr lang="ko-KR" altLang="en-US" dirty="0">
+                        <a:solidFill>
+                          <a:sysClr val="windowText" lastClr="000000"/>
+                        </a:solidFill>
+                      </a:endParaRPr>
+                    </a:p>
+                  </a:txBody>
+                  <a:tcPr>
+                    <a:lnL w="12700" cap="flat" cmpd="sng" algn="ctr">
+                      <a:solidFill>
+                        <a:schemeClr val="tx1"/>
+                      </a:solidFill>
+                      <a:prstDash val="solid"/>
+                      <a:round/>
+                      <a:headEnd type="none" w="med" len="med"/>
+                      <a:tailEnd type="none" w="med" len="med"/>
+                    </a:lnL>
+                    <a:lnR w="12700" cap="flat" cmpd="sng" algn="ctr">
+                      <a:solidFill>
+                        <a:schemeClr val="tx1"/>
+                      </a:solidFill>
+                      <a:prstDash val="solid"/>
+                      <a:round/>
+                      <a:headEnd type="none" w="med" len="med"/>
+                      <a:tailEnd type="none" w="med" len="med"/>
+                    </a:lnR>
+                    <a:lnT w="12700" cap="flat" cmpd="sng" algn="ctr">
+                      <a:solidFill>
+                        <a:schemeClr val="tx1"/>
+                      </a:solidFill>
+                      <a:prstDash val="solid"/>
+                      <a:round/>
+                      <a:headEnd type="none" w="med" len="med"/>
+                      <a:tailEnd type="none" w="med" len="med"/>
+                    </a:lnT>
+                    <a:lnB w="12700" cap="flat" cmpd="sng" algn="ctr">
+                      <a:solidFill>
+                        <a:schemeClr val="tx1"/>
+                      </a:solidFill>
+                      <a:prstDash val="solid"/>
+                      <a:round/>
+                      <a:headEnd type="none" w="med" len="med"/>
+                      <a:tailEnd type="none" w="med" len="med"/>
+                    </a:lnB>
+                    <a:solidFill>
+                      <a:schemeClr val="bg1"/>
+                    </a:solidFill>
+                  </a:tcPr>
+                </a:tc>
+                <a:tc>
+                  <a:txBody>
+                    <a:bodyPr/>
+                    <a:lstStyle/>
+                    <a:p>
+                      <a:pPr algn="ctr" latinLnBrk="1"/>
+                      <a:r>
+                        <a:rPr lang="en-US" altLang="ko-KR" dirty="0">
+                          <a:solidFill>
+                            <a:sysClr val="windowText" lastClr="000000"/>
+                          </a:solidFill>
+                        </a:rPr>
+                        <a:t>14(10.59)</a:t>
+                      </a:r>
+                      <a:endParaRPr lang="ko-KR" altLang="en-US" dirty="0">
+                        <a:solidFill>
+                          <a:sysClr val="windowText" lastClr="000000"/>
+                        </a:solidFill>
+                      </a:endParaRPr>
+                    </a:p>
+                  </a:txBody>
+                  <a:tcPr>
+                    <a:lnL w="12700" cap="flat" cmpd="sng" algn="ctr">
+                      <a:solidFill>
+                        <a:schemeClr val="tx1"/>
+                      </a:solidFill>
+                      <a:prstDash val="solid"/>
+                      <a:round/>
+                      <a:headEnd type="none" w="med" len="med"/>
+                      <a:tailEnd type="none" w="med" len="med"/>
+                    </a:lnL>
+                    <a:lnR w="12700" cap="flat" cmpd="sng" algn="ctr">
+                      <a:solidFill>
+                        <a:schemeClr val="tx1"/>
+                      </a:solidFill>
+                      <a:prstDash val="solid"/>
+                      <a:round/>
+                      <a:headEnd type="none" w="med" len="med"/>
+                      <a:tailEnd type="none" w="med" len="med"/>
+                    </a:lnR>
+                    <a:lnT w="12700" cap="flat" cmpd="sng" algn="ctr">
+                      <a:solidFill>
+                        <a:schemeClr val="tx1"/>
+                      </a:solidFill>
+                      <a:prstDash val="solid"/>
+                      <a:round/>
+                      <a:headEnd type="none" w="med" len="med"/>
+                      <a:tailEnd type="none" w="med" len="med"/>
+                    </a:lnT>
+                    <a:lnB w="12700" cap="flat" cmpd="sng" algn="ctr">
+                      <a:solidFill>
+                        <a:schemeClr val="tx1"/>
+                      </a:solidFill>
+                      <a:prstDash val="solid"/>
+                      <a:round/>
+                      <a:headEnd type="none" w="med" len="med"/>
+                      <a:tailEnd type="none" w="med" len="med"/>
+                    </a:lnB>
+                    <a:solidFill>
+                      <a:schemeClr val="bg1"/>
+                    </a:solidFill>
+                  </a:tcPr>
+                </a:tc>
+                <a:tc>
+                  <a:txBody>
+                    <a:bodyPr/>
+                    <a:lstStyle/>
+                    <a:p>
+                      <a:pPr algn="ctr" latinLnBrk="1"/>
+                      <a:r>
+                        <a:rPr lang="en-US" altLang="ko-KR" dirty="0">
+                          <a:solidFill>
+                            <a:sysClr val="windowText" lastClr="000000"/>
+                          </a:solidFill>
+                        </a:rPr>
+                        <a:t>45</a:t>
+                      </a:r>
+                      <a:endParaRPr lang="ko-KR" altLang="en-US" dirty="0">
+                        <a:solidFill>
+                          <a:sysClr val="windowText" lastClr="000000"/>
+                        </a:solidFill>
+                      </a:endParaRPr>
+                    </a:p>
+                  </a:txBody>
+                  <a:tcPr>
+                    <a:lnL w="12700" cap="flat" cmpd="sng" algn="ctr">
+                      <a:solidFill>
+                        <a:schemeClr val="tx1"/>
+                      </a:solidFill>
+                      <a:prstDash val="solid"/>
+                      <a:round/>
+                      <a:headEnd type="none" w="med" len="med"/>
+                      <a:tailEnd type="none" w="med" len="med"/>
+                    </a:lnL>
+                    <a:lnR w="12700" cap="flat" cmpd="sng" algn="ctr">
+                      <a:solidFill>
+                        <a:schemeClr val="tx1"/>
+                      </a:solidFill>
+                      <a:prstDash val="solid"/>
+                      <a:round/>
+                      <a:headEnd type="none" w="med" len="med"/>
+                      <a:tailEnd type="none" w="med" len="med"/>
+                    </a:lnR>
+                    <a:lnT w="12700" cap="flat" cmpd="sng" algn="ctr">
+                      <a:solidFill>
+                        <a:schemeClr val="tx1"/>
+                      </a:solidFill>
+                      <a:prstDash val="solid"/>
+                      <a:round/>
+                      <a:headEnd type="none" w="med" len="med"/>
+                      <a:tailEnd type="none" w="med" len="med"/>
+                    </a:lnT>
+                    <a:lnB w="12700" cap="flat" cmpd="sng" algn="ctr">
+                      <a:solidFill>
+                        <a:schemeClr val="tx1"/>
+                      </a:solidFill>
+                      <a:prstDash val="solid"/>
+                      <a:round/>
+                      <a:headEnd type="none" w="med" len="med"/>
+                      <a:tailEnd type="none" w="med" len="med"/>
+                    </a:lnB>
+                    <a:solidFill>
+                      <a:schemeClr val="bg1"/>
+                    </a:solidFill>
+                  </a:tcPr>
+                </a:tc>
+                <a:extLst>
+                  <a:ext uri="{0D108BD9-81ED-4DB2-BD59-A6C34878D82A}">
+                    <a16:rowId xmlns:a16="http://schemas.microsoft.com/office/drawing/2014/main" val="3198870905"/>
+                  </a:ext>
+                </a:extLst>
+              </a:tr>
+              <a:tr h="370840">
+                <a:tc>
+                  <a:txBody>
+                    <a:bodyPr/>
+                    <a:lstStyle/>
+                    <a:p>
+                      <a:pPr algn="ctr" latinLnBrk="1"/>
+                      <a:r>
+                        <a:rPr lang="ko-KR" altLang="en-US" b="1" dirty="0">
+                          <a:solidFill>
+                            <a:sysClr val="windowText" lastClr="000000"/>
+                          </a:solidFill>
+                        </a:rPr>
+                        <a:t>합계</a:t>
+                      </a:r>
+                    </a:p>
+                  </a:txBody>
+                  <a:tcPr>
+                    <a:lnL w="12700" cap="flat" cmpd="sng" algn="ctr">
+                      <a:solidFill>
+                        <a:schemeClr val="tx1"/>
+                      </a:solidFill>
+                      <a:prstDash val="solid"/>
+                      <a:round/>
+                      <a:headEnd type="none" w="med" len="med"/>
+                      <a:tailEnd type="none" w="med" len="med"/>
+                    </a:lnL>
+                    <a:lnR w="12700" cap="flat" cmpd="sng" algn="ctr">
+                      <a:solidFill>
+                        <a:schemeClr val="tx1"/>
+                      </a:solidFill>
+                      <a:prstDash val="solid"/>
+                      <a:round/>
+                      <a:headEnd type="none" w="med" len="med"/>
+                      <a:tailEnd type="none" w="med" len="med"/>
+                    </a:lnR>
+                    <a:lnT w="12700" cap="flat" cmpd="sng" algn="ctr">
+                      <a:solidFill>
+                        <a:schemeClr val="tx1"/>
+                      </a:solidFill>
+                      <a:prstDash val="solid"/>
+                      <a:round/>
+                      <a:headEnd type="none" w="med" len="med"/>
+                      <a:tailEnd type="none" w="med" len="med"/>
+                    </a:lnT>
+                    <a:lnB w="12700" cap="flat" cmpd="sng" algn="ctr">
+                      <a:solidFill>
+                        <a:schemeClr val="tx1"/>
+                      </a:solidFill>
+                      <a:prstDash val="solid"/>
+                      <a:round/>
+                      <a:headEnd type="none" w="med" len="med"/>
+                      <a:tailEnd type="none" w="med" len="med"/>
+                    </a:lnB>
+                    <a:solidFill>
+                      <a:schemeClr val="bg1">
+                        <a:lumMod val="85000"/>
+                      </a:schemeClr>
+                    </a:solidFill>
+                  </a:tcPr>
+                </a:tc>
+                <a:tc>
+                  <a:txBody>
+                    <a:bodyPr/>
+                    <a:lstStyle/>
+                    <a:p>
+                      <a:pPr algn="ctr" latinLnBrk="1"/>
+                      <a:r>
+                        <a:rPr lang="en-US" altLang="ko-KR" dirty="0">
+                          <a:solidFill>
+                            <a:sysClr val="windowText" lastClr="000000"/>
+                          </a:solidFill>
+                        </a:rPr>
+                        <a:t>37</a:t>
+                      </a:r>
+                      <a:endParaRPr lang="ko-KR" altLang="en-US" dirty="0">
+                        <a:solidFill>
+                          <a:sysClr val="windowText" lastClr="000000"/>
+                        </a:solidFill>
+                      </a:endParaRPr>
+                    </a:p>
+                  </a:txBody>
+                  <a:tcPr>
+                    <a:lnL w="12700" cap="flat" cmpd="sng" algn="ctr">
+                      <a:solidFill>
+                        <a:schemeClr val="tx1"/>
+                      </a:solidFill>
+                      <a:prstDash val="solid"/>
+                      <a:round/>
+                      <a:headEnd type="none" w="med" len="med"/>
+                      <a:tailEnd type="none" w="med" len="med"/>
+                    </a:lnL>
+                    <a:lnR w="12700" cap="flat" cmpd="sng" algn="ctr">
+                      <a:solidFill>
+                        <a:schemeClr val="tx1"/>
+                      </a:solidFill>
+                      <a:prstDash val="solid"/>
+                      <a:round/>
+                      <a:headEnd type="none" w="med" len="med"/>
+                      <a:tailEnd type="none" w="med" len="med"/>
+                    </a:lnR>
+                    <a:lnT w="12700" cap="flat" cmpd="sng" algn="ctr">
+                      <a:solidFill>
+                        <a:schemeClr val="tx1"/>
+                      </a:solidFill>
+                      <a:prstDash val="solid"/>
+                      <a:round/>
+                      <a:headEnd type="none" w="med" len="med"/>
+                      <a:tailEnd type="none" w="med" len="med"/>
+                    </a:lnT>
+                    <a:lnB w="12700" cap="flat" cmpd="sng" algn="ctr">
+                      <a:solidFill>
+                        <a:schemeClr val="tx1"/>
+                      </a:solidFill>
+                      <a:prstDash val="solid"/>
+                      <a:round/>
+                      <a:headEnd type="none" w="med" len="med"/>
+                      <a:tailEnd type="none" w="med" len="med"/>
+                    </a:lnB>
+                    <a:solidFill>
+                      <a:schemeClr val="bg1"/>
+                    </a:solidFill>
+                  </a:tcPr>
+                </a:tc>
+                <a:tc>
+                  <a:txBody>
+                    <a:bodyPr/>
+                    <a:lstStyle/>
+                    <a:p>
+                      <a:pPr algn="ctr" latinLnBrk="1"/>
+                      <a:r>
+                        <a:rPr lang="en-US" altLang="ko-KR" dirty="0">
+                          <a:solidFill>
+                            <a:sysClr val="windowText" lastClr="000000"/>
+                          </a:solidFill>
+                        </a:rPr>
+                        <a:t>28</a:t>
+                      </a:r>
+                      <a:endParaRPr lang="ko-KR" altLang="en-US" dirty="0">
+                        <a:solidFill>
+                          <a:sysClr val="windowText" lastClr="000000"/>
+                        </a:solidFill>
+                      </a:endParaRPr>
+                    </a:p>
+                  </a:txBody>
+                  <a:tcPr>
+                    <a:lnL w="12700" cap="flat" cmpd="sng" algn="ctr">
+                      <a:solidFill>
+                        <a:schemeClr val="tx1"/>
+                      </a:solidFill>
+                      <a:prstDash val="solid"/>
+                      <a:round/>
+                      <a:headEnd type="none" w="med" len="med"/>
+                      <a:tailEnd type="none" w="med" len="med"/>
+                    </a:lnL>
+                    <a:lnR w="12700" cap="flat" cmpd="sng" algn="ctr">
+                      <a:solidFill>
+                        <a:schemeClr val="tx1"/>
+                      </a:solidFill>
+                      <a:prstDash val="solid"/>
+                      <a:round/>
+                      <a:headEnd type="none" w="med" len="med"/>
+                      <a:tailEnd type="none" w="med" len="med"/>
+                    </a:lnR>
+                    <a:lnT w="12700" cap="flat" cmpd="sng" algn="ctr">
+                      <a:solidFill>
+                        <a:schemeClr val="tx1"/>
+                      </a:solidFill>
+                      <a:prstDash val="solid"/>
+                      <a:round/>
+                      <a:headEnd type="none" w="med" len="med"/>
+                      <a:tailEnd type="none" w="med" len="med"/>
+                    </a:lnT>
+                    <a:lnB w="12700" cap="flat" cmpd="sng" algn="ctr">
+                      <a:solidFill>
+                        <a:schemeClr val="tx1"/>
+                      </a:solidFill>
+                      <a:prstDash val="solid"/>
+                      <a:round/>
+                      <a:headEnd type="none" w="med" len="med"/>
+                      <a:tailEnd type="none" w="med" len="med"/>
+                    </a:lnB>
+                    <a:solidFill>
+                      <a:schemeClr val="bg1"/>
+                    </a:solidFill>
+                  </a:tcPr>
+                </a:tc>
+                <a:tc>
+                  <a:txBody>
+                    <a:bodyPr/>
+                    <a:lstStyle/>
+                    <a:p>
+                      <a:pPr algn="ctr" latinLnBrk="1"/>
+                      <a:r>
+                        <a:rPr lang="en-US" altLang="ko-KR" dirty="0">
+                          <a:solidFill>
+                            <a:sysClr val="windowText" lastClr="000000"/>
+                          </a:solidFill>
+                        </a:rPr>
+                        <a:t>20</a:t>
+                      </a:r>
+                      <a:endParaRPr lang="ko-KR" altLang="en-US" dirty="0">
+                        <a:solidFill>
+                          <a:sysClr val="windowText" lastClr="000000"/>
+                        </a:solidFill>
+                      </a:endParaRPr>
+                    </a:p>
+                  </a:txBody>
+                  <a:tcPr>
+                    <a:lnL w="12700" cap="flat" cmpd="sng" algn="ctr">
+                      <a:solidFill>
+                        <a:schemeClr val="tx1"/>
+                      </a:solidFill>
+                      <a:prstDash val="solid"/>
+                      <a:round/>
+                      <a:headEnd type="none" w="med" len="med"/>
+                      <a:tailEnd type="none" w="med" len="med"/>
+                    </a:lnL>
+                    <a:lnR w="12700" cap="flat" cmpd="sng" algn="ctr">
+                      <a:solidFill>
+                        <a:schemeClr val="tx1"/>
+                      </a:solidFill>
+                      <a:prstDash val="solid"/>
+                      <a:round/>
+                      <a:headEnd type="none" w="med" len="med"/>
+                      <a:tailEnd type="none" w="med" len="med"/>
+                    </a:lnR>
+                    <a:lnT w="12700" cap="flat" cmpd="sng" algn="ctr">
+                      <a:solidFill>
+                        <a:schemeClr val="tx1"/>
+                      </a:solidFill>
+                      <a:prstDash val="solid"/>
+                      <a:round/>
+                      <a:headEnd type="none" w="med" len="med"/>
+                      <a:tailEnd type="none" w="med" len="med"/>
+                    </a:lnT>
+                    <a:lnB w="12700" cap="flat" cmpd="sng" algn="ctr">
+                      <a:solidFill>
+                        <a:schemeClr val="tx1"/>
+                      </a:solidFill>
+                      <a:prstDash val="solid"/>
+                      <a:round/>
+                      <a:headEnd type="none" w="med" len="med"/>
+                      <a:tailEnd type="none" w="med" len="med"/>
+                    </a:lnB>
+                    <a:solidFill>
+                      <a:schemeClr val="bg1"/>
+                    </a:solidFill>
+                  </a:tcPr>
+                </a:tc>
+                <a:tc>
+                  <a:txBody>
+                    <a:bodyPr/>
+                    <a:lstStyle/>
+                    <a:p>
+                      <a:pPr algn="ctr" latinLnBrk="1"/>
+                      <a:r>
+                        <a:rPr lang="en-US" altLang="ko-KR" dirty="0">
+                          <a:solidFill>
+                            <a:sysClr val="windowText" lastClr="000000"/>
+                          </a:solidFill>
+                        </a:rPr>
+                        <a:t>85</a:t>
+                      </a:r>
+                      <a:endParaRPr lang="ko-KR" altLang="en-US" dirty="0">
+                        <a:solidFill>
+                          <a:sysClr val="windowText" lastClr="000000"/>
+                        </a:solidFill>
+                      </a:endParaRPr>
+                    </a:p>
+                  </a:txBody>
+                  <a:tcPr>
+                    <a:lnL w="12700" cap="flat" cmpd="sng" algn="ctr">
+                      <a:solidFill>
+                        <a:schemeClr val="tx1"/>
+                      </a:solidFill>
+                      <a:prstDash val="solid"/>
+                      <a:round/>
+                      <a:headEnd type="none" w="med" len="med"/>
+                      <a:tailEnd type="none" w="med" len="med"/>
+                    </a:lnL>
+                    <a:lnR w="12700" cap="flat" cmpd="sng" algn="ctr">
+                      <a:solidFill>
+                        <a:schemeClr val="tx1"/>
+                      </a:solidFill>
+                      <a:prstDash val="solid"/>
+                      <a:round/>
+                      <a:headEnd type="none" w="med" len="med"/>
+                      <a:tailEnd type="none" w="med" len="med"/>
+                    </a:lnR>
+                    <a:lnT w="12700" cap="flat" cmpd="sng" algn="ctr">
+                      <a:solidFill>
+                        <a:schemeClr val="tx1"/>
+                      </a:solidFill>
+                      <a:prstDash val="solid"/>
+                      <a:round/>
+                      <a:headEnd type="none" w="med" len="med"/>
+                      <a:tailEnd type="none" w="med" len="med"/>
+                    </a:lnT>
+                    <a:lnB w="12700" cap="flat" cmpd="sng" algn="ctr">
+                      <a:solidFill>
+                        <a:schemeClr val="tx1"/>
+                      </a:solidFill>
+                      <a:prstDash val="solid"/>
+                      <a:round/>
+                      <a:headEnd type="none" w="med" len="med"/>
+                      <a:tailEnd type="none" w="med" len="med"/>
+                    </a:lnB>
+                    <a:solidFill>
+                      <a:schemeClr val="bg1"/>
+                    </a:solidFill>
+                  </a:tcPr>
+                </a:tc>
+                <a:extLst>
+                  <a:ext uri="{0D108BD9-81ED-4DB2-BD59-A6C34878D82A}">
+                    <a16:rowId xmlns:a16="http://schemas.microsoft.com/office/drawing/2014/main" val="1949217818"/>
+                  </a:ext>
+                </a:extLst>
+              </a:tr>
+            </a:tbl>
+          </a:graphicData>
+        </a:graphic>
+      </p:graphicFrame>
+      <p:sp>
+        <p:nvSpPr>
+          <p:cNvPr id="16" name="화살표: 아래쪽 15">
+            <a:extLst>
+              <a:ext uri="{FF2B5EF4-FFF2-40B4-BE49-F238E27FC236}">
+                <a16:creationId xmlns:a16="http://schemas.microsoft.com/office/drawing/2014/main" id="{C45D4ABF-5336-4213-9C0E-80A9E8C253ED}"/>
+              </a:ext>
+            </a:extLst>
+          </p:cNvPr>
+          <p:cNvSpPr/>
+          <p:nvPr/>
+        </p:nvSpPr>
+        <p:spPr>
+          <a:xfrm rot="16200000">
+            <a:off x="1135048" y="4094372"/>
+            <a:ext cx="216024" cy="974968"/>
+          </a:xfrm>
+          <a:prstGeom prst="downArrow">
+            <a:avLst/>
+          </a:prstGeom>
+          <a:solidFill>
+            <a:srgbClr val="00B050">
+              <a:alpha val="55000"/>
+            </a:srgbClr>
+          </a:solidFill>
+          <a:ln>
+            <a:solidFill>
+              <a:schemeClr val="accent2">
+                <a:lumMod val="60000"/>
+                <a:lumOff val="40000"/>
+              </a:schemeClr>
+            </a:solidFill>
+          </a:ln>
+        </p:spPr>
+        <p:style>
+          <a:lnRef idx="2">
+            <a:schemeClr val="accent1">
+              <a:shade val="50000"/>
+            </a:schemeClr>
+          </a:lnRef>
+          <a:fillRef idx="1">
+            <a:schemeClr val="accent1"/>
+          </a:fillRef>
+          <a:effectRef idx="0">
+            <a:schemeClr val="accent1"/>
+          </a:effectRef>
+          <a:fontRef idx="minor">
+            <a:schemeClr val="lt1"/>
+          </a:fontRef>
+        </p:style>
+        <p:txBody>
+          <a:bodyPr rtlCol="0" anchor="ctr"/>
+          <a:lstStyle/>
+          <a:p>
+            <a:pPr algn="ctr"/>
+            <a:endParaRPr lang="ko-KR" altLang="en-US"/>
+          </a:p>
+        </p:txBody>
+      </p:sp>
+      <p:sp>
+        <p:nvSpPr>
+          <p:cNvPr id="17" name="TextBox 16">
+            <a:extLst>
+              <a:ext uri="{FF2B5EF4-FFF2-40B4-BE49-F238E27FC236}">
+                <a16:creationId xmlns:a16="http://schemas.microsoft.com/office/drawing/2014/main" id="{9F1D45F9-77A2-4250-B94D-309B8F6F8773}"/>
+              </a:ext>
+            </a:extLst>
+          </p:cNvPr>
+          <p:cNvSpPr txBox="1"/>
+          <p:nvPr/>
+        </p:nvSpPr>
+        <p:spPr>
+          <a:xfrm>
+            <a:off x="5735996" y="5327887"/>
+            <a:ext cx="2438488" cy="369332"/>
+          </a:xfrm>
+          <a:prstGeom prst="rect">
+            <a:avLst/>
+          </a:prstGeom>
+          <a:noFill/>
+        </p:spPr>
+        <p:txBody>
+          <a:bodyPr wrap="none" rtlCol="0">
+            <a:spAutoFit/>
+          </a:bodyPr>
+          <a:lstStyle/>
+          <a:p>
+            <a:r>
+              <a:rPr lang="en-US" altLang="ko-KR" dirty="0"/>
+              <a:t>※ </a:t>
+            </a:r>
+            <a:r>
+              <a:rPr lang="ko-KR" altLang="en-US" dirty="0"/>
+              <a:t>관측빈도</a:t>
+            </a:r>
+            <a:r>
+              <a:rPr lang="en-US" altLang="ko-KR" dirty="0"/>
+              <a:t>(</a:t>
+            </a:r>
+            <a:r>
+              <a:rPr lang="ko-KR" altLang="en-US" dirty="0"/>
+              <a:t>기대빈도</a:t>
+            </a:r>
+            <a:r>
+              <a:rPr lang="en-US" altLang="ko-KR" dirty="0"/>
+              <a:t>)</a:t>
+            </a:r>
+            <a:endParaRPr lang="ko-KR" altLang="en-US" dirty="0"/>
+          </a:p>
+        </p:txBody>
+      </p:sp>
+      <p:sp>
+        <p:nvSpPr>
+          <p:cNvPr id="19" name="TextBox 18">
+            <a:extLst>
+              <a:ext uri="{FF2B5EF4-FFF2-40B4-BE49-F238E27FC236}">
+                <a16:creationId xmlns:a16="http://schemas.microsoft.com/office/drawing/2014/main" id="{E8ABC75D-7781-4C09-8AA2-DA4C739E72AD}"/>
+              </a:ext>
+            </a:extLst>
+          </p:cNvPr>
+          <p:cNvSpPr txBox="1"/>
+          <p:nvPr/>
+        </p:nvSpPr>
+        <p:spPr>
+          <a:xfrm>
+            <a:off x="606819" y="3514789"/>
+            <a:ext cx="1272480" cy="923330"/>
+          </a:xfrm>
+          <a:prstGeom prst="rect">
+            <a:avLst/>
+          </a:prstGeom>
+          <a:noFill/>
+        </p:spPr>
+        <p:txBody>
+          <a:bodyPr wrap="square">
+            <a:spAutoFit/>
+          </a:bodyPr>
+          <a:lstStyle/>
+          <a:p>
+            <a:pPr algn="ctr"/>
+            <a:r>
+              <a:rPr lang="ko-KR" altLang="en-US" dirty="0"/>
+              <a:t>모든</a:t>
+            </a:r>
+            <a:endParaRPr lang="en-US" altLang="ko-KR" dirty="0"/>
+          </a:p>
+          <a:p>
+            <a:pPr algn="ctr"/>
+            <a:r>
+              <a:rPr lang="ko-KR" altLang="en-US" dirty="0"/>
+              <a:t>기대빈도</a:t>
+            </a:r>
+            <a:endParaRPr lang="en-US" altLang="ko-KR" dirty="0"/>
+          </a:p>
+          <a:p>
+            <a:pPr algn="ctr"/>
+            <a:r>
+              <a:rPr lang="ko-KR" altLang="en-US" dirty="0"/>
+              <a:t>계산</a:t>
+            </a:r>
+          </a:p>
+        </p:txBody>
+      </p:sp>
+    </p:spTree>
+    <p:extLst>
+      <p:ext uri="{BB962C8B-B14F-4D97-AF65-F5344CB8AC3E}">
+        <p14:creationId xmlns:p14="http://schemas.microsoft.com/office/powerpoint/2010/main" val="1939328303"/>
+      </p:ext>
+    </p:extLst>
+  </p:cSld>
+  <p:clrMapOvr>
+    <a:masterClrMapping/>
+  </p:clrMapOvr>
+</p:sld>
+</file>
+
 <file path=ppt/theme/theme1.xml><?xml version="1.0" encoding="utf-8"?>
 <a:theme xmlns:a="http://schemas.openxmlformats.org/drawingml/2006/main" name="Office 테마">
   <a:themeElements>

--- a/pics/2021-12-13-chi_square/pics.pptx
+++ b/pics/2021-12-13-chi_square/pics.pptx
@@ -309,7 +309,7 @@
           <a:p>
             <a:fld id="{FB30EDBD-1C2D-4C1E-B459-B60219FAB484}" type="datetimeFigureOut">
               <a:rPr lang="ko-KR" altLang="en-US" smtClean="0"/>
-              <a:t>2021-12-14</a:t>
+              <a:t>2021-12-17</a:t>
             </a:fld>
             <a:endParaRPr lang="ko-KR" altLang="en-US"/>
           </a:p>
@@ -472,7 +472,7 @@
           <a:p>
             <a:fld id="{FB30EDBD-1C2D-4C1E-B459-B60219FAB484}" type="datetimeFigureOut">
               <a:rPr lang="ko-KR" altLang="en-US" smtClean="0"/>
-              <a:t>2021-12-14</a:t>
+              <a:t>2021-12-17</a:t>
             </a:fld>
             <a:endParaRPr lang="ko-KR" altLang="en-US"/>
           </a:p>
@@ -645,7 +645,7 @@
           <a:p>
             <a:fld id="{FB30EDBD-1C2D-4C1E-B459-B60219FAB484}" type="datetimeFigureOut">
               <a:rPr lang="ko-KR" altLang="en-US" smtClean="0"/>
-              <a:t>2021-12-14</a:t>
+              <a:t>2021-12-17</a:t>
             </a:fld>
             <a:endParaRPr lang="ko-KR" altLang="en-US"/>
           </a:p>
@@ -808,7 +808,7 @@
           <a:p>
             <a:fld id="{FB30EDBD-1C2D-4C1E-B459-B60219FAB484}" type="datetimeFigureOut">
               <a:rPr lang="ko-KR" altLang="en-US" smtClean="0"/>
-              <a:t>2021-12-14</a:t>
+              <a:t>2021-12-17</a:t>
             </a:fld>
             <a:endParaRPr lang="ko-KR" altLang="en-US"/>
           </a:p>
@@ -1048,7 +1048,7 @@
           <a:p>
             <a:fld id="{FB30EDBD-1C2D-4C1E-B459-B60219FAB484}" type="datetimeFigureOut">
               <a:rPr lang="ko-KR" altLang="en-US" smtClean="0"/>
-              <a:t>2021-12-14</a:t>
+              <a:t>2021-12-17</a:t>
             </a:fld>
             <a:endParaRPr lang="ko-KR" altLang="en-US"/>
           </a:p>
@@ -1328,7 +1328,7 @@
           <a:p>
             <a:fld id="{FB30EDBD-1C2D-4C1E-B459-B60219FAB484}" type="datetimeFigureOut">
               <a:rPr lang="ko-KR" altLang="en-US" smtClean="0"/>
-              <a:t>2021-12-14</a:t>
+              <a:t>2021-12-17</a:t>
             </a:fld>
             <a:endParaRPr lang="ko-KR" altLang="en-US"/>
           </a:p>
@@ -1742,7 +1742,7 @@
           <a:p>
             <a:fld id="{FB30EDBD-1C2D-4C1E-B459-B60219FAB484}" type="datetimeFigureOut">
               <a:rPr lang="ko-KR" altLang="en-US" smtClean="0"/>
-              <a:t>2021-12-14</a:t>
+              <a:t>2021-12-17</a:t>
             </a:fld>
             <a:endParaRPr lang="ko-KR" altLang="en-US"/>
           </a:p>
@@ -1854,7 +1854,7 @@
           <a:p>
             <a:fld id="{FB30EDBD-1C2D-4C1E-B459-B60219FAB484}" type="datetimeFigureOut">
               <a:rPr lang="ko-KR" altLang="en-US" smtClean="0"/>
-              <a:t>2021-12-14</a:t>
+              <a:t>2021-12-17</a:t>
             </a:fld>
             <a:endParaRPr lang="ko-KR" altLang="en-US"/>
           </a:p>
@@ -1944,7 +1944,7 @@
           <a:p>
             <a:fld id="{FB30EDBD-1C2D-4C1E-B459-B60219FAB484}" type="datetimeFigureOut">
               <a:rPr lang="ko-KR" altLang="en-US" smtClean="0"/>
-              <a:t>2021-12-14</a:t>
+              <a:t>2021-12-17</a:t>
             </a:fld>
             <a:endParaRPr lang="ko-KR" altLang="en-US"/>
           </a:p>
@@ -2214,7 +2214,7 @@
           <a:p>
             <a:fld id="{FB30EDBD-1C2D-4C1E-B459-B60219FAB484}" type="datetimeFigureOut">
               <a:rPr lang="ko-KR" altLang="en-US" smtClean="0"/>
-              <a:t>2021-12-14</a:t>
+              <a:t>2021-12-17</a:t>
             </a:fld>
             <a:endParaRPr lang="ko-KR" altLang="en-US"/>
           </a:p>
@@ -2461,7 +2461,7 @@
           <a:p>
             <a:fld id="{FB30EDBD-1C2D-4C1E-B459-B60219FAB484}" type="datetimeFigureOut">
               <a:rPr lang="ko-KR" altLang="en-US" smtClean="0"/>
-              <a:t>2021-12-14</a:t>
+              <a:t>2021-12-17</a:t>
             </a:fld>
             <a:endParaRPr lang="ko-KR" altLang="en-US"/>
           </a:p>
@@ -2667,7 +2667,7 @@
           <a:p>
             <a:fld id="{FB30EDBD-1C2D-4C1E-B459-B60219FAB484}" type="datetimeFigureOut">
               <a:rPr lang="ko-KR" altLang="en-US" smtClean="0"/>
-              <a:t>2021-12-14</a:t>
+              <a:t>2021-12-17</a:t>
             </a:fld>
             <a:endParaRPr lang="ko-KR" altLang="en-US"/>
           </a:p>
@@ -10235,8 +10235,8 @@
           </a:p>
         </p:txBody>
       </p:sp>
-      <mc:AlternateContent xmlns:mc="http://schemas.openxmlformats.org/markup-compatibility/2006">
-        <mc:Choice xmlns:a14="http://schemas.microsoft.com/office/drawing/2010/main" Requires="a14">
+      <mc:AlternateContent xmlns:mc="http://schemas.openxmlformats.org/markup-compatibility/2006" xmlns:a14="http://schemas.microsoft.com/office/drawing/2010/main">
+        <mc:Choice Requires="a14">
           <p:sp>
             <p:nvSpPr>
               <p:cNvPr id="14" name="TextBox 13">
@@ -10311,7 +10311,7 @@
             </p:txBody>
           </p:sp>
         </mc:Choice>
-        <mc:Fallback>
+        <mc:Fallback xmlns="">
           <p:sp>
             <p:nvSpPr>
               <p:cNvPr id="14" name="TextBox 13">
